--- a/blur_process.pptx
+++ b/blur_process.pptx
@@ -9,6 +9,7 @@
     <p:sldId id="258" r:id="rId3"/>
     <p:sldId id="257" r:id="rId4"/>
     <p:sldId id="259" r:id="rId5"/>
+    <p:sldId id="260" r:id="rId6"/>
   </p:sldIdLst>
   <p:sldSz cx="9144000" cy="6858000" type="screen4x3"/>
   <p:notesSz cx="6858000" cy="9144000"/>
@@ -246,7 +247,7 @@
           <a:p>
             <a:fld id="{E72317F2-AC8A-4A17-9490-8494A31721E1}" type="datetimeFigureOut">
               <a:rPr lang="en-US" smtClean="0"/>
-              <a:t>8/31/2020</a:t>
+              <a:t>9/23/2020</a:t>
             </a:fld>
             <a:endParaRPr lang="en-US"/>
           </a:p>
@@ -416,7 +417,7 @@
           <a:p>
             <a:fld id="{E72317F2-AC8A-4A17-9490-8494A31721E1}" type="datetimeFigureOut">
               <a:rPr lang="en-US" smtClean="0"/>
-              <a:t>8/31/2020</a:t>
+              <a:t>9/23/2020</a:t>
             </a:fld>
             <a:endParaRPr lang="en-US"/>
           </a:p>
@@ -596,7 +597,7 @@
           <a:p>
             <a:fld id="{E72317F2-AC8A-4A17-9490-8494A31721E1}" type="datetimeFigureOut">
               <a:rPr lang="en-US" smtClean="0"/>
-              <a:t>8/31/2020</a:t>
+              <a:t>9/23/2020</a:t>
             </a:fld>
             <a:endParaRPr lang="en-US"/>
           </a:p>
@@ -766,7 +767,7 @@
           <a:p>
             <a:fld id="{E72317F2-AC8A-4A17-9490-8494A31721E1}" type="datetimeFigureOut">
               <a:rPr lang="en-US" smtClean="0"/>
-              <a:t>8/31/2020</a:t>
+              <a:t>9/23/2020</a:t>
             </a:fld>
             <a:endParaRPr lang="en-US"/>
           </a:p>
@@ -1010,7 +1011,7 @@
           <a:p>
             <a:fld id="{E72317F2-AC8A-4A17-9490-8494A31721E1}" type="datetimeFigureOut">
               <a:rPr lang="en-US" smtClean="0"/>
-              <a:t>8/31/2020</a:t>
+              <a:t>9/23/2020</a:t>
             </a:fld>
             <a:endParaRPr lang="en-US"/>
           </a:p>
@@ -1242,7 +1243,7 @@
           <a:p>
             <a:fld id="{E72317F2-AC8A-4A17-9490-8494A31721E1}" type="datetimeFigureOut">
               <a:rPr lang="en-US" smtClean="0"/>
-              <a:t>8/31/2020</a:t>
+              <a:t>9/23/2020</a:t>
             </a:fld>
             <a:endParaRPr lang="en-US"/>
           </a:p>
@@ -1609,7 +1610,7 @@
           <a:p>
             <a:fld id="{E72317F2-AC8A-4A17-9490-8494A31721E1}" type="datetimeFigureOut">
               <a:rPr lang="en-US" smtClean="0"/>
-              <a:t>8/31/2020</a:t>
+              <a:t>9/23/2020</a:t>
             </a:fld>
             <a:endParaRPr lang="en-US"/>
           </a:p>
@@ -1727,7 +1728,7 @@
           <a:p>
             <a:fld id="{E72317F2-AC8A-4A17-9490-8494A31721E1}" type="datetimeFigureOut">
               <a:rPr lang="en-US" smtClean="0"/>
-              <a:t>8/31/2020</a:t>
+              <a:t>9/23/2020</a:t>
             </a:fld>
             <a:endParaRPr lang="en-US"/>
           </a:p>
@@ -1822,7 +1823,7 @@
           <a:p>
             <a:fld id="{E72317F2-AC8A-4A17-9490-8494A31721E1}" type="datetimeFigureOut">
               <a:rPr lang="en-US" smtClean="0"/>
-              <a:t>8/31/2020</a:t>
+              <a:t>9/23/2020</a:t>
             </a:fld>
             <a:endParaRPr lang="en-US"/>
           </a:p>
@@ -2099,7 +2100,7 @@
           <a:p>
             <a:fld id="{E72317F2-AC8A-4A17-9490-8494A31721E1}" type="datetimeFigureOut">
               <a:rPr lang="en-US" smtClean="0"/>
-              <a:t>8/31/2020</a:t>
+              <a:t>9/23/2020</a:t>
             </a:fld>
             <a:endParaRPr lang="en-US"/>
           </a:p>
@@ -2356,7 +2357,7 @@
           <a:p>
             <a:fld id="{E72317F2-AC8A-4A17-9490-8494A31721E1}" type="datetimeFigureOut">
               <a:rPr lang="en-US" smtClean="0"/>
-              <a:t>8/31/2020</a:t>
+              <a:t>9/23/2020</a:t>
             </a:fld>
             <a:endParaRPr lang="en-US"/>
           </a:p>
@@ -2569,7 +2570,7 @@
           <a:p>
             <a:fld id="{E72317F2-AC8A-4A17-9490-8494A31721E1}" type="datetimeFigureOut">
               <a:rPr lang="en-US" smtClean="0"/>
-              <a:t>8/31/2020</a:t>
+              <a:t>9/23/2020</a:t>
             </a:fld>
             <a:endParaRPr lang="en-US"/>
           </a:p>
@@ -11271,6 +11272,3566 @@
 </p:sld>
 </file>
 
+<file path=ppt/slides/slide5.xml><?xml version="1.0" encoding="utf-8"?>
+<p:sld xmlns:a="http://schemas.openxmlformats.org/drawingml/2006/main" xmlns:r="http://schemas.openxmlformats.org/officeDocument/2006/relationships" xmlns:p="http://schemas.openxmlformats.org/presentationml/2006/main">
+  <p:cSld>
+    <p:spTree>
+      <p:nvGrpSpPr>
+        <p:cNvPr id="1" name=""/>
+        <p:cNvGrpSpPr/>
+        <p:nvPr/>
+      </p:nvGrpSpPr>
+      <p:grpSpPr>
+        <a:xfrm>
+          <a:off x="0" y="0"/>
+          <a:ext cx="0" cy="0"/>
+          <a:chOff x="0" y="0"/>
+          <a:chExt cx="0" cy="0"/>
+        </a:xfrm>
+      </p:grpSpPr>
+      <p:sp>
+        <p:nvSpPr>
+          <p:cNvPr id="120" name="TextBox 119">
+            <a:extLst>
+              <a:ext uri="{FF2B5EF4-FFF2-40B4-BE49-F238E27FC236}">
+                <a16:creationId xmlns:a16="http://schemas.microsoft.com/office/drawing/2014/main" id="{EF804189-39F2-4AA6-B9B3-4209DC6C823F}"/>
+              </a:ext>
+            </a:extLst>
+          </p:cNvPr>
+          <p:cNvSpPr txBox="1"/>
+          <p:nvPr/>
+        </p:nvSpPr>
+        <p:spPr>
+          <a:xfrm>
+            <a:off x="1" y="92384"/>
+            <a:ext cx="9143999" cy="369332"/>
+          </a:xfrm>
+          <a:prstGeom prst="rect">
+            <a:avLst/>
+          </a:prstGeom>
+          <a:noFill/>
+        </p:spPr>
+        <p:txBody>
+          <a:bodyPr wrap="square" rtlCol="0">
+            <a:spAutoFit/>
+          </a:bodyPr>
+          <a:lstStyle/>
+          <a:p>
+            <a:pPr algn="ctr"/>
+            <a:r>
+              <a:rPr lang="en-US" dirty="0" smtClean="0"/>
+              <a:t>Full Blurred Image scene w/</a:t>
+            </a:r>
+            <a:r>
+              <a:rPr lang="en-US" dirty="0" err="1" smtClean="0"/>
+              <a:t>Depthmap</a:t>
+            </a:r>
+            <a:endParaRPr lang="en-US" dirty="0"/>
+          </a:p>
+        </p:txBody>
+      </p:sp>
+      <p:sp>
+        <p:nvSpPr>
+          <p:cNvPr id="29" name="Flowchart: Terminator 28">
+            <a:extLst>
+              <a:ext uri="{FF2B5EF4-FFF2-40B4-BE49-F238E27FC236}">
+                <a16:creationId xmlns:a16="http://schemas.microsoft.com/office/drawing/2014/main" id="{31E92B87-AF49-4229-8B08-2F4B0AD76EFB}"/>
+              </a:ext>
+            </a:extLst>
+          </p:cNvPr>
+          <p:cNvSpPr/>
+          <p:nvPr/>
+        </p:nvSpPr>
+        <p:spPr>
+          <a:xfrm>
+            <a:off x="314622" y="1432940"/>
+            <a:ext cx="644434" cy="301752"/>
+          </a:xfrm>
+          <a:prstGeom prst="flowChartTerminator">
+            <a:avLst/>
+          </a:prstGeom>
+          <a:ln w="19050">
+            <a:solidFill>
+              <a:schemeClr val="tx1"/>
+            </a:solidFill>
+          </a:ln>
+        </p:spPr>
+        <p:style>
+          <a:lnRef idx="2">
+            <a:schemeClr val="accent1">
+              <a:shade val="50000"/>
+            </a:schemeClr>
+          </a:lnRef>
+          <a:fillRef idx="1">
+            <a:schemeClr val="accent1"/>
+          </a:fillRef>
+          <a:effectRef idx="0">
+            <a:schemeClr val="accent1"/>
+          </a:effectRef>
+          <a:fontRef idx="minor">
+            <a:schemeClr val="lt1"/>
+          </a:fontRef>
+        </p:style>
+        <p:txBody>
+          <a:bodyPr lIns="0" tIns="0" rIns="0" bIns="0" rtlCol="0" anchor="ctr"/>
+          <a:lstStyle/>
+          <a:p>
+            <a:pPr algn="ctr"/>
+            <a:r>
+              <a:rPr lang="en-US" sz="1200" b="1" dirty="0"/>
+              <a:t>START</a:t>
+            </a:r>
+          </a:p>
+        </p:txBody>
+      </p:sp>
+      <p:cxnSp>
+        <p:nvCxnSpPr>
+          <p:cNvPr id="31" name="Connector: Elbow 51">
+            <a:extLst>
+              <a:ext uri="{FF2B5EF4-FFF2-40B4-BE49-F238E27FC236}">
+                <a16:creationId xmlns:a16="http://schemas.microsoft.com/office/drawing/2014/main" id="{11038180-DCFA-46DA-92B2-5F5EC9127D00}"/>
+              </a:ext>
+            </a:extLst>
+          </p:cNvPr>
+          <p:cNvCxnSpPr>
+            <a:cxnSpLocks/>
+            <a:stCxn id="29" idx="3"/>
+            <a:endCxn id="33" idx="1"/>
+          </p:cNvCxnSpPr>
+          <p:nvPr/>
+        </p:nvCxnSpPr>
+        <p:spPr>
+          <a:xfrm flipV="1">
+            <a:off x="959056" y="1482426"/>
+            <a:ext cx="549651" cy="101390"/>
+          </a:xfrm>
+          <a:prstGeom prst="bentConnector3">
+            <a:avLst>
+              <a:gd name="adj1" fmla="val 50000"/>
+            </a:avLst>
+          </a:prstGeom>
+          <a:ln w="19050">
+            <a:solidFill>
+              <a:schemeClr val="tx1"/>
+            </a:solidFill>
+            <a:tailEnd type="triangle"/>
+          </a:ln>
+        </p:spPr>
+        <p:style>
+          <a:lnRef idx="1">
+            <a:schemeClr val="accent1"/>
+          </a:lnRef>
+          <a:fillRef idx="0">
+            <a:schemeClr val="accent1"/>
+          </a:fillRef>
+          <a:effectRef idx="0">
+            <a:schemeClr val="accent1"/>
+          </a:effectRef>
+          <a:fontRef idx="minor">
+            <a:schemeClr val="tx1"/>
+          </a:fontRef>
+        </p:style>
+      </p:cxnSp>
+      <p:sp>
+        <p:nvSpPr>
+          <p:cNvPr id="2" name="TextBox 1"/>
+          <p:cNvSpPr txBox="1"/>
+          <p:nvPr/>
+        </p:nvSpPr>
+        <p:spPr>
+          <a:xfrm>
+            <a:off x="0" y="5521420"/>
+            <a:ext cx="2574744" cy="1323439"/>
+          </a:xfrm>
+          <a:prstGeom prst="rect">
+            <a:avLst/>
+          </a:prstGeom>
+          <a:noFill/>
+        </p:spPr>
+        <p:txBody>
+          <a:bodyPr wrap="none" rtlCol="0">
+            <a:spAutoFit/>
+          </a:bodyPr>
+          <a:lstStyle/>
+          <a:p>
+            <a:r>
+              <a:rPr lang="en-US" sz="1000" b="1" dirty="0" err="1" smtClean="0"/>
+              <a:t>const</a:t>
+            </a:r>
+            <a:r>
+              <a:rPr lang="en-US" sz="1000" b="1" dirty="0" smtClean="0"/>
+              <a:t> uint32_t </a:t>
+            </a:r>
+            <a:r>
+              <a:rPr lang="en-US" sz="1000" b="1" dirty="0" err="1" smtClean="0"/>
+              <a:t>kernel_size</a:t>
+            </a:r>
+            <a:r>
+              <a:rPr lang="en-US" sz="1000" b="1" dirty="0" smtClean="0"/>
+              <a:t> = 69;</a:t>
+            </a:r>
+          </a:p>
+          <a:p>
+            <a:r>
+              <a:rPr lang="en-US" sz="1000" b="1" dirty="0" err="1" smtClean="0"/>
+              <a:t>const</a:t>
+            </a:r>
+            <a:r>
+              <a:rPr lang="en-US" sz="1000" b="1" dirty="0" smtClean="0"/>
+              <a:t> </a:t>
+            </a:r>
+            <a:r>
+              <a:rPr lang="en-US" sz="1000" b="1" dirty="0" err="1" smtClean="0"/>
+              <a:t>std</a:t>
+            </a:r>
+            <a:r>
+              <a:rPr lang="en-US" sz="1000" b="1" dirty="0" smtClean="0"/>
+              <a:t>::vector&lt;uint32_t&gt; br1_table;</a:t>
+            </a:r>
+          </a:p>
+          <a:p>
+            <a:r>
+              <a:rPr lang="en-US" sz="1000" b="1" dirty="0" err="1"/>
+              <a:t>const</a:t>
+            </a:r>
+            <a:r>
+              <a:rPr lang="en-US" sz="1000" b="1" dirty="0"/>
+              <a:t> </a:t>
+            </a:r>
+            <a:r>
+              <a:rPr lang="en-US" sz="1000" b="1" dirty="0" err="1"/>
+              <a:t>std</a:t>
+            </a:r>
+            <a:r>
+              <a:rPr lang="en-US" sz="1000" b="1" dirty="0"/>
+              <a:t>::vector&lt;uint32_t&gt; </a:t>
+            </a:r>
+            <a:r>
+              <a:rPr lang="en-US" sz="1000" b="1" dirty="0" smtClean="0"/>
+              <a:t>br2_table</a:t>
+            </a:r>
+            <a:r>
+              <a:rPr lang="en-US" sz="1000" b="1" dirty="0"/>
+              <a:t>;</a:t>
+            </a:r>
+          </a:p>
+          <a:p>
+            <a:r>
+              <a:rPr lang="en-US" sz="1000" b="1" dirty="0" err="1" smtClean="0"/>
+              <a:t>const</a:t>
+            </a:r>
+            <a:r>
+              <a:rPr lang="en-US" sz="1000" b="1" dirty="0" smtClean="0"/>
+              <a:t> </a:t>
+            </a:r>
+            <a:r>
+              <a:rPr lang="en-US" sz="1000" b="1" dirty="0" err="1" smtClean="0"/>
+              <a:t>std</a:t>
+            </a:r>
+            <a:r>
+              <a:rPr lang="en-US" sz="1000" b="1" dirty="0" smtClean="0"/>
+              <a:t>::vector&lt;double&gt; </a:t>
+            </a:r>
+            <a:r>
+              <a:rPr lang="en-US" sz="1000" b="1" dirty="0" err="1" smtClean="0"/>
+              <a:t>sigma_table</a:t>
+            </a:r>
+            <a:r>
+              <a:rPr lang="en-US" sz="1000" b="1" dirty="0" smtClean="0"/>
+              <a:t>;</a:t>
+            </a:r>
+          </a:p>
+          <a:p>
+            <a:r>
+              <a:rPr lang="en-US" sz="1000" b="1" dirty="0" err="1" smtClean="0"/>
+              <a:t>const</a:t>
+            </a:r>
+            <a:r>
+              <a:rPr lang="en-US" sz="1000" b="1" dirty="0" smtClean="0"/>
+              <a:t> uint32_t </a:t>
+            </a:r>
+            <a:r>
+              <a:rPr lang="en-US" sz="1000" b="1" dirty="0" err="1" smtClean="0"/>
+              <a:t>max_dm_num</a:t>
+            </a:r>
+            <a:r>
+              <a:rPr lang="en-US" sz="1000" b="1" dirty="0" smtClean="0"/>
+              <a:t> = 10;</a:t>
+            </a:r>
+          </a:p>
+          <a:p>
+            <a:r>
+              <a:rPr lang="en-US" sz="1000" b="1" dirty="0" err="1" smtClean="0"/>
+              <a:t>const</a:t>
+            </a:r>
+            <a:r>
+              <a:rPr lang="en-US" sz="1000" b="1" dirty="0" smtClean="0"/>
+              <a:t> uint32_t </a:t>
+            </a:r>
+            <a:r>
+              <a:rPr lang="en-US" sz="1000" b="1" dirty="0" err="1" smtClean="0"/>
+              <a:t>num_objects</a:t>
+            </a:r>
+            <a:r>
+              <a:rPr lang="en-US" sz="1000" b="1" dirty="0" smtClean="0"/>
+              <a:t> = 40;</a:t>
+            </a:r>
+          </a:p>
+          <a:p>
+            <a:r>
+              <a:rPr lang="en-US" sz="1000" b="1" dirty="0" smtClean="0"/>
+              <a:t>uint16_t </a:t>
+            </a:r>
+            <a:r>
+              <a:rPr lang="en-US" sz="1000" b="1" dirty="0" err="1" smtClean="0"/>
+              <a:t>min_dm_value</a:t>
+            </a:r>
+            <a:r>
+              <a:rPr lang="en-US" sz="1000" b="1" dirty="0" smtClean="0"/>
+              <a:t> = 0;</a:t>
+            </a:r>
+          </a:p>
+          <a:p>
+            <a:r>
+              <a:rPr lang="en-US" sz="1000" b="1" dirty="0" smtClean="0"/>
+              <a:t>uint16_t </a:t>
+            </a:r>
+            <a:r>
+              <a:rPr lang="en-US" sz="1000" b="1" dirty="0" err="1" smtClean="0"/>
+              <a:t>max_dm_value</a:t>
+            </a:r>
+            <a:r>
+              <a:rPr lang="en-US" sz="1000" b="1" dirty="0" smtClean="0"/>
+              <a:t> = br1_table.size()-1;</a:t>
+            </a:r>
+          </a:p>
+        </p:txBody>
+      </p:sp>
+      <p:sp>
+        <p:nvSpPr>
+          <p:cNvPr id="33" name="Flowchart: Process 32">
+            <a:extLst>
+              <a:ext uri="{FF2B5EF4-FFF2-40B4-BE49-F238E27FC236}">
+                <a16:creationId xmlns:a16="http://schemas.microsoft.com/office/drawing/2014/main" id="{CE089EC0-AE63-43ED-8C40-FD005B49003F}"/>
+              </a:ext>
+            </a:extLst>
+          </p:cNvPr>
+          <p:cNvSpPr/>
+          <p:nvPr/>
+        </p:nvSpPr>
+        <p:spPr>
+          <a:xfrm>
+            <a:off x="1508707" y="1336405"/>
+            <a:ext cx="1835385" cy="292041"/>
+          </a:xfrm>
+          <a:prstGeom prst="flowChartProcess">
+            <a:avLst/>
+          </a:prstGeom>
+          <a:solidFill>
+            <a:schemeClr val="accent2">
+              <a:lumMod val="20000"/>
+              <a:lumOff val="80000"/>
+            </a:schemeClr>
+          </a:solidFill>
+          <a:ln w="19050">
+            <a:solidFill>
+              <a:schemeClr val="tx1"/>
+            </a:solidFill>
+          </a:ln>
+        </p:spPr>
+        <p:style>
+          <a:lnRef idx="2">
+            <a:schemeClr val="accent1">
+              <a:shade val="50000"/>
+            </a:schemeClr>
+          </a:lnRef>
+          <a:fillRef idx="1">
+            <a:schemeClr val="accent1"/>
+          </a:fillRef>
+          <a:effectRef idx="0">
+            <a:schemeClr val="accent1"/>
+          </a:effectRef>
+          <a:fontRef idx="minor">
+            <a:schemeClr val="lt1"/>
+          </a:fontRef>
+        </p:style>
+        <p:txBody>
+          <a:bodyPr lIns="0" tIns="0" rIns="0" bIns="0" rtlCol="0" anchor="ctr"/>
+          <a:lstStyle/>
+          <a:p>
+            <a:pPr algn="ctr"/>
+            <a:r>
+              <a:rPr lang="en-US" sz="1200" b="1" dirty="0" err="1">
+                <a:solidFill>
+                  <a:schemeClr val="tx1"/>
+                </a:solidFill>
+              </a:rPr>
+              <a:t>generate_random_image</a:t>
+            </a:r>
+            <a:endParaRPr lang="en-US" sz="1200" b="1" dirty="0">
+              <a:solidFill>
+                <a:schemeClr val="tx1"/>
+              </a:solidFill>
+            </a:endParaRPr>
+          </a:p>
+        </p:txBody>
+      </p:sp>
+      <p:sp>
+        <p:nvSpPr>
+          <p:cNvPr id="34" name="Flowchart: Terminator 33">
+            <a:extLst>
+              <a:ext uri="{FF2B5EF4-FFF2-40B4-BE49-F238E27FC236}">
+                <a16:creationId xmlns:a16="http://schemas.microsoft.com/office/drawing/2014/main" id="{D4A7CF2A-566F-4156-BF2F-E52E12114DE3}"/>
+              </a:ext>
+            </a:extLst>
+          </p:cNvPr>
+          <p:cNvSpPr/>
+          <p:nvPr/>
+        </p:nvSpPr>
+        <p:spPr>
+          <a:xfrm>
+            <a:off x="1287372" y="477342"/>
+            <a:ext cx="731516" cy="404946"/>
+          </a:xfrm>
+          <a:prstGeom prst="flowChartTerminator">
+            <a:avLst/>
+          </a:prstGeom>
+          <a:ln w="19050">
+            <a:solidFill>
+              <a:schemeClr val="tx1"/>
+            </a:solidFill>
+          </a:ln>
+        </p:spPr>
+        <p:style>
+          <a:lnRef idx="2">
+            <a:schemeClr val="accent1">
+              <a:shade val="50000"/>
+            </a:schemeClr>
+          </a:lnRef>
+          <a:fillRef idx="1">
+            <a:schemeClr val="accent1"/>
+          </a:fillRef>
+          <a:effectRef idx="0">
+            <a:schemeClr val="accent1"/>
+          </a:effectRef>
+          <a:fontRef idx="minor">
+            <a:schemeClr val="lt1"/>
+          </a:fontRef>
+        </p:style>
+        <p:txBody>
+          <a:bodyPr lIns="0" tIns="0" rIns="0" bIns="0" rtlCol="0" anchor="ctr"/>
+          <a:lstStyle/>
+          <a:p>
+            <a:pPr algn="ctr"/>
+            <a:r>
+              <a:rPr lang="en-US" sz="1200" b="1" dirty="0"/>
+              <a:t>Image Size</a:t>
+            </a:r>
+          </a:p>
+        </p:txBody>
+      </p:sp>
+      <p:cxnSp>
+        <p:nvCxnSpPr>
+          <p:cNvPr id="35" name="Connector: Elbow 51">
+            <a:extLst>
+              <a:ext uri="{FF2B5EF4-FFF2-40B4-BE49-F238E27FC236}">
+                <a16:creationId xmlns:a16="http://schemas.microsoft.com/office/drawing/2014/main" id="{11038180-DCFA-46DA-92B2-5F5EC9127D00}"/>
+              </a:ext>
+            </a:extLst>
+          </p:cNvPr>
+          <p:cNvCxnSpPr>
+            <a:cxnSpLocks/>
+            <a:stCxn id="34" idx="3"/>
+            <a:endCxn id="33" idx="0"/>
+          </p:cNvCxnSpPr>
+          <p:nvPr/>
+        </p:nvCxnSpPr>
+        <p:spPr>
+          <a:xfrm>
+            <a:off x="2018888" y="679815"/>
+            <a:ext cx="407512" cy="656590"/>
+          </a:xfrm>
+          <a:prstGeom prst="bentConnector2">
+            <a:avLst/>
+          </a:prstGeom>
+          <a:ln w="19050">
+            <a:solidFill>
+              <a:schemeClr val="tx1"/>
+            </a:solidFill>
+            <a:tailEnd type="triangle"/>
+          </a:ln>
+        </p:spPr>
+        <p:style>
+          <a:lnRef idx="1">
+            <a:schemeClr val="accent1"/>
+          </a:lnRef>
+          <a:fillRef idx="0">
+            <a:schemeClr val="accent1"/>
+          </a:fillRef>
+          <a:effectRef idx="0">
+            <a:schemeClr val="accent1"/>
+          </a:effectRef>
+          <a:fontRef idx="minor">
+            <a:schemeClr val="tx1"/>
+          </a:fontRef>
+        </p:style>
+      </p:cxnSp>
+      <p:sp>
+        <p:nvSpPr>
+          <p:cNvPr id="15" name="Rounded Rectangle 14"/>
+          <p:cNvSpPr/>
+          <p:nvPr/>
+        </p:nvSpPr>
+        <p:spPr>
+          <a:xfrm>
+            <a:off x="4241074" y="1314272"/>
+            <a:ext cx="1937162" cy="833791"/>
+          </a:xfrm>
+          <a:prstGeom prst="roundRect">
+            <a:avLst/>
+          </a:prstGeom>
+          <a:solidFill>
+            <a:schemeClr val="accent6">
+              <a:lumMod val="20000"/>
+              <a:lumOff val="80000"/>
+            </a:schemeClr>
+          </a:solidFill>
+          <a:ln w="19050">
+            <a:solidFill>
+              <a:schemeClr val="tx1"/>
+            </a:solidFill>
+          </a:ln>
+        </p:spPr>
+        <p:style>
+          <a:lnRef idx="2">
+            <a:schemeClr val="accent1">
+              <a:shade val="50000"/>
+            </a:schemeClr>
+          </a:lnRef>
+          <a:fillRef idx="1">
+            <a:schemeClr val="accent1"/>
+          </a:fillRef>
+          <a:effectRef idx="0">
+            <a:schemeClr val="accent1"/>
+          </a:effectRef>
+          <a:fontRef idx="minor">
+            <a:schemeClr val="lt1"/>
+          </a:fontRef>
+        </p:style>
+        <p:txBody>
+          <a:bodyPr rtlCol="0" anchor="ctr"/>
+          <a:lstStyle/>
+          <a:p>
+            <a:pPr algn="ctr"/>
+            <a:r>
+              <a:rPr lang="en-US" sz="1000" b="1" dirty="0" smtClean="0">
+                <a:solidFill>
+                  <a:schemeClr val="tx1"/>
+                </a:solidFill>
+              </a:rPr>
+              <a:t>Generate and sort </a:t>
+            </a:r>
+            <a:r>
+              <a:rPr lang="en-US" sz="1000" b="1" dirty="0" err="1" smtClean="0">
+                <a:solidFill>
+                  <a:schemeClr val="tx1"/>
+                </a:solidFill>
+              </a:rPr>
+              <a:t>max_dm_num</a:t>
+            </a:r>
+            <a:r>
+              <a:rPr lang="en-US" sz="1000" b="1" dirty="0" smtClean="0">
+                <a:solidFill>
+                  <a:schemeClr val="tx1"/>
+                </a:solidFill>
+              </a:rPr>
+              <a:t> values</a:t>
+            </a:r>
+          </a:p>
+          <a:p>
+            <a:pPr algn="ctr"/>
+            <a:r>
+              <a:rPr lang="en-US" sz="1000" b="1" dirty="0" smtClean="0">
+                <a:solidFill>
+                  <a:schemeClr val="tx1"/>
+                </a:solidFill>
+              </a:rPr>
+              <a:t>[</a:t>
+            </a:r>
+            <a:r>
+              <a:rPr lang="en-US" sz="1000" b="1" dirty="0" err="1">
+                <a:solidFill>
+                  <a:schemeClr val="tx1"/>
+                </a:solidFill>
+              </a:rPr>
+              <a:t>min_dm_value</a:t>
+            </a:r>
+            <a:r>
+              <a:rPr lang="en-US" sz="1000" b="1" dirty="0">
+                <a:solidFill>
+                  <a:schemeClr val="tx1"/>
+                </a:solidFill>
+              </a:rPr>
+              <a:t> </a:t>
+            </a:r>
+            <a:r>
+              <a:rPr lang="en-US" sz="1000" b="1" dirty="0" smtClean="0">
+                <a:solidFill>
+                  <a:schemeClr val="tx1"/>
+                </a:solidFill>
+              </a:rPr>
+              <a:t>…</a:t>
+            </a:r>
+            <a:r>
+              <a:rPr lang="en-US" sz="1000" b="1" dirty="0">
+                <a:solidFill>
+                  <a:schemeClr val="tx1"/>
+                </a:solidFill>
+              </a:rPr>
+              <a:t> </a:t>
+            </a:r>
+            <a:r>
+              <a:rPr lang="en-US" sz="1000" b="1" dirty="0" err="1" smtClean="0">
+                <a:solidFill>
+                  <a:schemeClr val="tx1"/>
+                </a:solidFill>
+              </a:rPr>
+              <a:t>max_dm_value</a:t>
+            </a:r>
+            <a:r>
+              <a:rPr lang="en-US" sz="1000" b="1" dirty="0" smtClean="0">
+                <a:solidFill>
+                  <a:schemeClr val="tx1"/>
+                </a:solidFill>
+              </a:rPr>
+              <a:t>]</a:t>
+            </a:r>
+          </a:p>
+          <a:p>
+            <a:pPr algn="ctr"/>
+            <a:r>
+              <a:rPr lang="en-US" sz="1000" b="1" dirty="0" smtClean="0">
+                <a:solidFill>
+                  <a:schemeClr val="tx1"/>
+                </a:solidFill>
+              </a:rPr>
+              <a:t>(remove non-unique values)</a:t>
+            </a:r>
+          </a:p>
+        </p:txBody>
+      </p:sp>
+      <p:sp>
+        <p:nvSpPr>
+          <p:cNvPr id="47" name="Flowchart: Terminator 46">
+            <a:extLst>
+              <a:ext uri="{FF2B5EF4-FFF2-40B4-BE49-F238E27FC236}">
+                <a16:creationId xmlns:a16="http://schemas.microsoft.com/office/drawing/2014/main" id="{31E92B87-AF49-4229-8B08-2F4B0AD76EFB}"/>
+              </a:ext>
+            </a:extLst>
+          </p:cNvPr>
+          <p:cNvSpPr/>
+          <p:nvPr/>
+        </p:nvSpPr>
+        <p:spPr>
+          <a:xfrm>
+            <a:off x="3317467" y="861163"/>
+            <a:ext cx="1158241" cy="360762"/>
+          </a:xfrm>
+          <a:prstGeom prst="flowChartTerminator">
+            <a:avLst/>
+          </a:prstGeom>
+          <a:ln w="19050">
+            <a:solidFill>
+              <a:schemeClr val="tx1"/>
+            </a:solidFill>
+          </a:ln>
+        </p:spPr>
+        <p:style>
+          <a:lnRef idx="2">
+            <a:schemeClr val="accent1">
+              <a:shade val="50000"/>
+            </a:schemeClr>
+          </a:lnRef>
+          <a:fillRef idx="1">
+            <a:schemeClr val="accent1"/>
+          </a:fillRef>
+          <a:effectRef idx="0">
+            <a:schemeClr val="accent1"/>
+          </a:effectRef>
+          <a:fontRef idx="minor">
+            <a:schemeClr val="lt1"/>
+          </a:fontRef>
+        </p:style>
+        <p:txBody>
+          <a:bodyPr lIns="45720" tIns="0" rIns="0" bIns="0" rtlCol="0" anchor="ctr"/>
+          <a:lstStyle/>
+          <a:p>
+            <a:pPr marL="112713" indent="-112713">
+              <a:buFont typeface="Arial" panose="020B0604020202020204" pitchFamily="34" charset="0"/>
+              <a:buChar char="•"/>
+            </a:pPr>
+            <a:r>
+              <a:rPr lang="en-US" sz="1000" dirty="0" err="1" smtClean="0"/>
+              <a:t>min_dm_value</a:t>
+            </a:r>
+            <a:endParaRPr lang="en-US" sz="1000" dirty="0" smtClean="0"/>
+          </a:p>
+          <a:p>
+            <a:pPr marL="112713" indent="-112713">
+              <a:buFont typeface="Arial" panose="020B0604020202020204" pitchFamily="34" charset="0"/>
+              <a:buChar char="•"/>
+            </a:pPr>
+            <a:r>
+              <a:rPr lang="en-US" sz="1000" dirty="0" err="1" smtClean="0"/>
+              <a:t>max_dm_value</a:t>
+            </a:r>
+            <a:endParaRPr lang="en-US" sz="1000" dirty="0"/>
+          </a:p>
+        </p:txBody>
+      </p:sp>
+      <p:cxnSp>
+        <p:nvCxnSpPr>
+          <p:cNvPr id="51" name="Connector: Elbow 51">
+            <a:extLst>
+              <a:ext uri="{FF2B5EF4-FFF2-40B4-BE49-F238E27FC236}">
+                <a16:creationId xmlns:a16="http://schemas.microsoft.com/office/drawing/2014/main" id="{11038180-DCFA-46DA-92B2-5F5EC9127D00}"/>
+              </a:ext>
+            </a:extLst>
+          </p:cNvPr>
+          <p:cNvCxnSpPr>
+            <a:cxnSpLocks/>
+            <a:stCxn id="47" idx="3"/>
+            <a:endCxn id="15" idx="0"/>
+          </p:cNvCxnSpPr>
+          <p:nvPr/>
+        </p:nvCxnSpPr>
+        <p:spPr>
+          <a:xfrm>
+            <a:off x="4475708" y="1041544"/>
+            <a:ext cx="733947" cy="272728"/>
+          </a:xfrm>
+          <a:prstGeom prst="bentConnector2">
+            <a:avLst/>
+          </a:prstGeom>
+          <a:ln w="19050">
+            <a:solidFill>
+              <a:schemeClr val="tx1"/>
+            </a:solidFill>
+            <a:tailEnd type="triangle"/>
+          </a:ln>
+        </p:spPr>
+        <p:style>
+          <a:lnRef idx="1">
+            <a:schemeClr val="accent1"/>
+          </a:lnRef>
+          <a:fillRef idx="0">
+            <a:schemeClr val="accent1"/>
+          </a:fillRef>
+          <a:effectRef idx="0">
+            <a:schemeClr val="accent1"/>
+          </a:effectRef>
+          <a:fontRef idx="minor">
+            <a:schemeClr val="tx1"/>
+          </a:fontRef>
+        </p:style>
+      </p:cxnSp>
+      <p:cxnSp>
+        <p:nvCxnSpPr>
+          <p:cNvPr id="56" name="Connector: Elbow 51">
+            <a:extLst>
+              <a:ext uri="{FF2B5EF4-FFF2-40B4-BE49-F238E27FC236}">
+                <a16:creationId xmlns:a16="http://schemas.microsoft.com/office/drawing/2014/main" id="{11038180-DCFA-46DA-92B2-5F5EC9127D00}"/>
+              </a:ext>
+            </a:extLst>
+          </p:cNvPr>
+          <p:cNvCxnSpPr>
+            <a:cxnSpLocks/>
+            <a:stCxn id="33" idx="3"/>
+            <a:endCxn id="15" idx="1"/>
+          </p:cNvCxnSpPr>
+          <p:nvPr/>
+        </p:nvCxnSpPr>
+        <p:spPr>
+          <a:xfrm>
+            <a:off x="3344092" y="1482426"/>
+            <a:ext cx="896982" cy="248742"/>
+          </a:xfrm>
+          <a:prstGeom prst="bentConnector3">
+            <a:avLst>
+              <a:gd name="adj1" fmla="val 50000"/>
+            </a:avLst>
+          </a:prstGeom>
+          <a:ln w="19050">
+            <a:solidFill>
+              <a:schemeClr val="tx1"/>
+            </a:solidFill>
+            <a:tailEnd type="triangle"/>
+          </a:ln>
+        </p:spPr>
+        <p:style>
+          <a:lnRef idx="1">
+            <a:schemeClr val="accent1"/>
+          </a:lnRef>
+          <a:fillRef idx="0">
+            <a:schemeClr val="accent1"/>
+          </a:fillRef>
+          <a:effectRef idx="0">
+            <a:schemeClr val="accent1"/>
+          </a:effectRef>
+          <a:fontRef idx="minor">
+            <a:schemeClr val="tx1"/>
+          </a:fontRef>
+        </p:style>
+      </p:cxnSp>
+      <p:sp>
+        <p:nvSpPr>
+          <p:cNvPr id="38" name="Rectangle 37"/>
+          <p:cNvSpPr/>
+          <p:nvPr/>
+        </p:nvSpPr>
+        <p:spPr>
+          <a:xfrm>
+            <a:off x="5988215" y="2159802"/>
+            <a:ext cx="1909497" cy="246221"/>
+          </a:xfrm>
+          <a:prstGeom prst="rect">
+            <a:avLst/>
+          </a:prstGeom>
+          <a:ln>
+            <a:noFill/>
+          </a:ln>
+        </p:spPr>
+        <p:txBody>
+          <a:bodyPr wrap="none">
+            <a:spAutoFit/>
+          </a:bodyPr>
+          <a:lstStyle/>
+          <a:p>
+            <a:r>
+              <a:rPr lang="en-US" sz="1000" dirty="0" err="1"/>
+              <a:t>std</a:t>
+            </a:r>
+            <a:r>
+              <a:rPr lang="en-US" sz="1000" dirty="0"/>
+              <a:t>::</a:t>
+            </a:r>
+            <a:r>
+              <a:rPr lang="en-US" sz="1000" dirty="0" smtClean="0"/>
+              <a:t>vector&lt;uint16_t</a:t>
+            </a:r>
+            <a:r>
+              <a:rPr lang="en-US" sz="1000" dirty="0"/>
+              <a:t>&gt; </a:t>
+            </a:r>
+            <a:r>
+              <a:rPr lang="en-US" sz="1000" dirty="0" err="1" smtClean="0"/>
+              <a:t>dm</a:t>
+            </a:r>
+            <a:r>
+              <a:rPr lang="en-US" sz="1000" dirty="0" err="1"/>
+              <a:t>_</a:t>
+            </a:r>
+            <a:r>
+              <a:rPr lang="en-US" sz="1000" dirty="0" err="1" smtClean="0"/>
+              <a:t>values</a:t>
+            </a:r>
+            <a:endParaRPr lang="en-US" sz="1000" dirty="0"/>
+          </a:p>
+        </p:txBody>
+      </p:sp>
+      <p:cxnSp>
+        <p:nvCxnSpPr>
+          <p:cNvPr id="61" name="Connector: Elbow 51">
+            <a:extLst>
+              <a:ext uri="{FF2B5EF4-FFF2-40B4-BE49-F238E27FC236}">
+                <a16:creationId xmlns:a16="http://schemas.microsoft.com/office/drawing/2014/main" id="{11038180-DCFA-46DA-92B2-5F5EC9127D00}"/>
+              </a:ext>
+            </a:extLst>
+          </p:cNvPr>
+          <p:cNvCxnSpPr>
+            <a:cxnSpLocks/>
+            <a:stCxn id="15" idx="3"/>
+            <a:endCxn id="64" idx="1"/>
+          </p:cNvCxnSpPr>
+          <p:nvPr/>
+        </p:nvCxnSpPr>
+        <p:spPr>
+          <a:xfrm>
+            <a:off x="6178236" y="1731168"/>
+            <a:ext cx="783411" cy="48191"/>
+          </a:xfrm>
+          <a:prstGeom prst="bentConnector3">
+            <a:avLst>
+              <a:gd name="adj1" fmla="val 50000"/>
+            </a:avLst>
+          </a:prstGeom>
+          <a:ln w="19050">
+            <a:solidFill>
+              <a:schemeClr val="tx1"/>
+            </a:solidFill>
+            <a:tailEnd type="triangle"/>
+          </a:ln>
+        </p:spPr>
+        <p:style>
+          <a:lnRef idx="1">
+            <a:schemeClr val="accent1"/>
+          </a:lnRef>
+          <a:fillRef idx="0">
+            <a:schemeClr val="accent1"/>
+          </a:fillRef>
+          <a:effectRef idx="0">
+            <a:schemeClr val="accent1"/>
+          </a:effectRef>
+          <a:fontRef idx="minor">
+            <a:schemeClr val="tx1"/>
+          </a:fontRef>
+        </p:style>
+      </p:cxnSp>
+      <p:sp>
+        <p:nvSpPr>
+          <p:cNvPr id="64" name="Rounded Rectangle 63"/>
+          <p:cNvSpPr/>
+          <p:nvPr/>
+        </p:nvSpPr>
+        <p:spPr>
+          <a:xfrm>
+            <a:off x="6961647" y="1559734"/>
+            <a:ext cx="1402080" cy="439250"/>
+          </a:xfrm>
+          <a:prstGeom prst="roundRect">
+            <a:avLst/>
+          </a:prstGeom>
+          <a:solidFill>
+            <a:schemeClr val="accent6">
+              <a:lumMod val="20000"/>
+              <a:lumOff val="80000"/>
+            </a:schemeClr>
+          </a:solidFill>
+          <a:ln w="19050">
+            <a:solidFill>
+              <a:schemeClr val="tx1"/>
+            </a:solidFill>
+          </a:ln>
+        </p:spPr>
+        <p:style>
+          <a:lnRef idx="2">
+            <a:schemeClr val="accent1">
+              <a:shade val="50000"/>
+            </a:schemeClr>
+          </a:lnRef>
+          <a:fillRef idx="1">
+            <a:schemeClr val="accent1"/>
+          </a:fillRef>
+          <a:effectRef idx="0">
+            <a:schemeClr val="accent1"/>
+          </a:effectRef>
+          <a:fontRef idx="minor">
+            <a:schemeClr val="lt1"/>
+          </a:fontRef>
+        </p:style>
+        <p:txBody>
+          <a:bodyPr rtlCol="0" anchor="ctr"/>
+          <a:lstStyle/>
+          <a:p>
+            <a:pPr algn="ctr"/>
+            <a:r>
+              <a:rPr lang="en-US" sz="1000" b="1" dirty="0" smtClean="0">
+                <a:solidFill>
+                  <a:schemeClr val="tx1"/>
+                </a:solidFill>
+              </a:rPr>
+              <a:t>Generate base depth map w/</a:t>
+            </a:r>
+            <a:r>
+              <a:rPr lang="en-US" sz="1000" b="1" dirty="0" err="1" smtClean="0">
+                <a:solidFill>
+                  <a:schemeClr val="tx1"/>
+                </a:solidFill>
+              </a:rPr>
+              <a:t>dm_values</a:t>
+            </a:r>
+            <a:r>
+              <a:rPr lang="en-US" sz="1000" b="1" dirty="0" smtClean="0">
+                <a:solidFill>
+                  <a:schemeClr val="tx1"/>
+                </a:solidFill>
+              </a:rPr>
+              <a:t>[0]</a:t>
+            </a:r>
+          </a:p>
+        </p:txBody>
+      </p:sp>
+      <p:cxnSp>
+        <p:nvCxnSpPr>
+          <p:cNvPr id="65" name="Connector: Elbow 51">
+            <a:extLst>
+              <a:ext uri="{FF2B5EF4-FFF2-40B4-BE49-F238E27FC236}">
+                <a16:creationId xmlns:a16="http://schemas.microsoft.com/office/drawing/2014/main" id="{11038180-DCFA-46DA-92B2-5F5EC9127D00}"/>
+              </a:ext>
+            </a:extLst>
+          </p:cNvPr>
+          <p:cNvCxnSpPr>
+            <a:cxnSpLocks/>
+            <a:stCxn id="34" idx="3"/>
+            <a:endCxn id="64" idx="0"/>
+          </p:cNvCxnSpPr>
+          <p:nvPr/>
+        </p:nvCxnSpPr>
+        <p:spPr>
+          <a:xfrm>
+            <a:off x="2018888" y="679815"/>
+            <a:ext cx="5643799" cy="879919"/>
+          </a:xfrm>
+          <a:prstGeom prst="bentConnector2">
+            <a:avLst/>
+          </a:prstGeom>
+          <a:ln w="19050">
+            <a:solidFill>
+              <a:schemeClr val="tx1"/>
+            </a:solidFill>
+            <a:tailEnd type="triangle"/>
+          </a:ln>
+        </p:spPr>
+        <p:style>
+          <a:lnRef idx="1">
+            <a:schemeClr val="accent1"/>
+          </a:lnRef>
+          <a:fillRef idx="0">
+            <a:schemeClr val="accent1"/>
+          </a:fillRef>
+          <a:effectRef idx="0">
+            <a:schemeClr val="accent1"/>
+          </a:effectRef>
+          <a:fontRef idx="minor">
+            <a:schemeClr val="tx1"/>
+          </a:fontRef>
+        </p:style>
+      </p:cxnSp>
+      <p:sp>
+        <p:nvSpPr>
+          <p:cNvPr id="74" name="Flowchart: Terminator 73">
+            <a:extLst>
+              <a:ext uri="{FF2B5EF4-FFF2-40B4-BE49-F238E27FC236}">
+                <a16:creationId xmlns:a16="http://schemas.microsoft.com/office/drawing/2014/main" id="{31E92B87-AF49-4229-8B08-2F4B0AD76EFB}"/>
+              </a:ext>
+            </a:extLst>
+          </p:cNvPr>
+          <p:cNvSpPr/>
+          <p:nvPr/>
+        </p:nvSpPr>
+        <p:spPr>
+          <a:xfrm>
+            <a:off x="343990" y="2976593"/>
+            <a:ext cx="1040715" cy="662610"/>
+          </a:xfrm>
+          <a:prstGeom prst="flowChartTerminator">
+            <a:avLst/>
+          </a:prstGeom>
+          <a:ln w="19050">
+            <a:solidFill>
+              <a:schemeClr val="tx1"/>
+            </a:solidFill>
+          </a:ln>
+        </p:spPr>
+        <p:style>
+          <a:lnRef idx="2">
+            <a:schemeClr val="accent1">
+              <a:shade val="50000"/>
+            </a:schemeClr>
+          </a:lnRef>
+          <a:fillRef idx="1">
+            <a:schemeClr val="accent1"/>
+          </a:fillRef>
+          <a:effectRef idx="0">
+            <a:schemeClr val="accent1"/>
+          </a:effectRef>
+          <a:fontRef idx="minor">
+            <a:schemeClr val="lt1"/>
+          </a:fontRef>
+        </p:style>
+        <p:txBody>
+          <a:bodyPr lIns="45720" tIns="0" rIns="0" bIns="0" rtlCol="0" anchor="ctr"/>
+          <a:lstStyle/>
+          <a:p>
+            <a:pPr marL="112713" indent="-112713">
+              <a:buFont typeface="Arial" panose="020B0604020202020204" pitchFamily="34" charset="0"/>
+              <a:buChar char="•"/>
+            </a:pPr>
+            <a:r>
+              <a:rPr lang="en-US" sz="1000" dirty="0" err="1"/>
+              <a:t>kernel_size</a:t>
+            </a:r>
+            <a:endParaRPr lang="en-US" sz="1000" dirty="0" smtClean="0"/>
+          </a:p>
+          <a:p>
+            <a:pPr marL="112713" indent="-112713">
+              <a:buFont typeface="Arial" panose="020B0604020202020204" pitchFamily="34" charset="0"/>
+              <a:buChar char="•"/>
+            </a:pPr>
+            <a:r>
+              <a:rPr lang="en-US" sz="1000" dirty="0" smtClean="0"/>
+              <a:t>br1_table</a:t>
+            </a:r>
+          </a:p>
+          <a:p>
+            <a:pPr marL="112713" indent="-112713">
+              <a:buFont typeface="Arial" panose="020B0604020202020204" pitchFamily="34" charset="0"/>
+              <a:buChar char="•"/>
+            </a:pPr>
+            <a:r>
+              <a:rPr lang="en-US" sz="1000" dirty="0" err="1" smtClean="0"/>
+              <a:t>sigma_table</a:t>
+            </a:r>
+            <a:endParaRPr lang="en-US" sz="1000" dirty="0"/>
+          </a:p>
+        </p:txBody>
+      </p:sp>
+      <p:sp>
+        <p:nvSpPr>
+          <p:cNvPr id="78" name="Rounded Rectangle 77"/>
+          <p:cNvSpPr/>
+          <p:nvPr/>
+        </p:nvSpPr>
+        <p:spPr>
+          <a:xfrm>
+            <a:off x="1744294" y="2253680"/>
+            <a:ext cx="1071194" cy="439250"/>
+          </a:xfrm>
+          <a:prstGeom prst="roundRect">
+            <a:avLst/>
+          </a:prstGeom>
+          <a:solidFill>
+            <a:schemeClr val="accent6">
+              <a:lumMod val="20000"/>
+              <a:lumOff val="80000"/>
+            </a:schemeClr>
+          </a:solidFill>
+          <a:ln w="19050">
+            <a:solidFill>
+              <a:schemeClr val="tx1"/>
+            </a:solidFill>
+          </a:ln>
+        </p:spPr>
+        <p:style>
+          <a:lnRef idx="2">
+            <a:schemeClr val="accent1">
+              <a:shade val="50000"/>
+            </a:schemeClr>
+          </a:lnRef>
+          <a:fillRef idx="1">
+            <a:schemeClr val="accent1"/>
+          </a:fillRef>
+          <a:effectRef idx="0">
+            <a:schemeClr val="accent1"/>
+          </a:effectRef>
+          <a:fontRef idx="minor">
+            <a:schemeClr val="lt1"/>
+          </a:fontRef>
+        </p:style>
+        <p:txBody>
+          <a:bodyPr rtlCol="0" anchor="ctr"/>
+          <a:lstStyle/>
+          <a:p>
+            <a:pPr algn="ctr"/>
+            <a:r>
+              <a:rPr lang="en-US" sz="1000" b="1" dirty="0" smtClean="0">
+                <a:solidFill>
+                  <a:schemeClr val="tx1"/>
+                </a:solidFill>
+              </a:rPr>
+              <a:t>Generate Gaussian Kernel</a:t>
+            </a:r>
+          </a:p>
+        </p:txBody>
+      </p:sp>
+      <p:cxnSp>
+        <p:nvCxnSpPr>
+          <p:cNvPr id="79" name="Connector: Elbow 51">
+            <a:extLst>
+              <a:ext uri="{FF2B5EF4-FFF2-40B4-BE49-F238E27FC236}">
+                <a16:creationId xmlns:a16="http://schemas.microsoft.com/office/drawing/2014/main" id="{11038180-DCFA-46DA-92B2-5F5EC9127D00}"/>
+              </a:ext>
+            </a:extLst>
+          </p:cNvPr>
+          <p:cNvCxnSpPr>
+            <a:cxnSpLocks/>
+            <a:stCxn id="74" idx="3"/>
+            <a:endCxn id="78" idx="1"/>
+          </p:cNvCxnSpPr>
+          <p:nvPr/>
+        </p:nvCxnSpPr>
+        <p:spPr>
+          <a:xfrm flipV="1">
+            <a:off x="1384705" y="2473305"/>
+            <a:ext cx="359589" cy="834593"/>
+          </a:xfrm>
+          <a:prstGeom prst="bentConnector3">
+            <a:avLst>
+              <a:gd name="adj1" fmla="val 50000"/>
+            </a:avLst>
+          </a:prstGeom>
+          <a:ln w="19050">
+            <a:solidFill>
+              <a:schemeClr val="tx1"/>
+            </a:solidFill>
+            <a:tailEnd type="triangle"/>
+          </a:ln>
+        </p:spPr>
+        <p:style>
+          <a:lnRef idx="1">
+            <a:schemeClr val="accent1"/>
+          </a:lnRef>
+          <a:fillRef idx="0">
+            <a:schemeClr val="accent1"/>
+          </a:fillRef>
+          <a:effectRef idx="0">
+            <a:schemeClr val="accent1"/>
+          </a:effectRef>
+          <a:fontRef idx="minor">
+            <a:schemeClr val="tx1"/>
+          </a:fontRef>
+        </p:style>
+      </p:cxnSp>
+      <p:sp>
+        <p:nvSpPr>
+          <p:cNvPr id="84" name="Flowchart: Process 83">
+            <a:extLst>
+              <a:ext uri="{FF2B5EF4-FFF2-40B4-BE49-F238E27FC236}">
+                <a16:creationId xmlns:a16="http://schemas.microsoft.com/office/drawing/2014/main" id="{B8847B9C-0DE2-4F8C-ADAA-F5977A078735}"/>
+              </a:ext>
+            </a:extLst>
+          </p:cNvPr>
+          <p:cNvSpPr/>
+          <p:nvPr/>
+        </p:nvSpPr>
+        <p:spPr>
+          <a:xfrm>
+            <a:off x="3212172" y="2226693"/>
+            <a:ext cx="854523" cy="292041"/>
+          </a:xfrm>
+          <a:prstGeom prst="flowChartProcess">
+            <a:avLst/>
+          </a:prstGeom>
+          <a:solidFill>
+            <a:srgbClr val="7030A0"/>
+          </a:solidFill>
+          <a:ln w="19050">
+            <a:solidFill>
+              <a:schemeClr val="tx1"/>
+            </a:solidFill>
+          </a:ln>
+        </p:spPr>
+        <p:style>
+          <a:lnRef idx="2">
+            <a:schemeClr val="accent1">
+              <a:shade val="50000"/>
+            </a:schemeClr>
+          </a:lnRef>
+          <a:fillRef idx="1">
+            <a:schemeClr val="accent1"/>
+          </a:fillRef>
+          <a:effectRef idx="0">
+            <a:schemeClr val="accent1"/>
+          </a:effectRef>
+          <a:fontRef idx="minor">
+            <a:schemeClr val="lt1"/>
+          </a:fontRef>
+        </p:style>
+        <p:txBody>
+          <a:bodyPr lIns="0" tIns="0" rIns="0" bIns="0" rtlCol="0" anchor="ctr"/>
+          <a:lstStyle/>
+          <a:p>
+            <a:pPr algn="ctr"/>
+            <a:r>
+              <a:rPr lang="en-US" sz="1200" b="1" dirty="0" err="1"/>
+              <a:t>blur_layer</a:t>
+            </a:r>
+            <a:endParaRPr lang="en-US" sz="1200" b="1" dirty="0"/>
+          </a:p>
+        </p:txBody>
+      </p:sp>
+      <p:cxnSp>
+        <p:nvCxnSpPr>
+          <p:cNvPr id="85" name="Connector: Elbow 51">
+            <a:extLst>
+              <a:ext uri="{FF2B5EF4-FFF2-40B4-BE49-F238E27FC236}">
+                <a16:creationId xmlns:a16="http://schemas.microsoft.com/office/drawing/2014/main" id="{11038180-DCFA-46DA-92B2-5F5EC9127D00}"/>
+              </a:ext>
+            </a:extLst>
+          </p:cNvPr>
+          <p:cNvCxnSpPr>
+            <a:cxnSpLocks/>
+            <a:stCxn id="78" idx="3"/>
+            <a:endCxn id="84" idx="1"/>
+          </p:cNvCxnSpPr>
+          <p:nvPr/>
+        </p:nvCxnSpPr>
+        <p:spPr>
+          <a:xfrm flipV="1">
+            <a:off x="2815488" y="2372714"/>
+            <a:ext cx="396684" cy="100591"/>
+          </a:xfrm>
+          <a:prstGeom prst="bentConnector3">
+            <a:avLst>
+              <a:gd name="adj1" fmla="val 50000"/>
+            </a:avLst>
+          </a:prstGeom>
+          <a:ln w="19050">
+            <a:solidFill>
+              <a:schemeClr val="tx1"/>
+            </a:solidFill>
+            <a:tailEnd type="triangle"/>
+          </a:ln>
+        </p:spPr>
+        <p:style>
+          <a:lnRef idx="1">
+            <a:schemeClr val="accent1"/>
+          </a:lnRef>
+          <a:fillRef idx="0">
+            <a:schemeClr val="accent1"/>
+          </a:fillRef>
+          <a:effectRef idx="0">
+            <a:schemeClr val="accent1"/>
+          </a:effectRef>
+          <a:fontRef idx="minor">
+            <a:schemeClr val="tx1"/>
+          </a:fontRef>
+        </p:style>
+      </p:cxnSp>
+      <p:grpSp>
+        <p:nvGrpSpPr>
+          <p:cNvPr id="93" name="Group 92"/>
+          <p:cNvGrpSpPr/>
+          <p:nvPr/>
+        </p:nvGrpSpPr>
+        <p:grpSpPr>
+          <a:xfrm>
+            <a:off x="2659681" y="3124960"/>
+            <a:ext cx="4516182" cy="2726626"/>
+            <a:chOff x="3321533" y="3449912"/>
+            <a:chExt cx="4516182" cy="2726626"/>
+          </a:xfrm>
+        </p:grpSpPr>
+        <p:sp>
+          <p:nvSpPr>
+            <p:cNvPr id="101" name="Rectangle: Rounded Corners 19">
+              <a:extLst>
+                <a:ext uri="{FF2B5EF4-FFF2-40B4-BE49-F238E27FC236}">
+                  <a16:creationId xmlns:a16="http://schemas.microsoft.com/office/drawing/2014/main" id="{5C9B8401-948D-495C-B8F1-808A7E976A8F}"/>
+                </a:ext>
+              </a:extLst>
+            </p:cNvPr>
+            <p:cNvSpPr/>
+            <p:nvPr/>
+          </p:nvSpPr>
+          <p:spPr>
+            <a:xfrm>
+              <a:off x="3321533" y="3449912"/>
+              <a:ext cx="4516182" cy="2461434"/>
+            </a:xfrm>
+            <a:prstGeom prst="roundRect">
+              <a:avLst>
+                <a:gd name="adj" fmla="val 7760"/>
+              </a:avLst>
+            </a:prstGeom>
+            <a:noFill/>
+            <a:ln w="31750">
+              <a:solidFill>
+                <a:schemeClr val="tx1"/>
+              </a:solidFill>
+            </a:ln>
+          </p:spPr>
+          <p:style>
+            <a:lnRef idx="2">
+              <a:schemeClr val="accent1">
+                <a:shade val="50000"/>
+              </a:schemeClr>
+            </a:lnRef>
+            <a:fillRef idx="1">
+              <a:schemeClr val="accent1"/>
+            </a:fillRef>
+            <a:effectRef idx="0">
+              <a:schemeClr val="accent1"/>
+            </a:effectRef>
+            <a:fontRef idx="minor">
+              <a:schemeClr val="lt1"/>
+            </a:fontRef>
+          </p:style>
+          <p:txBody>
+            <a:bodyPr rtlCol="0" anchor="ctr"/>
+            <a:lstStyle/>
+            <a:p>
+              <a:pPr algn="ctr"/>
+              <a:endParaRPr lang="en-US"/>
+            </a:p>
+          </p:txBody>
+        </p:sp>
+        <p:cxnSp>
+          <p:nvCxnSpPr>
+            <p:cNvPr id="104" name="Straight Arrow Connector 103">
+              <a:extLst>
+                <a:ext uri="{FF2B5EF4-FFF2-40B4-BE49-F238E27FC236}">
+                  <a16:creationId xmlns:a16="http://schemas.microsoft.com/office/drawing/2014/main" id="{EB95E9C5-AEDD-4733-B4EF-1F428364C482}"/>
+                </a:ext>
+              </a:extLst>
+            </p:cNvPr>
+            <p:cNvCxnSpPr>
+              <a:cxnSpLocks/>
+            </p:cNvCxnSpPr>
+            <p:nvPr/>
+          </p:nvCxnSpPr>
+          <p:spPr>
+            <a:xfrm flipH="1">
+              <a:off x="3540323" y="5911346"/>
+              <a:ext cx="493124" cy="0"/>
+            </a:xfrm>
+            <a:prstGeom prst="straightConnector1">
+              <a:avLst/>
+            </a:prstGeom>
+            <a:ln w="25400">
+              <a:solidFill>
+                <a:schemeClr val="tx1"/>
+              </a:solidFill>
+              <a:tailEnd type="triangle" w="lg" len="lg"/>
+            </a:ln>
+          </p:spPr>
+          <p:style>
+            <a:lnRef idx="1">
+              <a:schemeClr val="accent1"/>
+            </a:lnRef>
+            <a:fillRef idx="0">
+              <a:schemeClr val="accent1"/>
+            </a:fillRef>
+            <a:effectRef idx="0">
+              <a:schemeClr val="accent1"/>
+            </a:effectRef>
+            <a:fontRef idx="minor">
+              <a:schemeClr val="tx1"/>
+            </a:fontRef>
+          </p:style>
+        </p:cxnSp>
+        <p:sp>
+          <p:nvSpPr>
+            <p:cNvPr id="106" name="TextBox 105">
+              <a:extLst>
+                <a:ext uri="{FF2B5EF4-FFF2-40B4-BE49-F238E27FC236}">
+                  <a16:creationId xmlns:a16="http://schemas.microsoft.com/office/drawing/2014/main" id="{2942ECE2-E12D-4607-8BE3-D0049484AE6A}"/>
+                </a:ext>
+              </a:extLst>
+            </p:cNvPr>
+            <p:cNvSpPr txBox="1"/>
+            <p:nvPr/>
+          </p:nvSpPr>
+          <p:spPr>
+            <a:xfrm>
+              <a:off x="3477340" y="5930317"/>
+              <a:ext cx="2331087" cy="246221"/>
+            </a:xfrm>
+            <a:prstGeom prst="rect">
+              <a:avLst/>
+            </a:prstGeom>
+            <a:noFill/>
+          </p:spPr>
+          <p:txBody>
+            <a:bodyPr wrap="none" rtlCol="0">
+              <a:spAutoFit/>
+            </a:bodyPr>
+            <a:lstStyle/>
+            <a:p>
+              <a:r>
+                <a:rPr lang="en-US" sz="1000" b="1" dirty="0" smtClean="0"/>
+                <a:t>Loop: </a:t>
+              </a:r>
+              <a:r>
+                <a:rPr lang="en-US" sz="1000" b="1" dirty="0" err="1" smtClean="0"/>
+                <a:t>i</a:t>
+              </a:r>
+              <a:r>
+                <a:rPr lang="en-US" sz="1000" b="1" dirty="0" err="1" smtClean="0"/>
+                <a:t>dx</a:t>
+              </a:r>
+              <a:r>
+                <a:rPr lang="en-US" sz="1000" b="1" dirty="0" smtClean="0"/>
+                <a:t>=1; </a:t>
+              </a:r>
+              <a:r>
+                <a:rPr lang="en-US" sz="1000" b="1" dirty="0" err="1" smtClean="0"/>
+                <a:t>idx</a:t>
+              </a:r>
+              <a:r>
+                <a:rPr lang="en-US" sz="1000" b="1" dirty="0" smtClean="0"/>
+                <a:t>&lt;</a:t>
+              </a:r>
+              <a:r>
+                <a:rPr lang="en-US" sz="1000" b="1" dirty="0" err="1" smtClean="0"/>
+                <a:t>dm_values.size</a:t>
+              </a:r>
+              <a:r>
+                <a:rPr lang="en-US" sz="1000" b="1" dirty="0" smtClean="0"/>
+                <a:t>(); ++</a:t>
+              </a:r>
+              <a:r>
+                <a:rPr lang="en-US" sz="1000" b="1" dirty="0" err="1" smtClean="0"/>
+                <a:t>idx</a:t>
+              </a:r>
+              <a:endParaRPr lang="en-US" sz="1000" b="1" dirty="0"/>
+            </a:p>
+          </p:txBody>
+        </p:sp>
+      </p:grpSp>
+      <p:sp>
+        <p:nvSpPr>
+          <p:cNvPr id="94" name="Rectangle 93"/>
+          <p:cNvSpPr/>
+          <p:nvPr/>
+        </p:nvSpPr>
+        <p:spPr>
+          <a:xfrm>
+            <a:off x="2568240" y="4004065"/>
+            <a:ext cx="182880" cy="182880"/>
+          </a:xfrm>
+          <a:prstGeom prst="rect">
+            <a:avLst/>
+          </a:prstGeom>
+          <a:solidFill>
+            <a:schemeClr val="accent6">
+              <a:lumMod val="75000"/>
+            </a:schemeClr>
+          </a:solidFill>
+          <a:ln>
+            <a:solidFill>
+              <a:schemeClr val="tx1"/>
+            </a:solidFill>
+          </a:ln>
+        </p:spPr>
+        <p:style>
+          <a:lnRef idx="2">
+            <a:schemeClr val="accent1">
+              <a:shade val="50000"/>
+            </a:schemeClr>
+          </a:lnRef>
+          <a:fillRef idx="1">
+            <a:schemeClr val="accent1"/>
+          </a:fillRef>
+          <a:effectRef idx="0">
+            <a:schemeClr val="accent1"/>
+          </a:effectRef>
+          <a:fontRef idx="minor">
+            <a:schemeClr val="lt1"/>
+          </a:fontRef>
+        </p:style>
+        <p:txBody>
+          <a:bodyPr rtlCol="0" anchor="ctr"/>
+          <a:lstStyle/>
+          <a:p>
+            <a:pPr algn="ctr"/>
+            <a:endParaRPr lang="en-US"/>
+          </a:p>
+        </p:txBody>
+      </p:sp>
+      <p:sp>
+        <p:nvSpPr>
+          <p:cNvPr id="108" name="Rectangle 107"/>
+          <p:cNvSpPr/>
+          <p:nvPr/>
+        </p:nvSpPr>
+        <p:spPr>
+          <a:xfrm>
+            <a:off x="7093123" y="4009943"/>
+            <a:ext cx="182880" cy="182880"/>
+          </a:xfrm>
+          <a:prstGeom prst="rect">
+            <a:avLst/>
+          </a:prstGeom>
+          <a:solidFill>
+            <a:schemeClr val="accent6">
+              <a:lumMod val="75000"/>
+            </a:schemeClr>
+          </a:solidFill>
+          <a:ln>
+            <a:solidFill>
+              <a:schemeClr val="tx1"/>
+            </a:solidFill>
+          </a:ln>
+        </p:spPr>
+        <p:style>
+          <a:lnRef idx="2">
+            <a:schemeClr val="accent1">
+              <a:shade val="50000"/>
+            </a:schemeClr>
+          </a:lnRef>
+          <a:fillRef idx="1">
+            <a:schemeClr val="accent1"/>
+          </a:fillRef>
+          <a:effectRef idx="0">
+            <a:schemeClr val="accent1"/>
+          </a:effectRef>
+          <a:fontRef idx="minor">
+            <a:schemeClr val="lt1"/>
+          </a:fontRef>
+        </p:style>
+        <p:txBody>
+          <a:bodyPr rtlCol="0" anchor="ctr"/>
+          <a:lstStyle/>
+          <a:p>
+            <a:pPr algn="ctr"/>
+            <a:endParaRPr lang="en-US"/>
+          </a:p>
+        </p:txBody>
+      </p:sp>
+      <p:sp>
+        <p:nvSpPr>
+          <p:cNvPr id="109" name="Rectangle 108"/>
+          <p:cNvSpPr/>
+          <p:nvPr/>
+        </p:nvSpPr>
+        <p:spPr>
+          <a:xfrm>
+            <a:off x="2568240" y="4725769"/>
+            <a:ext cx="182880" cy="182880"/>
+          </a:xfrm>
+          <a:prstGeom prst="rect">
+            <a:avLst/>
+          </a:prstGeom>
+          <a:solidFill>
+            <a:schemeClr val="accent4">
+              <a:lumMod val="75000"/>
+            </a:schemeClr>
+          </a:solidFill>
+          <a:ln>
+            <a:solidFill>
+              <a:schemeClr val="tx1"/>
+            </a:solidFill>
+          </a:ln>
+        </p:spPr>
+        <p:style>
+          <a:lnRef idx="2">
+            <a:schemeClr val="accent1">
+              <a:shade val="50000"/>
+            </a:schemeClr>
+          </a:lnRef>
+          <a:fillRef idx="1">
+            <a:schemeClr val="accent1"/>
+          </a:fillRef>
+          <a:effectRef idx="0">
+            <a:schemeClr val="accent1"/>
+          </a:effectRef>
+          <a:fontRef idx="minor">
+            <a:schemeClr val="lt1"/>
+          </a:fontRef>
+        </p:style>
+        <p:txBody>
+          <a:bodyPr rtlCol="0" anchor="ctr"/>
+          <a:lstStyle/>
+          <a:p>
+            <a:pPr algn="ctr"/>
+            <a:endParaRPr lang="en-US"/>
+          </a:p>
+        </p:txBody>
+      </p:sp>
+      <p:sp>
+        <p:nvSpPr>
+          <p:cNvPr id="110" name="Rectangle 109"/>
+          <p:cNvSpPr/>
+          <p:nvPr/>
+        </p:nvSpPr>
+        <p:spPr>
+          <a:xfrm>
+            <a:off x="7093123" y="4731647"/>
+            <a:ext cx="182880" cy="182880"/>
+          </a:xfrm>
+          <a:prstGeom prst="rect">
+            <a:avLst/>
+          </a:prstGeom>
+          <a:solidFill>
+            <a:schemeClr val="accent4">
+              <a:lumMod val="75000"/>
+            </a:schemeClr>
+          </a:solidFill>
+          <a:ln>
+            <a:solidFill>
+              <a:schemeClr val="tx1"/>
+            </a:solidFill>
+          </a:ln>
+        </p:spPr>
+        <p:style>
+          <a:lnRef idx="2">
+            <a:schemeClr val="accent1">
+              <a:shade val="50000"/>
+            </a:schemeClr>
+          </a:lnRef>
+          <a:fillRef idx="1">
+            <a:schemeClr val="accent1"/>
+          </a:fillRef>
+          <a:effectRef idx="0">
+            <a:schemeClr val="accent1"/>
+          </a:effectRef>
+          <a:fontRef idx="minor">
+            <a:schemeClr val="lt1"/>
+          </a:fontRef>
+        </p:style>
+        <p:txBody>
+          <a:bodyPr rtlCol="0" anchor="ctr"/>
+          <a:lstStyle/>
+          <a:p>
+            <a:pPr algn="ctr"/>
+            <a:endParaRPr lang="en-US"/>
+          </a:p>
+        </p:txBody>
+      </p:sp>
+      <p:cxnSp>
+        <p:nvCxnSpPr>
+          <p:cNvPr id="111" name="Connector: Elbow 51">
+            <a:extLst>
+              <a:ext uri="{FF2B5EF4-FFF2-40B4-BE49-F238E27FC236}">
+                <a16:creationId xmlns:a16="http://schemas.microsoft.com/office/drawing/2014/main" id="{11038180-DCFA-46DA-92B2-5F5EC9127D00}"/>
+              </a:ext>
+            </a:extLst>
+          </p:cNvPr>
+          <p:cNvCxnSpPr>
+            <a:cxnSpLocks/>
+            <a:stCxn id="84" idx="3"/>
+            <a:endCxn id="94" idx="1"/>
+          </p:cNvCxnSpPr>
+          <p:nvPr/>
+        </p:nvCxnSpPr>
+        <p:spPr>
+          <a:xfrm flipH="1">
+            <a:off x="2568240" y="2372714"/>
+            <a:ext cx="1498455" cy="1722791"/>
+          </a:xfrm>
+          <a:prstGeom prst="bentConnector5">
+            <a:avLst>
+              <a:gd name="adj1" fmla="val -15256"/>
+              <a:gd name="adj2" fmla="val 30859"/>
+              <a:gd name="adj3" fmla="val 115256"/>
+            </a:avLst>
+          </a:prstGeom>
+          <a:ln w="19050">
+            <a:solidFill>
+              <a:schemeClr val="accent6">
+                <a:lumMod val="75000"/>
+              </a:schemeClr>
+            </a:solidFill>
+            <a:tailEnd type="triangle"/>
+          </a:ln>
+        </p:spPr>
+        <p:style>
+          <a:lnRef idx="1">
+            <a:schemeClr val="accent1"/>
+          </a:lnRef>
+          <a:fillRef idx="0">
+            <a:schemeClr val="accent1"/>
+          </a:fillRef>
+          <a:effectRef idx="0">
+            <a:schemeClr val="accent1"/>
+          </a:effectRef>
+          <a:fontRef idx="minor">
+            <a:schemeClr val="tx1"/>
+          </a:fontRef>
+        </p:style>
+      </p:cxnSp>
+      <p:cxnSp>
+        <p:nvCxnSpPr>
+          <p:cNvPr id="114" name="Connector: Elbow 51">
+            <a:extLst>
+              <a:ext uri="{FF2B5EF4-FFF2-40B4-BE49-F238E27FC236}">
+                <a16:creationId xmlns:a16="http://schemas.microsoft.com/office/drawing/2014/main" id="{11038180-DCFA-46DA-92B2-5F5EC9127D00}"/>
+              </a:ext>
+            </a:extLst>
+          </p:cNvPr>
+          <p:cNvCxnSpPr>
+            <a:cxnSpLocks/>
+            <a:stCxn id="64" idx="3"/>
+            <a:endCxn id="109" idx="1"/>
+          </p:cNvCxnSpPr>
+          <p:nvPr/>
+        </p:nvCxnSpPr>
+        <p:spPr>
+          <a:xfrm flipH="1">
+            <a:off x="2568240" y="1779359"/>
+            <a:ext cx="5795487" cy="3037850"/>
+          </a:xfrm>
+          <a:prstGeom prst="bentConnector5">
+            <a:avLst>
+              <a:gd name="adj1" fmla="val -3944"/>
+              <a:gd name="adj2" fmla="val 40643"/>
+              <a:gd name="adj3" fmla="val 107250"/>
+            </a:avLst>
+          </a:prstGeom>
+          <a:ln w="19050">
+            <a:solidFill>
+              <a:schemeClr val="accent4">
+                <a:lumMod val="75000"/>
+              </a:schemeClr>
+            </a:solidFill>
+            <a:tailEnd type="triangle"/>
+          </a:ln>
+        </p:spPr>
+        <p:style>
+          <a:lnRef idx="1">
+            <a:schemeClr val="accent1"/>
+          </a:lnRef>
+          <a:fillRef idx="0">
+            <a:schemeClr val="accent1"/>
+          </a:fillRef>
+          <a:effectRef idx="0">
+            <a:schemeClr val="accent1"/>
+          </a:effectRef>
+          <a:fontRef idx="minor">
+            <a:schemeClr val="tx1"/>
+          </a:fontRef>
+        </p:style>
+      </p:cxnSp>
+      <p:sp>
+        <p:nvSpPr>
+          <p:cNvPr id="119" name="TextBox 118">
+            <a:extLst>
+              <a:ext uri="{FF2B5EF4-FFF2-40B4-BE49-F238E27FC236}">
+                <a16:creationId xmlns:a16="http://schemas.microsoft.com/office/drawing/2014/main" id="{2942ECE2-E12D-4607-8BE3-D0049484AE6A}"/>
+              </a:ext>
+            </a:extLst>
+          </p:cNvPr>
+          <p:cNvSpPr txBox="1"/>
+          <p:nvPr/>
+        </p:nvSpPr>
+        <p:spPr>
+          <a:xfrm>
+            <a:off x="2815488" y="5922744"/>
+            <a:ext cx="5195653" cy="400110"/>
+          </a:xfrm>
+          <a:prstGeom prst="rect">
+            <a:avLst/>
+          </a:prstGeom>
+          <a:noFill/>
+        </p:spPr>
+        <p:txBody>
+          <a:bodyPr wrap="none" rtlCol="0">
+            <a:spAutoFit/>
+          </a:bodyPr>
+          <a:lstStyle/>
+          <a:p>
+            <a:pPr marL="171450" indent="-171450">
+              <a:buFont typeface="Arial" panose="020B0604020202020204" pitchFamily="34" charset="0"/>
+              <a:buChar char="•"/>
+            </a:pPr>
+            <a:r>
+              <a:rPr lang="en-US" sz="1000" b="1" dirty="0" err="1" smtClean="0"/>
+              <a:t>min_N</a:t>
+            </a:r>
+            <a:r>
+              <a:rPr lang="en-US" sz="1000" b="1" dirty="0"/>
+              <a:t> </a:t>
+            </a:r>
+            <a:r>
+              <a:rPr lang="en-US" sz="1000" b="1" dirty="0" smtClean="0"/>
+              <a:t>= ceil</a:t>
+            </a:r>
+            <a:r>
+              <a:rPr lang="en-US" sz="1000" b="1" dirty="0"/>
+              <a:t>( </a:t>
+            </a:r>
+            <a:r>
+              <a:rPr lang="en-US" sz="1000" b="1" dirty="0" smtClean="0"/>
+              <a:t>((</a:t>
+            </a:r>
+            <a:r>
+              <a:rPr lang="en-US" sz="1000" b="1" dirty="0" err="1"/>
+              <a:t>max_dm_value</a:t>
+            </a:r>
+            <a:r>
+              <a:rPr lang="en-US" sz="1000" b="1" dirty="0" smtClean="0"/>
+              <a:t>)/(</a:t>
+            </a:r>
+            <a:r>
+              <a:rPr lang="en-US" sz="1000" b="1" dirty="0"/>
+              <a:t>1+exp(-</a:t>
+            </a:r>
+            <a:r>
+              <a:rPr lang="en-US" sz="1000" b="1" dirty="0" smtClean="0"/>
+              <a:t>0.2*</a:t>
+            </a:r>
+            <a:r>
+              <a:rPr lang="en-US" sz="1000" b="1" dirty="0" err="1" smtClean="0"/>
+              <a:t>dm_values</a:t>
+            </a:r>
+            <a:r>
+              <a:rPr lang="en-US" sz="1000" b="1" dirty="0" smtClean="0"/>
+              <a:t>[</a:t>
+            </a:r>
+            <a:r>
+              <a:rPr lang="en-US" sz="1000" b="1" dirty="0" err="1" smtClean="0"/>
+              <a:t>idx</a:t>
+            </a:r>
+            <a:r>
+              <a:rPr lang="en-US" sz="1000" b="1" dirty="0" smtClean="0"/>
+              <a:t>]+(</a:t>
+            </a:r>
+            <a:r>
+              <a:rPr lang="en-US" sz="1000" b="1" dirty="0"/>
+              <a:t>0.1</a:t>
+            </a:r>
+            <a:r>
+              <a:rPr lang="en-US" sz="1000" b="1" dirty="0" smtClean="0"/>
+              <a:t>*</a:t>
+            </a:r>
+            <a:r>
+              <a:rPr lang="en-US" sz="1000" b="1" dirty="0"/>
+              <a:t> </a:t>
+            </a:r>
+            <a:r>
+              <a:rPr lang="en-US" sz="1000" b="1" dirty="0" err="1"/>
+              <a:t>max_dm_value</a:t>
+            </a:r>
+            <a:r>
+              <a:rPr lang="en-US" sz="1000" b="1" dirty="0" smtClean="0"/>
+              <a:t>))) </a:t>
+            </a:r>
+            <a:r>
+              <a:rPr lang="en-US" sz="1000" b="1" dirty="0"/>
+              <a:t>) + 3</a:t>
+            </a:r>
+            <a:r>
+              <a:rPr lang="en-US" sz="1000" b="1" dirty="0" smtClean="0"/>
+              <a:t>);</a:t>
+            </a:r>
+          </a:p>
+          <a:p>
+            <a:pPr marL="171450" indent="-171450">
+              <a:buFont typeface="Arial" panose="020B0604020202020204" pitchFamily="34" charset="0"/>
+              <a:buChar char="•"/>
+            </a:pPr>
+            <a:r>
+              <a:rPr lang="en-US" sz="1000" b="1" dirty="0" err="1" smtClean="0"/>
+              <a:t>max_N</a:t>
+            </a:r>
+            <a:r>
+              <a:rPr lang="en-US" sz="1000" b="1" dirty="0" smtClean="0"/>
+              <a:t> </a:t>
+            </a:r>
+            <a:r>
+              <a:rPr lang="en-US" sz="1000" b="1" dirty="0"/>
+              <a:t>= ceil(1.25*</a:t>
+            </a:r>
+            <a:r>
+              <a:rPr lang="en-US" sz="1000" b="1" dirty="0" err="1"/>
+              <a:t>min_N</a:t>
+            </a:r>
+            <a:r>
+              <a:rPr lang="en-US" sz="1000" b="1" dirty="0"/>
+              <a:t>);</a:t>
+            </a:r>
+            <a:endParaRPr lang="en-US" sz="1000" b="1" dirty="0"/>
+          </a:p>
+        </p:txBody>
+      </p:sp>
+      <p:sp>
+        <p:nvSpPr>
+          <p:cNvPr id="122" name="Flowchart: Terminator 121">
+            <a:extLst>
+              <a:ext uri="{FF2B5EF4-FFF2-40B4-BE49-F238E27FC236}">
+                <a16:creationId xmlns:a16="http://schemas.microsoft.com/office/drawing/2014/main" id="{31E92B87-AF49-4229-8B08-2F4B0AD76EFB}"/>
+              </a:ext>
+            </a:extLst>
+          </p:cNvPr>
+          <p:cNvSpPr/>
+          <p:nvPr/>
+        </p:nvSpPr>
+        <p:spPr>
+          <a:xfrm>
+            <a:off x="2867379" y="3609828"/>
+            <a:ext cx="702740" cy="354265"/>
+          </a:xfrm>
+          <a:prstGeom prst="flowChartTerminator">
+            <a:avLst/>
+          </a:prstGeom>
+          <a:ln w="19050">
+            <a:solidFill>
+              <a:schemeClr val="tx1"/>
+            </a:solidFill>
+          </a:ln>
+        </p:spPr>
+        <p:style>
+          <a:lnRef idx="2">
+            <a:schemeClr val="accent1">
+              <a:shade val="50000"/>
+            </a:schemeClr>
+          </a:lnRef>
+          <a:fillRef idx="1">
+            <a:schemeClr val="accent1"/>
+          </a:fillRef>
+          <a:effectRef idx="0">
+            <a:schemeClr val="accent1"/>
+          </a:effectRef>
+          <a:fontRef idx="minor">
+            <a:schemeClr val="lt1"/>
+          </a:fontRef>
+        </p:style>
+        <p:txBody>
+          <a:bodyPr lIns="45720" tIns="0" rIns="0" bIns="0" rtlCol="0" anchor="ctr"/>
+          <a:lstStyle/>
+          <a:p>
+            <a:pPr marL="112713" indent="-112713">
+              <a:buFont typeface="Arial" panose="020B0604020202020204" pitchFamily="34" charset="0"/>
+              <a:buChar char="•"/>
+            </a:pPr>
+            <a:r>
+              <a:rPr lang="en-US" sz="1000" dirty="0" err="1" smtClean="0"/>
+              <a:t>min_N</a:t>
+            </a:r>
+            <a:endParaRPr lang="en-US" sz="1000" dirty="0" smtClean="0"/>
+          </a:p>
+          <a:p>
+            <a:pPr marL="112713" indent="-112713">
+              <a:buFont typeface="Arial" panose="020B0604020202020204" pitchFamily="34" charset="0"/>
+              <a:buChar char="•"/>
+            </a:pPr>
+            <a:r>
+              <a:rPr lang="en-US" sz="1000" dirty="0" err="1" smtClean="0"/>
+              <a:t>max_N</a:t>
+            </a:r>
+            <a:endParaRPr lang="en-US" sz="1000" dirty="0" smtClean="0"/>
+          </a:p>
+        </p:txBody>
+      </p:sp>
+      <p:sp>
+        <p:nvSpPr>
+          <p:cNvPr id="123" name="Rounded Rectangle 122"/>
+          <p:cNvSpPr/>
+          <p:nvPr/>
+        </p:nvSpPr>
+        <p:spPr>
+          <a:xfrm>
+            <a:off x="3823212" y="3822405"/>
+            <a:ext cx="874240" cy="213687"/>
+          </a:xfrm>
+          <a:prstGeom prst="roundRect">
+            <a:avLst/>
+          </a:prstGeom>
+          <a:solidFill>
+            <a:schemeClr val="accent6">
+              <a:lumMod val="20000"/>
+              <a:lumOff val="80000"/>
+            </a:schemeClr>
+          </a:solidFill>
+          <a:ln w="19050">
+            <a:solidFill>
+              <a:schemeClr val="tx1"/>
+            </a:solidFill>
+          </a:ln>
+        </p:spPr>
+        <p:style>
+          <a:lnRef idx="2">
+            <a:schemeClr val="accent1">
+              <a:shade val="50000"/>
+            </a:schemeClr>
+          </a:lnRef>
+          <a:fillRef idx="1">
+            <a:schemeClr val="accent1"/>
+          </a:fillRef>
+          <a:effectRef idx="0">
+            <a:schemeClr val="accent1"/>
+          </a:effectRef>
+          <a:fontRef idx="minor">
+            <a:schemeClr val="lt1"/>
+          </a:fontRef>
+        </p:style>
+        <p:txBody>
+          <a:bodyPr rtlCol="0" anchor="ctr"/>
+          <a:lstStyle/>
+          <a:p>
+            <a:pPr algn="ctr"/>
+            <a:r>
+              <a:rPr lang="en-US" sz="1000" b="1" dirty="0" smtClean="0">
+                <a:solidFill>
+                  <a:schemeClr val="tx1"/>
+                </a:solidFill>
+              </a:rPr>
+              <a:t>Generate N</a:t>
+            </a:r>
+          </a:p>
+        </p:txBody>
+      </p:sp>
+      <p:cxnSp>
+        <p:nvCxnSpPr>
+          <p:cNvPr id="124" name="Connector: Elbow 51">
+            <a:extLst>
+              <a:ext uri="{FF2B5EF4-FFF2-40B4-BE49-F238E27FC236}">
+                <a16:creationId xmlns:a16="http://schemas.microsoft.com/office/drawing/2014/main" id="{11038180-DCFA-46DA-92B2-5F5EC9127D00}"/>
+              </a:ext>
+            </a:extLst>
+          </p:cNvPr>
+          <p:cNvCxnSpPr>
+            <a:cxnSpLocks/>
+            <a:stCxn id="122" idx="3"/>
+            <a:endCxn id="123" idx="1"/>
+          </p:cNvCxnSpPr>
+          <p:nvPr/>
+        </p:nvCxnSpPr>
+        <p:spPr>
+          <a:xfrm>
+            <a:off x="3570119" y="3786961"/>
+            <a:ext cx="253093" cy="142288"/>
+          </a:xfrm>
+          <a:prstGeom prst="bentConnector3">
+            <a:avLst>
+              <a:gd name="adj1" fmla="val 50000"/>
+            </a:avLst>
+          </a:prstGeom>
+          <a:ln w="19050">
+            <a:solidFill>
+              <a:schemeClr val="tx1"/>
+            </a:solidFill>
+            <a:tailEnd type="triangle"/>
+          </a:ln>
+        </p:spPr>
+        <p:style>
+          <a:lnRef idx="1">
+            <a:schemeClr val="accent1"/>
+          </a:lnRef>
+          <a:fillRef idx="0">
+            <a:schemeClr val="accent1"/>
+          </a:fillRef>
+          <a:effectRef idx="0">
+            <a:schemeClr val="accent1"/>
+          </a:effectRef>
+          <a:fontRef idx="minor">
+            <a:schemeClr val="tx1"/>
+          </a:fontRef>
+        </p:style>
+      </p:cxnSp>
+      <p:cxnSp>
+        <p:nvCxnSpPr>
+          <p:cNvPr id="125" name="Connector: Elbow 51">
+            <a:extLst>
+              <a:ext uri="{FF2B5EF4-FFF2-40B4-BE49-F238E27FC236}">
+                <a16:creationId xmlns:a16="http://schemas.microsoft.com/office/drawing/2014/main" id="{11038180-DCFA-46DA-92B2-5F5EC9127D00}"/>
+              </a:ext>
+            </a:extLst>
+          </p:cNvPr>
+          <p:cNvCxnSpPr>
+            <a:cxnSpLocks/>
+            <a:stCxn id="94" idx="3"/>
+            <a:endCxn id="121" idx="1"/>
+          </p:cNvCxnSpPr>
+          <p:nvPr/>
+        </p:nvCxnSpPr>
+        <p:spPr>
+          <a:xfrm>
+            <a:off x="2751120" y="4095505"/>
+            <a:ext cx="1080873" cy="285645"/>
+          </a:xfrm>
+          <a:prstGeom prst="bentConnector3">
+            <a:avLst>
+              <a:gd name="adj1" fmla="val 50000"/>
+            </a:avLst>
+          </a:prstGeom>
+          <a:ln w="19050">
+            <a:solidFill>
+              <a:schemeClr val="accent6">
+                <a:lumMod val="75000"/>
+              </a:schemeClr>
+            </a:solidFill>
+            <a:tailEnd type="triangle"/>
+          </a:ln>
+        </p:spPr>
+        <p:style>
+          <a:lnRef idx="1">
+            <a:schemeClr val="accent1"/>
+          </a:lnRef>
+          <a:fillRef idx="0">
+            <a:schemeClr val="accent1"/>
+          </a:fillRef>
+          <a:effectRef idx="0">
+            <a:schemeClr val="accent1"/>
+          </a:effectRef>
+          <a:fontRef idx="minor">
+            <a:schemeClr val="tx1"/>
+          </a:fontRef>
+        </p:style>
+      </p:cxnSp>
+      <p:cxnSp>
+        <p:nvCxnSpPr>
+          <p:cNvPr id="130" name="Connector: Elbow 51">
+            <a:extLst>
+              <a:ext uri="{FF2B5EF4-FFF2-40B4-BE49-F238E27FC236}">
+                <a16:creationId xmlns:a16="http://schemas.microsoft.com/office/drawing/2014/main" id="{11038180-DCFA-46DA-92B2-5F5EC9127D00}"/>
+              </a:ext>
+            </a:extLst>
+          </p:cNvPr>
+          <p:cNvCxnSpPr>
+            <a:cxnSpLocks/>
+            <a:stCxn id="123" idx="3"/>
+            <a:endCxn id="121" idx="0"/>
+          </p:cNvCxnSpPr>
+          <p:nvPr/>
+        </p:nvCxnSpPr>
+        <p:spPr>
+          <a:xfrm>
+            <a:off x="4697452" y="3929249"/>
+            <a:ext cx="94661" cy="316646"/>
+          </a:xfrm>
+          <a:prstGeom prst="bentConnector2">
+            <a:avLst/>
+          </a:prstGeom>
+          <a:ln w="19050">
+            <a:solidFill>
+              <a:schemeClr val="tx1"/>
+            </a:solidFill>
+            <a:tailEnd type="triangle"/>
+          </a:ln>
+        </p:spPr>
+        <p:style>
+          <a:lnRef idx="1">
+            <a:schemeClr val="accent1"/>
+          </a:lnRef>
+          <a:fillRef idx="0">
+            <a:schemeClr val="accent1"/>
+          </a:fillRef>
+          <a:effectRef idx="0">
+            <a:schemeClr val="accent1"/>
+          </a:effectRef>
+          <a:fontRef idx="minor">
+            <a:schemeClr val="tx1"/>
+          </a:fontRef>
+        </p:style>
+      </p:cxnSp>
+      <p:sp>
+        <p:nvSpPr>
+          <p:cNvPr id="136" name="Flowchart: Process 135">
+            <a:extLst>
+              <a:ext uri="{FF2B5EF4-FFF2-40B4-BE49-F238E27FC236}">
+                <a16:creationId xmlns:a16="http://schemas.microsoft.com/office/drawing/2014/main" id="{B8847B9C-0DE2-4F8C-ADAA-F5977A078735}"/>
+              </a:ext>
+            </a:extLst>
+          </p:cNvPr>
+          <p:cNvSpPr/>
+          <p:nvPr/>
+        </p:nvSpPr>
+        <p:spPr>
+          <a:xfrm>
+            <a:off x="5975648" y="3818072"/>
+            <a:ext cx="854523" cy="292041"/>
+          </a:xfrm>
+          <a:prstGeom prst="flowChartProcess">
+            <a:avLst/>
+          </a:prstGeom>
+          <a:solidFill>
+            <a:srgbClr val="7030A0"/>
+          </a:solidFill>
+          <a:ln w="19050">
+            <a:solidFill>
+              <a:schemeClr val="tx1"/>
+            </a:solidFill>
+          </a:ln>
+        </p:spPr>
+        <p:style>
+          <a:lnRef idx="2">
+            <a:schemeClr val="accent1">
+              <a:shade val="50000"/>
+            </a:schemeClr>
+          </a:lnRef>
+          <a:fillRef idx="1">
+            <a:schemeClr val="accent1"/>
+          </a:fillRef>
+          <a:effectRef idx="0">
+            <a:schemeClr val="accent1"/>
+          </a:effectRef>
+          <a:fontRef idx="minor">
+            <a:schemeClr val="lt1"/>
+          </a:fontRef>
+        </p:style>
+        <p:txBody>
+          <a:bodyPr lIns="0" tIns="0" rIns="0" bIns="0" rtlCol="0" anchor="ctr"/>
+          <a:lstStyle/>
+          <a:p>
+            <a:pPr algn="ctr"/>
+            <a:r>
+              <a:rPr lang="en-US" sz="1200" b="1" dirty="0" err="1"/>
+              <a:t>blur_layer</a:t>
+            </a:r>
+            <a:endParaRPr lang="en-US" sz="1200" b="1" dirty="0"/>
+          </a:p>
+        </p:txBody>
+      </p:sp>
+      <p:cxnSp>
+        <p:nvCxnSpPr>
+          <p:cNvPr id="137" name="Connector: Elbow 51">
+            <a:extLst>
+              <a:ext uri="{FF2B5EF4-FFF2-40B4-BE49-F238E27FC236}">
+                <a16:creationId xmlns:a16="http://schemas.microsoft.com/office/drawing/2014/main" id="{11038180-DCFA-46DA-92B2-5F5EC9127D00}"/>
+              </a:ext>
+            </a:extLst>
+          </p:cNvPr>
+          <p:cNvCxnSpPr>
+            <a:cxnSpLocks/>
+            <a:stCxn id="121" idx="3"/>
+            <a:endCxn id="136" idx="1"/>
+          </p:cNvCxnSpPr>
+          <p:nvPr/>
+        </p:nvCxnSpPr>
+        <p:spPr>
+          <a:xfrm flipV="1">
+            <a:off x="5752233" y="3964093"/>
+            <a:ext cx="223415" cy="417057"/>
+          </a:xfrm>
+          <a:prstGeom prst="bentConnector3">
+            <a:avLst>
+              <a:gd name="adj1" fmla="val 50000"/>
+            </a:avLst>
+          </a:prstGeom>
+          <a:ln w="19050">
+            <a:solidFill>
+              <a:schemeClr val="accent6">
+                <a:lumMod val="75000"/>
+              </a:schemeClr>
+            </a:solidFill>
+            <a:tailEnd type="triangle"/>
+          </a:ln>
+        </p:spPr>
+        <p:style>
+          <a:lnRef idx="1">
+            <a:schemeClr val="accent1"/>
+          </a:lnRef>
+          <a:fillRef idx="0">
+            <a:schemeClr val="accent1"/>
+          </a:fillRef>
+          <a:effectRef idx="0">
+            <a:schemeClr val="accent1"/>
+          </a:effectRef>
+          <a:fontRef idx="minor">
+            <a:schemeClr val="tx1"/>
+          </a:fontRef>
+        </p:style>
+      </p:cxnSp>
+      <p:cxnSp>
+        <p:nvCxnSpPr>
+          <p:cNvPr id="140" name="Connector: Elbow 51">
+            <a:extLst>
+              <a:ext uri="{FF2B5EF4-FFF2-40B4-BE49-F238E27FC236}">
+                <a16:creationId xmlns:a16="http://schemas.microsoft.com/office/drawing/2014/main" id="{11038180-DCFA-46DA-92B2-5F5EC9127D00}"/>
+              </a:ext>
+            </a:extLst>
+          </p:cNvPr>
+          <p:cNvCxnSpPr>
+            <a:cxnSpLocks/>
+            <a:stCxn id="136" idx="3"/>
+            <a:endCxn id="108" idx="1"/>
+          </p:cNvCxnSpPr>
+          <p:nvPr/>
+        </p:nvCxnSpPr>
+        <p:spPr>
+          <a:xfrm>
+            <a:off x="6830171" y="3964093"/>
+            <a:ext cx="262952" cy="137290"/>
+          </a:xfrm>
+          <a:prstGeom prst="bentConnector3">
+            <a:avLst>
+              <a:gd name="adj1" fmla="val 50000"/>
+            </a:avLst>
+          </a:prstGeom>
+          <a:ln w="19050">
+            <a:solidFill>
+              <a:schemeClr val="accent6">
+                <a:lumMod val="75000"/>
+              </a:schemeClr>
+            </a:solidFill>
+            <a:tailEnd type="triangle"/>
+          </a:ln>
+        </p:spPr>
+        <p:style>
+          <a:lnRef idx="1">
+            <a:schemeClr val="accent1"/>
+          </a:lnRef>
+          <a:fillRef idx="0">
+            <a:schemeClr val="accent1"/>
+          </a:fillRef>
+          <a:effectRef idx="0">
+            <a:schemeClr val="accent1"/>
+          </a:effectRef>
+          <a:fontRef idx="minor">
+            <a:schemeClr val="tx1"/>
+          </a:fontRef>
+        </p:style>
+      </p:cxnSp>
+      <p:cxnSp>
+        <p:nvCxnSpPr>
+          <p:cNvPr id="153" name="Connector: Elbow 51">
+            <a:extLst>
+              <a:ext uri="{FF2B5EF4-FFF2-40B4-BE49-F238E27FC236}">
+                <a16:creationId xmlns:a16="http://schemas.microsoft.com/office/drawing/2014/main" id="{11038180-DCFA-46DA-92B2-5F5EC9127D00}"/>
+              </a:ext>
+            </a:extLst>
+          </p:cNvPr>
+          <p:cNvCxnSpPr>
+            <a:cxnSpLocks/>
+            <a:stCxn id="121" idx="2"/>
+            <a:endCxn id="159" idx="0"/>
+          </p:cNvCxnSpPr>
+          <p:nvPr/>
+        </p:nvCxnSpPr>
+        <p:spPr>
+          <a:xfrm rot="5400000">
+            <a:off x="4262190" y="4341938"/>
+            <a:ext cx="355457" cy="704391"/>
+          </a:xfrm>
+          <a:prstGeom prst="bentConnector3">
+            <a:avLst>
+              <a:gd name="adj1" fmla="val 50000"/>
+            </a:avLst>
+          </a:prstGeom>
+          <a:ln w="19050">
+            <a:solidFill>
+              <a:schemeClr val="tx1"/>
+            </a:solidFill>
+            <a:tailEnd type="triangle"/>
+          </a:ln>
+        </p:spPr>
+        <p:style>
+          <a:lnRef idx="1">
+            <a:schemeClr val="accent1"/>
+          </a:lnRef>
+          <a:fillRef idx="0">
+            <a:schemeClr val="accent1"/>
+          </a:fillRef>
+          <a:effectRef idx="0">
+            <a:schemeClr val="accent1"/>
+          </a:effectRef>
+          <a:fontRef idx="minor">
+            <a:schemeClr val="tx1"/>
+          </a:fontRef>
+        </p:style>
+      </p:cxnSp>
+      <p:sp>
+        <p:nvSpPr>
+          <p:cNvPr id="159" name="Rounded Rectangle 158"/>
+          <p:cNvSpPr/>
+          <p:nvPr/>
+        </p:nvSpPr>
+        <p:spPr>
+          <a:xfrm>
+            <a:off x="3475114" y="4871862"/>
+            <a:ext cx="1225216" cy="208548"/>
+          </a:xfrm>
+          <a:prstGeom prst="roundRect">
+            <a:avLst/>
+          </a:prstGeom>
+          <a:solidFill>
+            <a:schemeClr val="accent6">
+              <a:lumMod val="20000"/>
+              <a:lumOff val="80000"/>
+            </a:schemeClr>
+          </a:solidFill>
+          <a:ln w="19050">
+            <a:solidFill>
+              <a:schemeClr val="tx1"/>
+            </a:solidFill>
+          </a:ln>
+        </p:spPr>
+        <p:style>
+          <a:lnRef idx="2">
+            <a:schemeClr val="accent1">
+              <a:shade val="50000"/>
+            </a:schemeClr>
+          </a:lnRef>
+          <a:fillRef idx="1">
+            <a:schemeClr val="accent1"/>
+          </a:fillRef>
+          <a:effectRef idx="0">
+            <a:schemeClr val="accent1"/>
+          </a:effectRef>
+          <a:fontRef idx="minor">
+            <a:schemeClr val="lt1"/>
+          </a:fontRef>
+        </p:style>
+        <p:txBody>
+          <a:bodyPr rtlCol="0" anchor="ctr"/>
+          <a:lstStyle/>
+          <a:p>
+            <a:pPr algn="ctr"/>
+            <a:r>
+              <a:rPr lang="en-US" sz="1000" b="1" dirty="0" err="1" smtClean="0">
+                <a:solidFill>
+                  <a:schemeClr val="tx1"/>
+                </a:solidFill>
+              </a:rPr>
+              <a:t>overlay_depthmap</a:t>
+            </a:r>
+            <a:endParaRPr lang="en-US" sz="1000" b="1" dirty="0" smtClean="0">
+              <a:solidFill>
+                <a:schemeClr val="tx1"/>
+              </a:solidFill>
+            </a:endParaRPr>
+          </a:p>
+        </p:txBody>
+      </p:sp>
+      <p:sp>
+        <p:nvSpPr>
+          <p:cNvPr id="161" name="Flowchart: Terminator 160">
+            <a:extLst>
+              <a:ext uri="{FF2B5EF4-FFF2-40B4-BE49-F238E27FC236}">
+                <a16:creationId xmlns:a16="http://schemas.microsoft.com/office/drawing/2014/main" id="{31E92B87-AF49-4229-8B08-2F4B0AD76EFB}"/>
+              </a:ext>
+            </a:extLst>
+          </p:cNvPr>
+          <p:cNvSpPr/>
+          <p:nvPr/>
+        </p:nvSpPr>
+        <p:spPr>
+          <a:xfrm>
+            <a:off x="2770560" y="5186674"/>
+            <a:ext cx="1052652" cy="284880"/>
+          </a:xfrm>
+          <a:prstGeom prst="flowChartTerminator">
+            <a:avLst/>
+          </a:prstGeom>
+          <a:solidFill>
+            <a:srgbClr val="0070C0"/>
+          </a:solidFill>
+          <a:ln w="19050">
+            <a:solidFill>
+              <a:schemeClr val="tx1"/>
+            </a:solidFill>
+          </a:ln>
+        </p:spPr>
+        <p:style>
+          <a:lnRef idx="2">
+            <a:schemeClr val="accent1">
+              <a:shade val="50000"/>
+            </a:schemeClr>
+          </a:lnRef>
+          <a:fillRef idx="1">
+            <a:schemeClr val="accent1"/>
+          </a:fillRef>
+          <a:effectRef idx="0">
+            <a:schemeClr val="accent1"/>
+          </a:effectRef>
+          <a:fontRef idx="minor">
+            <a:schemeClr val="lt1"/>
+          </a:fontRef>
+        </p:style>
+        <p:txBody>
+          <a:bodyPr lIns="45720" tIns="0" rIns="0" bIns="0" rtlCol="0" anchor="ctr"/>
+          <a:lstStyle/>
+          <a:p>
+            <a:pPr marL="112713" indent="-112713">
+              <a:buFont typeface="Arial" panose="020B0604020202020204" pitchFamily="34" charset="0"/>
+              <a:buChar char="•"/>
+            </a:pPr>
+            <a:r>
+              <a:rPr lang="en-US" sz="1000" dirty="0" err="1" smtClean="0"/>
+              <a:t>dm_values</a:t>
+            </a:r>
+            <a:r>
+              <a:rPr lang="en-US" sz="1000" dirty="0" smtClean="0"/>
+              <a:t>[</a:t>
+            </a:r>
+            <a:r>
+              <a:rPr lang="en-US" sz="1000" dirty="0" err="1" smtClean="0"/>
+              <a:t>idx</a:t>
+            </a:r>
+            <a:r>
+              <a:rPr lang="en-US" sz="1000" dirty="0" smtClean="0"/>
+              <a:t>]</a:t>
+            </a:r>
+            <a:endParaRPr lang="en-US" sz="1000" dirty="0" smtClean="0"/>
+          </a:p>
+        </p:txBody>
+      </p:sp>
+      <p:cxnSp>
+        <p:nvCxnSpPr>
+          <p:cNvPr id="163" name="Connector: Elbow 51">
+            <a:extLst>
+              <a:ext uri="{FF2B5EF4-FFF2-40B4-BE49-F238E27FC236}">
+                <a16:creationId xmlns:a16="http://schemas.microsoft.com/office/drawing/2014/main" id="{11038180-DCFA-46DA-92B2-5F5EC9127D00}"/>
+              </a:ext>
+            </a:extLst>
+          </p:cNvPr>
+          <p:cNvCxnSpPr>
+            <a:cxnSpLocks/>
+            <a:stCxn id="161" idx="3"/>
+            <a:endCxn id="159" idx="2"/>
+          </p:cNvCxnSpPr>
+          <p:nvPr/>
+        </p:nvCxnSpPr>
+        <p:spPr>
+          <a:xfrm flipV="1">
+            <a:off x="3823212" y="5080410"/>
+            <a:ext cx="264510" cy="248704"/>
+          </a:xfrm>
+          <a:prstGeom prst="bentConnector2">
+            <a:avLst/>
+          </a:prstGeom>
+          <a:ln w="19050">
+            <a:solidFill>
+              <a:srgbClr val="0070C0"/>
+            </a:solidFill>
+            <a:tailEnd type="triangle"/>
+          </a:ln>
+        </p:spPr>
+        <p:style>
+          <a:lnRef idx="1">
+            <a:schemeClr val="accent1"/>
+          </a:lnRef>
+          <a:fillRef idx="0">
+            <a:schemeClr val="accent1"/>
+          </a:fillRef>
+          <a:effectRef idx="0">
+            <a:schemeClr val="accent1"/>
+          </a:effectRef>
+          <a:fontRef idx="minor">
+            <a:schemeClr val="tx1"/>
+          </a:fontRef>
+        </p:style>
+      </p:cxnSp>
+      <p:cxnSp>
+        <p:nvCxnSpPr>
+          <p:cNvPr id="172" name="Connector: Elbow 51">
+            <a:extLst>
+              <a:ext uri="{FF2B5EF4-FFF2-40B4-BE49-F238E27FC236}">
+                <a16:creationId xmlns:a16="http://schemas.microsoft.com/office/drawing/2014/main" id="{11038180-DCFA-46DA-92B2-5F5EC9127D00}"/>
+              </a:ext>
+            </a:extLst>
+          </p:cNvPr>
+          <p:cNvCxnSpPr>
+            <a:cxnSpLocks/>
+            <a:stCxn id="109" idx="3"/>
+            <a:endCxn id="159" idx="1"/>
+          </p:cNvCxnSpPr>
+          <p:nvPr/>
+        </p:nvCxnSpPr>
+        <p:spPr>
+          <a:xfrm>
+            <a:off x="2751120" y="4817209"/>
+            <a:ext cx="723994" cy="158927"/>
+          </a:xfrm>
+          <a:prstGeom prst="bentConnector3">
+            <a:avLst>
+              <a:gd name="adj1" fmla="val 50000"/>
+            </a:avLst>
+          </a:prstGeom>
+          <a:ln w="19050">
+            <a:solidFill>
+              <a:schemeClr val="accent4">
+                <a:lumMod val="75000"/>
+              </a:schemeClr>
+            </a:solidFill>
+            <a:tailEnd type="triangle"/>
+          </a:ln>
+        </p:spPr>
+        <p:style>
+          <a:lnRef idx="1">
+            <a:schemeClr val="accent1"/>
+          </a:lnRef>
+          <a:fillRef idx="0">
+            <a:schemeClr val="accent1"/>
+          </a:fillRef>
+          <a:effectRef idx="0">
+            <a:schemeClr val="accent1"/>
+          </a:effectRef>
+          <a:fontRef idx="minor">
+            <a:schemeClr val="tx1"/>
+          </a:fontRef>
+        </p:style>
+      </p:cxnSp>
+      <p:cxnSp>
+        <p:nvCxnSpPr>
+          <p:cNvPr id="175" name="Connector: Elbow 51">
+            <a:extLst>
+              <a:ext uri="{FF2B5EF4-FFF2-40B4-BE49-F238E27FC236}">
+                <a16:creationId xmlns:a16="http://schemas.microsoft.com/office/drawing/2014/main" id="{11038180-DCFA-46DA-92B2-5F5EC9127D00}"/>
+              </a:ext>
+            </a:extLst>
+          </p:cNvPr>
+          <p:cNvCxnSpPr>
+            <a:cxnSpLocks/>
+            <a:stCxn id="159" idx="3"/>
+            <a:endCxn id="110" idx="1"/>
+          </p:cNvCxnSpPr>
+          <p:nvPr/>
+        </p:nvCxnSpPr>
+        <p:spPr>
+          <a:xfrm flipV="1">
+            <a:off x="4700330" y="4823087"/>
+            <a:ext cx="2392793" cy="153049"/>
+          </a:xfrm>
+          <a:prstGeom prst="bentConnector3">
+            <a:avLst>
+              <a:gd name="adj1" fmla="val 50000"/>
+            </a:avLst>
+          </a:prstGeom>
+          <a:ln w="19050">
+            <a:solidFill>
+              <a:schemeClr val="accent4">
+                <a:lumMod val="75000"/>
+              </a:schemeClr>
+            </a:solidFill>
+            <a:tailEnd type="triangle"/>
+          </a:ln>
+        </p:spPr>
+        <p:style>
+          <a:lnRef idx="1">
+            <a:schemeClr val="accent1"/>
+          </a:lnRef>
+          <a:fillRef idx="0">
+            <a:schemeClr val="accent1"/>
+          </a:fillRef>
+          <a:effectRef idx="0">
+            <a:schemeClr val="accent1"/>
+          </a:effectRef>
+          <a:fontRef idx="minor">
+            <a:schemeClr val="tx1"/>
+          </a:fontRef>
+        </p:style>
+      </p:cxnSp>
+      <p:sp>
+        <p:nvSpPr>
+          <p:cNvPr id="178" name="Rectangle 177"/>
+          <p:cNvSpPr/>
+          <p:nvPr/>
+        </p:nvSpPr>
+        <p:spPr>
+          <a:xfrm>
+            <a:off x="4735672" y="4523107"/>
+            <a:ext cx="529510" cy="246221"/>
+          </a:xfrm>
+          <a:prstGeom prst="rect">
+            <a:avLst/>
+          </a:prstGeom>
+          <a:ln>
+            <a:noFill/>
+          </a:ln>
+        </p:spPr>
+        <p:txBody>
+          <a:bodyPr wrap="square">
+            <a:spAutoFit/>
+          </a:bodyPr>
+          <a:lstStyle/>
+          <a:p>
+            <a:r>
+              <a:rPr lang="en-US" sz="1000" b="1" dirty="0" smtClean="0"/>
+              <a:t>mask</a:t>
+            </a:r>
+            <a:endParaRPr lang="en-US" sz="1000" b="1" dirty="0"/>
+          </a:p>
+        </p:txBody>
+      </p:sp>
+      <p:cxnSp>
+        <p:nvCxnSpPr>
+          <p:cNvPr id="179" name="Connector: Elbow 51">
+            <a:extLst>
+              <a:ext uri="{FF2B5EF4-FFF2-40B4-BE49-F238E27FC236}">
+                <a16:creationId xmlns:a16="http://schemas.microsoft.com/office/drawing/2014/main" id="{11038180-DCFA-46DA-92B2-5F5EC9127D00}"/>
+              </a:ext>
+            </a:extLst>
+          </p:cNvPr>
+          <p:cNvCxnSpPr>
+            <a:cxnSpLocks/>
+            <a:stCxn id="121" idx="2"/>
+            <a:endCxn id="136" idx="2"/>
+          </p:cNvCxnSpPr>
+          <p:nvPr/>
+        </p:nvCxnSpPr>
+        <p:spPr>
+          <a:xfrm rot="5400000" flipH="1" flipV="1">
+            <a:off x="5394365" y="3507860"/>
+            <a:ext cx="406292" cy="1610797"/>
+          </a:xfrm>
+          <a:prstGeom prst="bentConnector3">
+            <a:avLst>
+              <a:gd name="adj1" fmla="val -56265"/>
+            </a:avLst>
+          </a:prstGeom>
+          <a:ln w="19050">
+            <a:solidFill>
+              <a:schemeClr val="tx1"/>
+            </a:solidFill>
+            <a:tailEnd type="triangle"/>
+          </a:ln>
+        </p:spPr>
+        <p:style>
+          <a:lnRef idx="1">
+            <a:schemeClr val="accent1"/>
+          </a:lnRef>
+          <a:fillRef idx="0">
+            <a:schemeClr val="accent1"/>
+          </a:fillRef>
+          <a:effectRef idx="0">
+            <a:schemeClr val="accent1"/>
+          </a:effectRef>
+          <a:fontRef idx="minor">
+            <a:schemeClr val="tx1"/>
+          </a:fontRef>
+        </p:style>
+      </p:cxnSp>
+      <p:sp>
+        <p:nvSpPr>
+          <p:cNvPr id="182" name="Rounded Rectangle 181"/>
+          <p:cNvSpPr/>
+          <p:nvPr/>
+        </p:nvSpPr>
+        <p:spPr>
+          <a:xfrm>
+            <a:off x="7586444" y="3840871"/>
+            <a:ext cx="802241" cy="292899"/>
+          </a:xfrm>
+          <a:prstGeom prst="roundRect">
+            <a:avLst/>
+          </a:prstGeom>
+          <a:solidFill>
+            <a:schemeClr val="accent6">
+              <a:lumMod val="20000"/>
+              <a:lumOff val="80000"/>
+            </a:schemeClr>
+          </a:solidFill>
+          <a:ln w="19050">
+            <a:solidFill>
+              <a:schemeClr val="tx1"/>
+            </a:solidFill>
+          </a:ln>
+        </p:spPr>
+        <p:style>
+          <a:lnRef idx="2">
+            <a:schemeClr val="accent1">
+              <a:shade val="50000"/>
+            </a:schemeClr>
+          </a:lnRef>
+          <a:fillRef idx="1">
+            <a:schemeClr val="accent1"/>
+          </a:fillRef>
+          <a:effectRef idx="0">
+            <a:schemeClr val="accent1"/>
+          </a:effectRef>
+          <a:fontRef idx="minor">
+            <a:schemeClr val="lt1"/>
+          </a:fontRef>
+        </p:style>
+        <p:txBody>
+          <a:bodyPr rtlCol="0" anchor="ctr"/>
+          <a:lstStyle/>
+          <a:p>
+            <a:pPr algn="ctr"/>
+            <a:r>
+              <a:rPr lang="en-US" sz="1000" b="1" dirty="0" smtClean="0">
+                <a:solidFill>
+                  <a:schemeClr val="tx1"/>
+                </a:solidFill>
+              </a:rPr>
+              <a:t>Save image</a:t>
+            </a:r>
+          </a:p>
+        </p:txBody>
+      </p:sp>
+      <p:sp>
+        <p:nvSpPr>
+          <p:cNvPr id="183" name="Rounded Rectangle 182"/>
+          <p:cNvSpPr/>
+          <p:nvPr/>
+        </p:nvSpPr>
+        <p:spPr>
+          <a:xfrm>
+            <a:off x="7593904" y="4837807"/>
+            <a:ext cx="794781" cy="321949"/>
+          </a:xfrm>
+          <a:prstGeom prst="roundRect">
+            <a:avLst/>
+          </a:prstGeom>
+          <a:solidFill>
+            <a:schemeClr val="accent6">
+              <a:lumMod val="20000"/>
+              <a:lumOff val="80000"/>
+            </a:schemeClr>
+          </a:solidFill>
+          <a:ln w="19050">
+            <a:solidFill>
+              <a:schemeClr val="tx1"/>
+            </a:solidFill>
+          </a:ln>
+        </p:spPr>
+        <p:style>
+          <a:lnRef idx="2">
+            <a:schemeClr val="accent1">
+              <a:shade val="50000"/>
+            </a:schemeClr>
+          </a:lnRef>
+          <a:fillRef idx="1">
+            <a:schemeClr val="accent1"/>
+          </a:fillRef>
+          <a:effectRef idx="0">
+            <a:schemeClr val="accent1"/>
+          </a:effectRef>
+          <a:fontRef idx="minor">
+            <a:schemeClr val="lt1"/>
+          </a:fontRef>
+        </p:style>
+        <p:txBody>
+          <a:bodyPr rtlCol="0" anchor="ctr"/>
+          <a:lstStyle/>
+          <a:p>
+            <a:pPr algn="ctr"/>
+            <a:r>
+              <a:rPr lang="en-US" sz="1000" b="1" dirty="0" smtClean="0">
+                <a:solidFill>
+                  <a:schemeClr val="tx1"/>
+                </a:solidFill>
+              </a:rPr>
+              <a:t>Save </a:t>
+            </a:r>
+            <a:r>
+              <a:rPr lang="en-US" sz="1000" b="1" dirty="0" err="1" smtClean="0">
+                <a:solidFill>
+                  <a:schemeClr val="tx1"/>
+                </a:solidFill>
+              </a:rPr>
+              <a:t>depthmap</a:t>
+            </a:r>
+            <a:endParaRPr lang="en-US" sz="1000" b="1" dirty="0" smtClean="0">
+              <a:solidFill>
+                <a:schemeClr val="tx1"/>
+              </a:solidFill>
+            </a:endParaRPr>
+          </a:p>
+        </p:txBody>
+      </p:sp>
+      <p:cxnSp>
+        <p:nvCxnSpPr>
+          <p:cNvPr id="184" name="Connector: Elbow 51">
+            <a:extLst>
+              <a:ext uri="{FF2B5EF4-FFF2-40B4-BE49-F238E27FC236}">
+                <a16:creationId xmlns:a16="http://schemas.microsoft.com/office/drawing/2014/main" id="{11038180-DCFA-46DA-92B2-5F5EC9127D00}"/>
+              </a:ext>
+            </a:extLst>
+          </p:cNvPr>
+          <p:cNvCxnSpPr>
+            <a:cxnSpLocks/>
+            <a:stCxn id="108" idx="3"/>
+            <a:endCxn id="182" idx="1"/>
+          </p:cNvCxnSpPr>
+          <p:nvPr/>
+        </p:nvCxnSpPr>
+        <p:spPr>
+          <a:xfrm flipV="1">
+            <a:off x="7276003" y="3987321"/>
+            <a:ext cx="310441" cy="114062"/>
+          </a:xfrm>
+          <a:prstGeom prst="bentConnector3">
+            <a:avLst>
+              <a:gd name="adj1" fmla="val 50000"/>
+            </a:avLst>
+          </a:prstGeom>
+          <a:ln w="19050">
+            <a:solidFill>
+              <a:schemeClr val="accent6">
+                <a:lumMod val="75000"/>
+              </a:schemeClr>
+            </a:solidFill>
+            <a:tailEnd type="triangle"/>
+          </a:ln>
+        </p:spPr>
+        <p:style>
+          <a:lnRef idx="1">
+            <a:schemeClr val="accent1"/>
+          </a:lnRef>
+          <a:fillRef idx="0">
+            <a:schemeClr val="accent1"/>
+          </a:fillRef>
+          <a:effectRef idx="0">
+            <a:schemeClr val="accent1"/>
+          </a:effectRef>
+          <a:fontRef idx="minor">
+            <a:schemeClr val="tx1"/>
+          </a:fontRef>
+        </p:style>
+      </p:cxnSp>
+      <p:cxnSp>
+        <p:nvCxnSpPr>
+          <p:cNvPr id="188" name="Connector: Elbow 51">
+            <a:extLst>
+              <a:ext uri="{FF2B5EF4-FFF2-40B4-BE49-F238E27FC236}">
+                <a16:creationId xmlns:a16="http://schemas.microsoft.com/office/drawing/2014/main" id="{11038180-DCFA-46DA-92B2-5F5EC9127D00}"/>
+              </a:ext>
+            </a:extLst>
+          </p:cNvPr>
+          <p:cNvCxnSpPr>
+            <a:cxnSpLocks/>
+            <a:stCxn id="110" idx="3"/>
+            <a:endCxn id="183" idx="1"/>
+          </p:cNvCxnSpPr>
+          <p:nvPr/>
+        </p:nvCxnSpPr>
+        <p:spPr>
+          <a:xfrm>
+            <a:off x="7276003" y="4823087"/>
+            <a:ext cx="317901" cy="175695"/>
+          </a:xfrm>
+          <a:prstGeom prst="bentConnector3">
+            <a:avLst>
+              <a:gd name="adj1" fmla="val 50000"/>
+            </a:avLst>
+          </a:prstGeom>
+          <a:ln w="19050">
+            <a:solidFill>
+              <a:schemeClr val="accent4">
+                <a:lumMod val="75000"/>
+              </a:schemeClr>
+            </a:solidFill>
+            <a:tailEnd type="triangle"/>
+          </a:ln>
+        </p:spPr>
+        <p:style>
+          <a:lnRef idx="1">
+            <a:schemeClr val="accent1"/>
+          </a:lnRef>
+          <a:fillRef idx="0">
+            <a:schemeClr val="accent1"/>
+          </a:fillRef>
+          <a:effectRef idx="0">
+            <a:schemeClr val="accent1"/>
+          </a:effectRef>
+          <a:fontRef idx="minor">
+            <a:schemeClr val="tx1"/>
+          </a:fontRef>
+        </p:style>
+      </p:cxnSp>
+      <p:cxnSp>
+        <p:nvCxnSpPr>
+          <p:cNvPr id="194" name="Connector: Elbow 51">
+            <a:extLst>
+              <a:ext uri="{FF2B5EF4-FFF2-40B4-BE49-F238E27FC236}">
+                <a16:creationId xmlns:a16="http://schemas.microsoft.com/office/drawing/2014/main" id="{11038180-DCFA-46DA-92B2-5F5EC9127D00}"/>
+              </a:ext>
+            </a:extLst>
+          </p:cNvPr>
+          <p:cNvCxnSpPr>
+            <a:cxnSpLocks/>
+            <a:stCxn id="182" idx="2"/>
+            <a:endCxn id="183" idx="0"/>
+          </p:cNvCxnSpPr>
+          <p:nvPr/>
+        </p:nvCxnSpPr>
+        <p:spPr>
+          <a:xfrm rot="16200000" flipH="1">
+            <a:off x="7637412" y="4483923"/>
+            <a:ext cx="704037" cy="3730"/>
+          </a:xfrm>
+          <a:prstGeom prst="bentConnector3">
+            <a:avLst>
+              <a:gd name="adj1" fmla="val 50000"/>
+            </a:avLst>
+          </a:prstGeom>
+          <a:ln w="19050">
+            <a:solidFill>
+              <a:schemeClr val="tx1"/>
+            </a:solidFill>
+            <a:tailEnd type="triangle"/>
+          </a:ln>
+        </p:spPr>
+        <p:style>
+          <a:lnRef idx="1">
+            <a:schemeClr val="accent1"/>
+          </a:lnRef>
+          <a:fillRef idx="0">
+            <a:schemeClr val="accent1"/>
+          </a:fillRef>
+          <a:effectRef idx="0">
+            <a:schemeClr val="accent1"/>
+          </a:effectRef>
+          <a:fontRef idx="minor">
+            <a:schemeClr val="tx1"/>
+          </a:fontRef>
+        </p:style>
+      </p:cxnSp>
+      <p:sp>
+        <p:nvSpPr>
+          <p:cNvPr id="197" name="Flowchart: Terminator 196">
+            <a:extLst>
+              <a:ext uri="{FF2B5EF4-FFF2-40B4-BE49-F238E27FC236}">
+                <a16:creationId xmlns:a16="http://schemas.microsoft.com/office/drawing/2014/main" id="{31E92B87-AF49-4229-8B08-2F4B0AD76EFB}"/>
+              </a:ext>
+            </a:extLst>
+          </p:cNvPr>
+          <p:cNvSpPr/>
+          <p:nvPr/>
+        </p:nvSpPr>
+        <p:spPr>
+          <a:xfrm>
+            <a:off x="8282964" y="5803479"/>
+            <a:ext cx="644434" cy="301752"/>
+          </a:xfrm>
+          <a:prstGeom prst="flowChartTerminator">
+            <a:avLst/>
+          </a:prstGeom>
+          <a:ln w="19050">
+            <a:solidFill>
+              <a:schemeClr val="tx1"/>
+            </a:solidFill>
+          </a:ln>
+        </p:spPr>
+        <p:style>
+          <a:lnRef idx="2">
+            <a:schemeClr val="accent1">
+              <a:shade val="50000"/>
+            </a:schemeClr>
+          </a:lnRef>
+          <a:fillRef idx="1">
+            <a:schemeClr val="accent1"/>
+          </a:fillRef>
+          <a:effectRef idx="0">
+            <a:schemeClr val="accent1"/>
+          </a:effectRef>
+          <a:fontRef idx="minor">
+            <a:schemeClr val="lt1"/>
+          </a:fontRef>
+        </p:style>
+        <p:txBody>
+          <a:bodyPr lIns="0" tIns="0" rIns="0" bIns="0" rtlCol="0" anchor="ctr"/>
+          <a:lstStyle/>
+          <a:p>
+            <a:pPr algn="ctr"/>
+            <a:r>
+              <a:rPr lang="en-US" sz="1200" b="1" dirty="0" smtClean="0"/>
+              <a:t>END</a:t>
+            </a:r>
+            <a:endParaRPr lang="en-US" sz="1200" b="1" dirty="0"/>
+          </a:p>
+        </p:txBody>
+      </p:sp>
+      <p:cxnSp>
+        <p:nvCxnSpPr>
+          <p:cNvPr id="198" name="Connector: Elbow 51">
+            <a:extLst>
+              <a:ext uri="{FF2B5EF4-FFF2-40B4-BE49-F238E27FC236}">
+                <a16:creationId xmlns:a16="http://schemas.microsoft.com/office/drawing/2014/main" id="{11038180-DCFA-46DA-92B2-5F5EC9127D00}"/>
+              </a:ext>
+            </a:extLst>
+          </p:cNvPr>
+          <p:cNvCxnSpPr>
+            <a:cxnSpLocks/>
+            <a:stCxn id="183" idx="3"/>
+            <a:endCxn id="197" idx="0"/>
+          </p:cNvCxnSpPr>
+          <p:nvPr/>
+        </p:nvCxnSpPr>
+        <p:spPr>
+          <a:xfrm>
+            <a:off x="8388685" y="4998782"/>
+            <a:ext cx="216496" cy="804697"/>
+          </a:xfrm>
+          <a:prstGeom prst="bentConnector2">
+            <a:avLst/>
+          </a:prstGeom>
+          <a:ln w="19050">
+            <a:solidFill>
+              <a:schemeClr val="tx1"/>
+            </a:solidFill>
+            <a:tailEnd type="triangle"/>
+          </a:ln>
+        </p:spPr>
+        <p:style>
+          <a:lnRef idx="1">
+            <a:schemeClr val="accent1"/>
+          </a:lnRef>
+          <a:fillRef idx="0">
+            <a:schemeClr val="accent1"/>
+          </a:fillRef>
+          <a:effectRef idx="0">
+            <a:schemeClr val="accent1"/>
+          </a:effectRef>
+          <a:fontRef idx="minor">
+            <a:schemeClr val="tx1"/>
+          </a:fontRef>
+        </p:style>
+      </p:cxnSp>
+      <p:sp>
+        <p:nvSpPr>
+          <p:cNvPr id="201" name="Rounded Rectangle 200"/>
+          <p:cNvSpPr/>
+          <p:nvPr/>
+        </p:nvSpPr>
+        <p:spPr>
+          <a:xfrm>
+            <a:off x="4856510" y="3268949"/>
+            <a:ext cx="1071194" cy="355457"/>
+          </a:xfrm>
+          <a:prstGeom prst="roundRect">
+            <a:avLst/>
+          </a:prstGeom>
+          <a:solidFill>
+            <a:schemeClr val="accent6">
+              <a:lumMod val="20000"/>
+              <a:lumOff val="80000"/>
+            </a:schemeClr>
+          </a:solidFill>
+          <a:ln w="19050">
+            <a:solidFill>
+              <a:schemeClr val="tx1"/>
+            </a:solidFill>
+          </a:ln>
+        </p:spPr>
+        <p:style>
+          <a:lnRef idx="2">
+            <a:schemeClr val="accent1">
+              <a:shade val="50000"/>
+            </a:schemeClr>
+          </a:lnRef>
+          <a:fillRef idx="1">
+            <a:schemeClr val="accent1"/>
+          </a:fillRef>
+          <a:effectRef idx="0">
+            <a:schemeClr val="accent1"/>
+          </a:effectRef>
+          <a:fontRef idx="minor">
+            <a:schemeClr val="lt1"/>
+          </a:fontRef>
+        </p:style>
+        <p:txBody>
+          <a:bodyPr rtlCol="0" anchor="ctr"/>
+          <a:lstStyle/>
+          <a:p>
+            <a:pPr algn="ctr"/>
+            <a:r>
+              <a:rPr lang="en-US" sz="1000" b="1" dirty="0" smtClean="0">
+                <a:solidFill>
+                  <a:schemeClr val="tx1"/>
+                </a:solidFill>
+              </a:rPr>
+              <a:t>Generate Gaussian Kernel</a:t>
+            </a:r>
+          </a:p>
+        </p:txBody>
+      </p:sp>
+      <p:sp>
+        <p:nvSpPr>
+          <p:cNvPr id="210" name="Flowchart: Terminator 209">
+            <a:extLst>
+              <a:ext uri="{FF2B5EF4-FFF2-40B4-BE49-F238E27FC236}">
+                <a16:creationId xmlns:a16="http://schemas.microsoft.com/office/drawing/2014/main" id="{31E92B87-AF49-4229-8B08-2F4B0AD76EFB}"/>
+              </a:ext>
+            </a:extLst>
+          </p:cNvPr>
+          <p:cNvSpPr/>
+          <p:nvPr/>
+        </p:nvSpPr>
+        <p:spPr>
+          <a:xfrm>
+            <a:off x="314622" y="1962968"/>
+            <a:ext cx="974026" cy="278476"/>
+          </a:xfrm>
+          <a:prstGeom prst="flowChartTerminator">
+            <a:avLst/>
+          </a:prstGeom>
+          <a:solidFill>
+            <a:srgbClr val="0070C0"/>
+          </a:solidFill>
+          <a:ln w="19050">
+            <a:solidFill>
+              <a:schemeClr val="tx1"/>
+            </a:solidFill>
+          </a:ln>
+        </p:spPr>
+        <p:style>
+          <a:lnRef idx="2">
+            <a:schemeClr val="accent1">
+              <a:shade val="50000"/>
+            </a:schemeClr>
+          </a:lnRef>
+          <a:fillRef idx="1">
+            <a:schemeClr val="accent1"/>
+          </a:fillRef>
+          <a:effectRef idx="0">
+            <a:schemeClr val="accent1"/>
+          </a:effectRef>
+          <a:fontRef idx="minor">
+            <a:schemeClr val="lt1"/>
+          </a:fontRef>
+        </p:style>
+        <p:txBody>
+          <a:bodyPr lIns="45720" tIns="0" rIns="0" bIns="0" rtlCol="0" anchor="ctr"/>
+          <a:lstStyle/>
+          <a:p>
+            <a:pPr marL="112713" indent="-112713">
+              <a:buFont typeface="Arial" panose="020B0604020202020204" pitchFamily="34" charset="0"/>
+              <a:buChar char="•"/>
+            </a:pPr>
+            <a:r>
+              <a:rPr lang="en-US" sz="1000" dirty="0" err="1" smtClean="0"/>
+              <a:t>dm_values</a:t>
+            </a:r>
+            <a:r>
+              <a:rPr lang="en-US" sz="1000" dirty="0" smtClean="0"/>
+              <a:t>[0]</a:t>
+            </a:r>
+          </a:p>
+        </p:txBody>
+      </p:sp>
+      <p:cxnSp>
+        <p:nvCxnSpPr>
+          <p:cNvPr id="211" name="Connector: Elbow 51">
+            <a:extLst>
+              <a:ext uri="{FF2B5EF4-FFF2-40B4-BE49-F238E27FC236}">
+                <a16:creationId xmlns:a16="http://schemas.microsoft.com/office/drawing/2014/main" id="{11038180-DCFA-46DA-92B2-5F5EC9127D00}"/>
+              </a:ext>
+            </a:extLst>
+          </p:cNvPr>
+          <p:cNvCxnSpPr>
+            <a:cxnSpLocks/>
+            <a:stCxn id="210" idx="3"/>
+            <a:endCxn id="78" idx="0"/>
+          </p:cNvCxnSpPr>
+          <p:nvPr/>
+        </p:nvCxnSpPr>
+        <p:spPr>
+          <a:xfrm>
+            <a:off x="1288648" y="2102206"/>
+            <a:ext cx="991243" cy="151474"/>
+          </a:xfrm>
+          <a:prstGeom prst="bentConnector2">
+            <a:avLst/>
+          </a:prstGeom>
+          <a:ln w="19050">
+            <a:solidFill>
+              <a:srgbClr val="0070C0"/>
+            </a:solidFill>
+            <a:tailEnd type="triangle"/>
+          </a:ln>
+        </p:spPr>
+        <p:style>
+          <a:lnRef idx="1">
+            <a:schemeClr val="accent1"/>
+          </a:lnRef>
+          <a:fillRef idx="0">
+            <a:schemeClr val="accent1"/>
+          </a:fillRef>
+          <a:effectRef idx="0">
+            <a:schemeClr val="accent1"/>
+          </a:effectRef>
+          <a:fontRef idx="minor">
+            <a:schemeClr val="tx1"/>
+          </a:fontRef>
+        </p:style>
+      </p:cxnSp>
+      <p:cxnSp>
+        <p:nvCxnSpPr>
+          <p:cNvPr id="214" name="Connector: Elbow 51">
+            <a:extLst>
+              <a:ext uri="{FF2B5EF4-FFF2-40B4-BE49-F238E27FC236}">
+                <a16:creationId xmlns:a16="http://schemas.microsoft.com/office/drawing/2014/main" id="{11038180-DCFA-46DA-92B2-5F5EC9127D00}"/>
+              </a:ext>
+            </a:extLst>
+          </p:cNvPr>
+          <p:cNvCxnSpPr>
+            <a:cxnSpLocks/>
+            <a:stCxn id="74" idx="3"/>
+            <a:endCxn id="201" idx="1"/>
+          </p:cNvCxnSpPr>
+          <p:nvPr/>
+        </p:nvCxnSpPr>
+        <p:spPr>
+          <a:xfrm>
+            <a:off x="1384705" y="3307898"/>
+            <a:ext cx="3471805" cy="138780"/>
+          </a:xfrm>
+          <a:prstGeom prst="bentConnector3">
+            <a:avLst>
+              <a:gd name="adj1" fmla="val 50000"/>
+            </a:avLst>
+          </a:prstGeom>
+          <a:ln w="19050">
+            <a:solidFill>
+              <a:schemeClr val="tx1"/>
+            </a:solidFill>
+            <a:tailEnd type="triangle"/>
+          </a:ln>
+        </p:spPr>
+        <p:style>
+          <a:lnRef idx="1">
+            <a:schemeClr val="accent1"/>
+          </a:lnRef>
+          <a:fillRef idx="0">
+            <a:schemeClr val="accent1"/>
+          </a:fillRef>
+          <a:effectRef idx="0">
+            <a:schemeClr val="accent1"/>
+          </a:effectRef>
+          <a:fontRef idx="minor">
+            <a:schemeClr val="tx1"/>
+          </a:fontRef>
+        </p:style>
+      </p:cxnSp>
+      <p:cxnSp>
+        <p:nvCxnSpPr>
+          <p:cNvPr id="224" name="Connector: Elbow 51">
+            <a:extLst>
+              <a:ext uri="{FF2B5EF4-FFF2-40B4-BE49-F238E27FC236}">
+                <a16:creationId xmlns:a16="http://schemas.microsoft.com/office/drawing/2014/main" id="{11038180-DCFA-46DA-92B2-5F5EC9127D00}"/>
+              </a:ext>
+            </a:extLst>
+          </p:cNvPr>
+          <p:cNvCxnSpPr>
+            <a:cxnSpLocks/>
+            <a:stCxn id="161" idx="3"/>
+            <a:endCxn id="201" idx="2"/>
+          </p:cNvCxnSpPr>
+          <p:nvPr/>
+        </p:nvCxnSpPr>
+        <p:spPr>
+          <a:xfrm flipV="1">
+            <a:off x="3823212" y="3624406"/>
+            <a:ext cx="1568895" cy="1704708"/>
+          </a:xfrm>
+          <a:prstGeom prst="bentConnector2">
+            <a:avLst/>
+          </a:prstGeom>
+          <a:ln w="19050">
+            <a:solidFill>
+              <a:srgbClr val="0070C0"/>
+            </a:solidFill>
+            <a:tailEnd type="triangle"/>
+          </a:ln>
+        </p:spPr>
+        <p:style>
+          <a:lnRef idx="1">
+            <a:schemeClr val="accent1"/>
+          </a:lnRef>
+          <a:fillRef idx="0">
+            <a:schemeClr val="accent1"/>
+          </a:fillRef>
+          <a:effectRef idx="0">
+            <a:schemeClr val="accent1"/>
+          </a:effectRef>
+          <a:fontRef idx="minor">
+            <a:schemeClr val="tx1"/>
+          </a:fontRef>
+        </p:style>
+      </p:cxnSp>
+      <p:sp>
+        <p:nvSpPr>
+          <p:cNvPr id="121" name="Rectangle 120">
+            <a:extLst>
+              <a:ext uri="{FF2B5EF4-FFF2-40B4-BE49-F238E27FC236}">
+                <a16:creationId xmlns:a16="http://schemas.microsoft.com/office/drawing/2014/main" id="{F6457C84-7364-4FDD-920A-39192EF2AD0C}"/>
+              </a:ext>
+            </a:extLst>
+          </p:cNvPr>
+          <p:cNvSpPr/>
+          <p:nvPr/>
+        </p:nvSpPr>
+        <p:spPr>
+          <a:xfrm>
+            <a:off x="3831993" y="4245895"/>
+            <a:ext cx="1920240" cy="270510"/>
+          </a:xfrm>
+          <a:prstGeom prst="rect">
+            <a:avLst/>
+          </a:prstGeom>
+          <a:solidFill>
+            <a:schemeClr val="tx2">
+              <a:lumMod val="20000"/>
+              <a:lumOff val="80000"/>
+            </a:schemeClr>
+          </a:solidFill>
+          <a:ln w="19050">
+            <a:solidFill>
+              <a:schemeClr val="tx1"/>
+            </a:solidFill>
+          </a:ln>
+        </p:spPr>
+        <p:style>
+          <a:lnRef idx="2">
+            <a:schemeClr val="accent1">
+              <a:shade val="50000"/>
+            </a:schemeClr>
+          </a:lnRef>
+          <a:fillRef idx="1">
+            <a:schemeClr val="accent1"/>
+          </a:fillRef>
+          <a:effectRef idx="0">
+            <a:schemeClr val="accent1"/>
+          </a:effectRef>
+          <a:fontRef idx="minor">
+            <a:schemeClr val="lt1"/>
+          </a:fontRef>
+        </p:style>
+        <p:txBody>
+          <a:bodyPr rtlCol="0" anchor="ctr"/>
+          <a:lstStyle/>
+          <a:p>
+            <a:pPr algn="ctr"/>
+            <a:r>
+              <a:rPr lang="en-US" sz="1200" b="1" dirty="0" err="1">
+                <a:solidFill>
+                  <a:sysClr val="windowText" lastClr="000000"/>
+                </a:solidFill>
+              </a:rPr>
+              <a:t>generate_random_overlay</a:t>
+            </a:r>
+            <a:endParaRPr lang="en-US" sz="1200" b="1" dirty="0">
+              <a:solidFill>
+                <a:sysClr val="windowText" lastClr="000000"/>
+              </a:solidFill>
+            </a:endParaRPr>
+          </a:p>
+        </p:txBody>
+      </p:sp>
+      <p:cxnSp>
+        <p:nvCxnSpPr>
+          <p:cNvPr id="262" name="Connector: Elbow 51">
+            <a:extLst>
+              <a:ext uri="{FF2B5EF4-FFF2-40B4-BE49-F238E27FC236}">
+                <a16:creationId xmlns:a16="http://schemas.microsoft.com/office/drawing/2014/main" id="{11038180-DCFA-46DA-92B2-5F5EC9127D00}"/>
+              </a:ext>
+            </a:extLst>
+          </p:cNvPr>
+          <p:cNvCxnSpPr>
+            <a:cxnSpLocks/>
+            <a:stCxn id="201" idx="3"/>
+            <a:endCxn id="136" idx="0"/>
+          </p:cNvCxnSpPr>
+          <p:nvPr/>
+        </p:nvCxnSpPr>
+        <p:spPr>
+          <a:xfrm>
+            <a:off x="5927704" y="3446678"/>
+            <a:ext cx="475206" cy="371394"/>
+          </a:xfrm>
+          <a:prstGeom prst="bentConnector2">
+            <a:avLst/>
+          </a:prstGeom>
+          <a:ln w="19050">
+            <a:solidFill>
+              <a:schemeClr val="tx1"/>
+            </a:solidFill>
+            <a:tailEnd type="triangle"/>
+          </a:ln>
+        </p:spPr>
+        <p:style>
+          <a:lnRef idx="1">
+            <a:schemeClr val="accent1"/>
+          </a:lnRef>
+          <a:fillRef idx="0">
+            <a:schemeClr val="accent1"/>
+          </a:fillRef>
+          <a:effectRef idx="0">
+            <a:schemeClr val="accent1"/>
+          </a:effectRef>
+          <a:fontRef idx="minor">
+            <a:schemeClr val="tx1"/>
+          </a:fontRef>
+        </p:style>
+      </p:cxnSp>
+    </p:spTree>
+    <p:extLst>
+      <p:ext uri="{BB962C8B-B14F-4D97-AF65-F5344CB8AC3E}">
+        <p14:creationId xmlns:p14="http://schemas.microsoft.com/office/powerpoint/2010/main" val="2756797952"/>
+      </p:ext>
+    </p:extLst>
+  </p:cSld>
+  <p:clrMapOvr>
+    <a:masterClrMapping/>
+  </p:clrMapOvr>
+</p:sld>
+</file>
+
 <file path=ppt/theme/theme1.xml><?xml version="1.0" encoding="utf-8"?>
 <a:theme xmlns:a="http://schemas.openxmlformats.org/drawingml/2006/main" name="Office Theme">
   <a:themeElements>

--- a/blur_process.pptx
+++ b/blur_process.pptx
@@ -247,7 +247,7 @@
           <a:p>
             <a:fld id="{E72317F2-AC8A-4A17-9490-8494A31721E1}" type="datetimeFigureOut">
               <a:rPr lang="en-US" smtClean="0"/>
-              <a:t>9/23/2020</a:t>
+              <a:t>9/25/2020</a:t>
             </a:fld>
             <a:endParaRPr lang="en-US"/>
           </a:p>
@@ -417,7 +417,7 @@
           <a:p>
             <a:fld id="{E72317F2-AC8A-4A17-9490-8494A31721E1}" type="datetimeFigureOut">
               <a:rPr lang="en-US" smtClean="0"/>
-              <a:t>9/23/2020</a:t>
+              <a:t>9/25/2020</a:t>
             </a:fld>
             <a:endParaRPr lang="en-US"/>
           </a:p>
@@ -597,7 +597,7 @@
           <a:p>
             <a:fld id="{E72317F2-AC8A-4A17-9490-8494A31721E1}" type="datetimeFigureOut">
               <a:rPr lang="en-US" smtClean="0"/>
-              <a:t>9/23/2020</a:t>
+              <a:t>9/25/2020</a:t>
             </a:fld>
             <a:endParaRPr lang="en-US"/>
           </a:p>
@@ -767,7 +767,7 @@
           <a:p>
             <a:fld id="{E72317F2-AC8A-4A17-9490-8494A31721E1}" type="datetimeFigureOut">
               <a:rPr lang="en-US" smtClean="0"/>
-              <a:t>9/23/2020</a:t>
+              <a:t>9/25/2020</a:t>
             </a:fld>
             <a:endParaRPr lang="en-US"/>
           </a:p>
@@ -1011,7 +1011,7 @@
           <a:p>
             <a:fld id="{E72317F2-AC8A-4A17-9490-8494A31721E1}" type="datetimeFigureOut">
               <a:rPr lang="en-US" smtClean="0"/>
-              <a:t>9/23/2020</a:t>
+              <a:t>9/25/2020</a:t>
             </a:fld>
             <a:endParaRPr lang="en-US"/>
           </a:p>
@@ -1243,7 +1243,7 @@
           <a:p>
             <a:fld id="{E72317F2-AC8A-4A17-9490-8494A31721E1}" type="datetimeFigureOut">
               <a:rPr lang="en-US" smtClean="0"/>
-              <a:t>9/23/2020</a:t>
+              <a:t>9/25/2020</a:t>
             </a:fld>
             <a:endParaRPr lang="en-US"/>
           </a:p>
@@ -1610,7 +1610,7 @@
           <a:p>
             <a:fld id="{E72317F2-AC8A-4A17-9490-8494A31721E1}" type="datetimeFigureOut">
               <a:rPr lang="en-US" smtClean="0"/>
-              <a:t>9/23/2020</a:t>
+              <a:t>9/25/2020</a:t>
             </a:fld>
             <a:endParaRPr lang="en-US"/>
           </a:p>
@@ -1728,7 +1728,7 @@
           <a:p>
             <a:fld id="{E72317F2-AC8A-4A17-9490-8494A31721E1}" type="datetimeFigureOut">
               <a:rPr lang="en-US" smtClean="0"/>
-              <a:t>9/23/2020</a:t>
+              <a:t>9/25/2020</a:t>
             </a:fld>
             <a:endParaRPr lang="en-US"/>
           </a:p>
@@ -1823,7 +1823,7 @@
           <a:p>
             <a:fld id="{E72317F2-AC8A-4A17-9490-8494A31721E1}" type="datetimeFigureOut">
               <a:rPr lang="en-US" smtClean="0"/>
-              <a:t>9/23/2020</a:t>
+              <a:t>9/25/2020</a:t>
             </a:fld>
             <a:endParaRPr lang="en-US"/>
           </a:p>
@@ -2100,7 +2100,7 @@
           <a:p>
             <a:fld id="{E72317F2-AC8A-4A17-9490-8494A31721E1}" type="datetimeFigureOut">
               <a:rPr lang="en-US" smtClean="0"/>
-              <a:t>9/23/2020</a:t>
+              <a:t>9/25/2020</a:t>
             </a:fld>
             <a:endParaRPr lang="en-US"/>
           </a:p>
@@ -2357,7 +2357,7 @@
           <a:p>
             <a:fld id="{E72317F2-AC8A-4A17-9490-8494A31721E1}" type="datetimeFigureOut">
               <a:rPr lang="en-US" smtClean="0"/>
-              <a:t>9/23/2020</a:t>
+              <a:t>9/25/2020</a:t>
             </a:fld>
             <a:endParaRPr lang="en-US"/>
           </a:p>
@@ -2570,7 +2570,7 @@
           <a:p>
             <a:fld id="{E72317F2-AC8A-4A17-9490-8494A31721E1}" type="datetimeFigureOut">
               <a:rPr lang="en-US" smtClean="0"/>
-              <a:t>9/23/2020</a:t>
+              <a:t>9/25/2020</a:t>
             </a:fld>
             <a:endParaRPr lang="en-US"/>
           </a:p>
@@ -11784,7 +11784,7 @@
         </p:nvSpPr>
         <p:spPr>
           <a:xfrm>
-            <a:off x="4241074" y="1314272"/>
+            <a:off x="4658727" y="1190756"/>
             <a:ext cx="1937162" cy="833791"/>
           </a:xfrm>
           <a:prstGeom prst="roundRect">
@@ -12008,7 +12008,7 @@
         <p:spPr>
           <a:xfrm>
             <a:off x="4475708" y="1041544"/>
-            <a:ext cx="733947" cy="272728"/>
+            <a:ext cx="1151600" cy="149212"/>
           </a:xfrm>
           <a:prstGeom prst="bentConnector2">
             <a:avLst/>
@@ -12054,7 +12054,7 @@
         <p:spPr>
           <a:xfrm>
             <a:off x="3344092" y="1482426"/>
-            <a:ext cx="896982" cy="248742"/>
+            <a:ext cx="1314635" cy="125226"/>
           </a:xfrm>
           <a:prstGeom prst="bentConnector3">
             <a:avLst>
@@ -12091,7 +12091,7 @@
         </p:nvSpPr>
         <p:spPr>
           <a:xfrm>
-            <a:off x="5988215" y="2159802"/>
+            <a:off x="6778019" y="2195072"/>
             <a:ext cx="1909497" cy="246221"/>
           </a:xfrm>
           <a:prstGeom prst="rect">
@@ -12157,8 +12157,8 @@
         </p:nvCxnSpPr>
         <p:spPr>
           <a:xfrm>
-            <a:off x="6178236" y="1731168"/>
-            <a:ext cx="783411" cy="48191"/>
+            <a:off x="6595889" y="1607652"/>
+            <a:ext cx="365758" cy="171707"/>
           </a:xfrm>
           <a:prstGeom prst="bentConnector3">
             <a:avLst>
@@ -12492,64 +12492,6 @@
           </a:fontRef>
         </p:style>
       </p:cxnSp>
-      <p:sp>
-        <p:nvSpPr>
-          <p:cNvPr id="84" name="Flowchart: Process 83">
-            <a:extLst>
-              <a:ext uri="{FF2B5EF4-FFF2-40B4-BE49-F238E27FC236}">
-                <a16:creationId xmlns:a16="http://schemas.microsoft.com/office/drawing/2014/main" id="{B8847B9C-0DE2-4F8C-ADAA-F5977A078735}"/>
-              </a:ext>
-            </a:extLst>
-          </p:cNvPr>
-          <p:cNvSpPr/>
-          <p:nvPr/>
-        </p:nvSpPr>
-        <p:spPr>
-          <a:xfrm>
-            <a:off x="3212172" y="2226693"/>
-            <a:ext cx="854523" cy="292041"/>
-          </a:xfrm>
-          <a:prstGeom prst="flowChartProcess">
-            <a:avLst/>
-          </a:prstGeom>
-          <a:solidFill>
-            <a:srgbClr val="7030A0"/>
-          </a:solidFill>
-          <a:ln w="19050">
-            <a:solidFill>
-              <a:schemeClr val="tx1"/>
-            </a:solidFill>
-          </a:ln>
-        </p:spPr>
-        <p:style>
-          <a:lnRef idx="2">
-            <a:schemeClr val="accent1">
-              <a:shade val="50000"/>
-            </a:schemeClr>
-          </a:lnRef>
-          <a:fillRef idx="1">
-            <a:schemeClr val="accent1"/>
-          </a:fillRef>
-          <a:effectRef idx="0">
-            <a:schemeClr val="accent1"/>
-          </a:effectRef>
-          <a:fontRef idx="minor">
-            <a:schemeClr val="lt1"/>
-          </a:fontRef>
-        </p:style>
-        <p:txBody>
-          <a:bodyPr lIns="0" tIns="0" rIns="0" bIns="0" rtlCol="0" anchor="ctr"/>
-          <a:lstStyle/>
-          <a:p>
-            <a:pPr algn="ctr"/>
-            <a:r>
-              <a:rPr lang="en-US" sz="1200" b="1" dirty="0" err="1"/>
-              <a:t>blur_layer</a:t>
-            </a:r>
-            <a:endParaRPr lang="en-US" sz="1200" b="1" dirty="0"/>
-          </a:p>
-        </p:txBody>
-      </p:sp>
       <p:cxnSp>
         <p:nvCxnSpPr>
           <p:cNvPr id="85" name="Connector: Elbow 51">
@@ -12562,14 +12504,14 @@
           <p:cNvCxnSpPr>
             <a:cxnSpLocks/>
             <a:stCxn id="78" idx="3"/>
-            <a:endCxn id="84" idx="1"/>
+            <a:endCxn id="63" idx="1"/>
           </p:cNvCxnSpPr>
           <p:nvPr/>
         </p:nvCxnSpPr>
         <p:spPr>
-          <a:xfrm flipV="1">
-            <a:off x="2815488" y="2372714"/>
-            <a:ext cx="396684" cy="100591"/>
+          <a:xfrm>
+            <a:off x="2815488" y="2473305"/>
+            <a:ext cx="297629" cy="107250"/>
           </a:xfrm>
           <a:prstGeom prst="bentConnector3">
             <a:avLst>
@@ -12744,11 +12686,7 @@
               </a:r>
               <a:r>
                 <a:rPr lang="en-US" sz="1000" b="1" dirty="0" err="1" smtClean="0"/>
-                <a:t>i</a:t>
-              </a:r>
-              <a:r>
-                <a:rPr lang="en-US" sz="1000" b="1" dirty="0" err="1" smtClean="0"/>
-                <a:t>dx</a:t>
+                <a:t>idx</a:t>
               </a:r>
               <a:r>
                 <a:rPr lang="en-US" sz="1000" b="1" dirty="0" smtClean="0"/>
@@ -12990,21 +12928,21 @@
           </p:cNvPr>
           <p:cNvCxnSpPr>
             <a:cxnSpLocks/>
-            <a:stCxn id="84" idx="3"/>
+            <a:stCxn id="63" idx="3"/>
             <a:endCxn id="94" idx="1"/>
           </p:cNvCxnSpPr>
           <p:nvPr/>
         </p:nvCxnSpPr>
         <p:spPr>
           <a:xfrm flipH="1">
-            <a:off x="2568240" y="2372714"/>
-            <a:ext cx="1498455" cy="1722791"/>
+            <a:off x="2568240" y="2580555"/>
+            <a:ext cx="1616071" cy="1514950"/>
           </a:xfrm>
           <a:prstGeom prst="bentConnector5">
             <a:avLst>
-              <a:gd name="adj1" fmla="val -15256"/>
-              <a:gd name="adj2" fmla="val 30859"/>
-              <a:gd name="adj3" fmla="val 115256"/>
+              <a:gd name="adj1" fmla="val -14145"/>
+              <a:gd name="adj2" fmla="val 19136"/>
+              <a:gd name="adj3" fmla="val 114145"/>
             </a:avLst>
           </a:prstGeom>
           <a:ln w="19050">
@@ -13054,7 +12992,7 @@
           </a:xfrm>
           <a:prstGeom prst="bentConnector5">
             <a:avLst>
-              <a:gd name="adj1" fmla="val -3944"/>
+              <a:gd name="adj1" fmla="val -5892"/>
               <a:gd name="adj2" fmla="val 40643"/>
               <a:gd name="adj3" fmla="val 107250"/>
             </a:avLst>
@@ -13221,7 +13159,6 @@
               <a:rPr lang="en-US" sz="1000" b="1" dirty="0"/>
               <a:t>);</a:t>
             </a:r>
-            <a:endParaRPr lang="en-US" sz="1000" b="1" dirty="0"/>
           </a:p>
         </p:txBody>
       </p:sp>
@@ -13834,7 +13771,6 @@
               <a:rPr lang="en-US" sz="1000" dirty="0" smtClean="0"/>
               <a:t>]</a:t>
             </a:r>
-            <a:endParaRPr lang="en-US" sz="1000" dirty="0" smtClean="0"/>
           </a:p>
         </p:txBody>
       </p:sp>
@@ -14072,8 +14008,8 @@
         </p:nvSpPr>
         <p:spPr>
           <a:xfrm>
-            <a:off x="7586444" y="3840871"/>
-            <a:ext cx="802241" cy="292899"/>
+            <a:off x="7586444" y="3639203"/>
+            <a:ext cx="802241" cy="547742"/>
           </a:xfrm>
           <a:prstGeom prst="roundRect">
             <a:avLst/>
@@ -14117,8 +14053,48 @@
                   <a:schemeClr val="tx1"/>
                 </a:solidFill>
               </a:rPr>
-              <a:t>Save image</a:t>
-            </a:r>
+              <a:t>Save </a:t>
+            </a:r>
+            <a:r>
+              <a:rPr lang="en-US" sz="1000" b="1" dirty="0" smtClean="0">
+                <a:solidFill>
+                  <a:schemeClr val="tx1"/>
+                </a:solidFill>
+              </a:rPr>
+              <a:t>image</a:t>
+            </a:r>
+          </a:p>
+          <a:p>
+            <a:pPr algn="ctr"/>
+            <a:r>
+              <a:rPr lang="en-US" sz="1000" b="1" dirty="0" smtClean="0">
+                <a:solidFill>
+                  <a:schemeClr val="tx1"/>
+                </a:solidFill>
+              </a:rPr>
+              <a:t>(</a:t>
+            </a:r>
+            <a:r>
+              <a:rPr lang="en-US" sz="1000" b="1" dirty="0" err="1" smtClean="0">
+                <a:solidFill>
+                  <a:schemeClr val="tx1"/>
+                </a:solidFill>
+              </a:rPr>
+              <a:t>png</a:t>
+            </a:r>
+            <a:r>
+              <a:rPr lang="en-US" sz="1000" b="1" dirty="0" smtClean="0">
+                <a:solidFill>
+                  <a:schemeClr val="tx1"/>
+                </a:solidFill>
+              </a:rPr>
+              <a:t>)</a:t>
+            </a:r>
+            <a:endParaRPr lang="en-US" sz="1000" b="1" dirty="0" smtClean="0">
+              <a:solidFill>
+                <a:schemeClr val="tx1"/>
+              </a:solidFill>
+            </a:endParaRPr>
           </a:p>
         </p:txBody>
       </p:sp>
@@ -14131,7 +14107,7 @@
         <p:spPr>
           <a:xfrm>
             <a:off x="7593904" y="4837807"/>
-            <a:ext cx="794781" cy="321949"/>
+            <a:ext cx="794781" cy="582318"/>
           </a:xfrm>
           <a:prstGeom prst="roundRect">
             <a:avLst/>
@@ -14185,6 +14161,41 @@
               </a:rPr>
               <a:t>depthmap</a:t>
             </a:r>
+            <a:r>
+              <a:rPr lang="en-US" sz="1000" b="1" dirty="0" smtClean="0">
+                <a:solidFill>
+                  <a:schemeClr val="tx1"/>
+                </a:solidFill>
+              </a:rPr>
+              <a:t> </a:t>
+            </a:r>
+          </a:p>
+          <a:p>
+            <a:pPr algn="ctr"/>
+            <a:r>
+              <a:rPr lang="en-US" sz="1000" b="1" dirty="0" smtClean="0">
+                <a:solidFill>
+                  <a:schemeClr val="tx1"/>
+                </a:solidFill>
+              </a:rPr>
+              <a:t>(</a:t>
+            </a:r>
+            <a:r>
+              <a:rPr lang="en-US" sz="1000" b="1" dirty="0" err="1" smtClean="0">
+                <a:solidFill>
+                  <a:schemeClr val="tx1"/>
+                </a:solidFill>
+              </a:rPr>
+              <a:t>png</a:t>
+            </a:r>
+            <a:r>
+              <a:rPr lang="en-US" sz="1000" b="1" dirty="0" smtClean="0">
+                <a:solidFill>
+                  <a:schemeClr val="tx1"/>
+                </a:solidFill>
+              </a:rPr>
+              <a:t>)</a:t>
+            </a:r>
             <a:endParaRPr lang="en-US" sz="1000" b="1" dirty="0" smtClean="0">
               <a:solidFill>
                 <a:schemeClr val="tx1"/>
@@ -14211,8 +14222,8 @@
         </p:nvCxnSpPr>
         <p:spPr>
           <a:xfrm flipV="1">
-            <a:off x="7276003" y="3987321"/>
-            <a:ext cx="310441" cy="114062"/>
+            <a:off x="7276003" y="3913074"/>
+            <a:ext cx="310441" cy="188309"/>
           </a:xfrm>
           <a:prstGeom prst="bentConnector3">
             <a:avLst>
@@ -14262,7 +14273,7 @@
         <p:spPr>
           <a:xfrm>
             <a:off x="7276003" y="4823087"/>
-            <a:ext cx="317901" cy="175695"/>
+            <a:ext cx="317901" cy="305879"/>
           </a:xfrm>
           <a:prstGeom prst="bentConnector3">
             <a:avLst>
@@ -14311,8 +14322,8 @@
         </p:nvCxnSpPr>
         <p:spPr>
           <a:xfrm rot="16200000" flipH="1">
-            <a:off x="7637412" y="4483923"/>
-            <a:ext cx="704037" cy="3730"/>
+            <a:off x="7663999" y="4510511"/>
+            <a:ext cx="650862" cy="3730"/>
           </a:xfrm>
           <a:prstGeom prst="bentConnector3">
             <a:avLst>
@@ -14414,8 +14425,8 @@
         </p:nvCxnSpPr>
         <p:spPr>
           <a:xfrm>
-            <a:off x="8388685" y="4998782"/>
-            <a:ext cx="216496" cy="804697"/>
+            <a:off x="8388685" y="5128966"/>
+            <a:ext cx="216496" cy="674513"/>
           </a:xfrm>
           <a:prstGeom prst="bentConnector2">
             <a:avLst/>
@@ -14514,7 +14525,7 @@
         </p:nvSpPr>
         <p:spPr>
           <a:xfrm>
-            <a:off x="314622" y="1962968"/>
+            <a:off x="5146575" y="2162817"/>
             <a:ext cx="974026" cy="278476"/>
           </a:xfrm>
           <a:prstGeom prst="flowChartTerminator">
@@ -14575,18 +14586,21 @@
           </p:cNvPr>
           <p:cNvCxnSpPr>
             <a:cxnSpLocks/>
-            <a:stCxn id="210" idx="3"/>
+            <a:stCxn id="210" idx="1"/>
             <a:endCxn id="78" idx="0"/>
           </p:cNvCxnSpPr>
           <p:nvPr/>
         </p:nvCxnSpPr>
         <p:spPr>
-          <a:xfrm>
-            <a:off x="1288648" y="2102206"/>
-            <a:ext cx="991243" cy="151474"/>
-          </a:xfrm>
-          <a:prstGeom prst="bentConnector2">
-            <a:avLst/>
+          <a:xfrm rot="10800000">
+            <a:off x="2279891" y="2253681"/>
+            <a:ext cx="2866684" cy="48375"/>
+          </a:xfrm>
+          <a:prstGeom prst="bentConnector4">
+            <a:avLst>
+              <a:gd name="adj1" fmla="val 40658"/>
+              <a:gd name="adj2" fmla="val 572558"/>
+            </a:avLst>
           </a:prstGeom>
           <a:ln w="19050">
             <a:solidFill>
@@ -14633,7 +14647,7 @@
           </a:xfrm>
           <a:prstGeom prst="bentConnector3">
             <a:avLst>
-              <a:gd name="adj1" fmla="val 50000"/>
+              <a:gd name="adj1" fmla="val 49350"/>
             </a:avLst>
           </a:prstGeom>
           <a:ln w="19050">
@@ -14796,6 +14810,125 @@
           </a:xfrm>
           <a:prstGeom prst="bentConnector2">
             <a:avLst/>
+          </a:prstGeom>
+          <a:ln w="19050">
+            <a:solidFill>
+              <a:schemeClr val="tx1"/>
+            </a:solidFill>
+            <a:tailEnd type="triangle"/>
+          </a:ln>
+        </p:spPr>
+        <p:style>
+          <a:lnRef idx="1">
+            <a:schemeClr val="accent1"/>
+          </a:lnRef>
+          <a:fillRef idx="0">
+            <a:schemeClr val="accent1"/>
+          </a:fillRef>
+          <a:effectRef idx="0">
+            <a:schemeClr val="accent1"/>
+          </a:effectRef>
+          <a:fontRef idx="minor">
+            <a:schemeClr val="tx1"/>
+          </a:fontRef>
+        </p:style>
+      </p:cxnSp>
+      <p:sp>
+        <p:nvSpPr>
+          <p:cNvPr id="63" name="Rounded Rectangle 62"/>
+          <p:cNvSpPr/>
+          <p:nvPr/>
+        </p:nvSpPr>
+        <p:spPr>
+          <a:xfrm>
+            <a:off x="3113117" y="2430861"/>
+            <a:ext cx="1071194" cy="299388"/>
+          </a:xfrm>
+          <a:prstGeom prst="roundRect">
+            <a:avLst/>
+          </a:prstGeom>
+          <a:solidFill>
+            <a:schemeClr val="accent6">
+              <a:lumMod val="20000"/>
+              <a:lumOff val="80000"/>
+            </a:schemeClr>
+          </a:solidFill>
+          <a:ln w="19050">
+            <a:solidFill>
+              <a:schemeClr val="tx1"/>
+            </a:solidFill>
+          </a:ln>
+        </p:spPr>
+        <p:style>
+          <a:lnRef idx="2">
+            <a:schemeClr val="accent1">
+              <a:shade val="50000"/>
+            </a:schemeClr>
+          </a:lnRef>
+          <a:fillRef idx="1">
+            <a:schemeClr val="accent1"/>
+          </a:fillRef>
+          <a:effectRef idx="0">
+            <a:schemeClr val="accent1"/>
+          </a:effectRef>
+          <a:fontRef idx="minor">
+            <a:schemeClr val="lt1"/>
+          </a:fontRef>
+        </p:style>
+        <p:txBody>
+          <a:bodyPr rtlCol="0" anchor="ctr"/>
+          <a:lstStyle/>
+          <a:p>
+            <a:pPr algn="ctr"/>
+            <a:r>
+              <a:rPr lang="en-US" sz="1000" b="1" dirty="0">
+                <a:solidFill>
+                  <a:schemeClr val="tx1"/>
+                </a:solidFill>
+              </a:rPr>
+              <a:t>b</a:t>
+            </a:r>
+            <a:r>
+              <a:rPr lang="en-US" sz="1000" b="1" dirty="0" smtClean="0">
+                <a:solidFill>
+                  <a:schemeClr val="tx1"/>
+                </a:solidFill>
+              </a:rPr>
+              <a:t>lur image</a:t>
+            </a:r>
+            <a:endParaRPr lang="en-US" sz="1000" b="1" dirty="0" smtClean="0">
+              <a:solidFill>
+                <a:schemeClr val="tx1"/>
+              </a:solidFill>
+            </a:endParaRPr>
+          </a:p>
+        </p:txBody>
+      </p:sp>
+      <p:cxnSp>
+        <p:nvCxnSpPr>
+          <p:cNvPr id="82" name="Connector: Elbow 51">
+            <a:extLst>
+              <a:ext uri="{FF2B5EF4-FFF2-40B4-BE49-F238E27FC236}">
+                <a16:creationId xmlns:a16="http://schemas.microsoft.com/office/drawing/2014/main" id="{11038180-DCFA-46DA-92B2-5F5EC9127D00}"/>
+              </a:ext>
+            </a:extLst>
+          </p:cNvPr>
+          <p:cNvCxnSpPr>
+            <a:cxnSpLocks/>
+            <a:stCxn id="15" idx="3"/>
+            <a:endCxn id="210" idx="3"/>
+          </p:cNvCxnSpPr>
+          <p:nvPr/>
+        </p:nvCxnSpPr>
+        <p:spPr>
+          <a:xfrm flipH="1">
+            <a:off x="6120601" y="1607652"/>
+            <a:ext cx="475288" cy="694403"/>
+          </a:xfrm>
+          <a:prstGeom prst="bentConnector3">
+            <a:avLst>
+              <a:gd name="adj1" fmla="val -38596"/>
+            </a:avLst>
           </a:prstGeom>
           <a:ln w="19050">
             <a:solidFill>

--- a/blur_process.pptx
+++ b/blur_process.pptx
@@ -247,7 +247,7 @@
           <a:p>
             <a:fld id="{E72317F2-AC8A-4A17-9490-8494A31721E1}" type="datetimeFigureOut">
               <a:rPr lang="en-US" smtClean="0"/>
-              <a:t>9/25/2020</a:t>
+              <a:t>10/2/2020</a:t>
             </a:fld>
             <a:endParaRPr lang="en-US"/>
           </a:p>
@@ -417,7 +417,7 @@
           <a:p>
             <a:fld id="{E72317F2-AC8A-4A17-9490-8494A31721E1}" type="datetimeFigureOut">
               <a:rPr lang="en-US" smtClean="0"/>
-              <a:t>9/25/2020</a:t>
+              <a:t>10/2/2020</a:t>
             </a:fld>
             <a:endParaRPr lang="en-US"/>
           </a:p>
@@ -597,7 +597,7 @@
           <a:p>
             <a:fld id="{E72317F2-AC8A-4A17-9490-8494A31721E1}" type="datetimeFigureOut">
               <a:rPr lang="en-US" smtClean="0"/>
-              <a:t>9/25/2020</a:t>
+              <a:t>10/2/2020</a:t>
             </a:fld>
             <a:endParaRPr lang="en-US"/>
           </a:p>
@@ -767,7 +767,7 @@
           <a:p>
             <a:fld id="{E72317F2-AC8A-4A17-9490-8494A31721E1}" type="datetimeFigureOut">
               <a:rPr lang="en-US" smtClean="0"/>
-              <a:t>9/25/2020</a:t>
+              <a:t>10/2/2020</a:t>
             </a:fld>
             <a:endParaRPr lang="en-US"/>
           </a:p>
@@ -1011,7 +1011,7 @@
           <a:p>
             <a:fld id="{E72317F2-AC8A-4A17-9490-8494A31721E1}" type="datetimeFigureOut">
               <a:rPr lang="en-US" smtClean="0"/>
-              <a:t>9/25/2020</a:t>
+              <a:t>10/2/2020</a:t>
             </a:fld>
             <a:endParaRPr lang="en-US"/>
           </a:p>
@@ -1243,7 +1243,7 @@
           <a:p>
             <a:fld id="{E72317F2-AC8A-4A17-9490-8494A31721E1}" type="datetimeFigureOut">
               <a:rPr lang="en-US" smtClean="0"/>
-              <a:t>9/25/2020</a:t>
+              <a:t>10/2/2020</a:t>
             </a:fld>
             <a:endParaRPr lang="en-US"/>
           </a:p>
@@ -1610,7 +1610,7 @@
           <a:p>
             <a:fld id="{E72317F2-AC8A-4A17-9490-8494A31721E1}" type="datetimeFigureOut">
               <a:rPr lang="en-US" smtClean="0"/>
-              <a:t>9/25/2020</a:t>
+              <a:t>10/2/2020</a:t>
             </a:fld>
             <a:endParaRPr lang="en-US"/>
           </a:p>
@@ -1728,7 +1728,7 @@
           <a:p>
             <a:fld id="{E72317F2-AC8A-4A17-9490-8494A31721E1}" type="datetimeFigureOut">
               <a:rPr lang="en-US" smtClean="0"/>
-              <a:t>9/25/2020</a:t>
+              <a:t>10/2/2020</a:t>
             </a:fld>
             <a:endParaRPr lang="en-US"/>
           </a:p>
@@ -1823,7 +1823,7 @@
           <a:p>
             <a:fld id="{E72317F2-AC8A-4A17-9490-8494A31721E1}" type="datetimeFigureOut">
               <a:rPr lang="en-US" smtClean="0"/>
-              <a:t>9/25/2020</a:t>
+              <a:t>10/2/2020</a:t>
             </a:fld>
             <a:endParaRPr lang="en-US"/>
           </a:p>
@@ -2100,7 +2100,7 @@
           <a:p>
             <a:fld id="{E72317F2-AC8A-4A17-9490-8494A31721E1}" type="datetimeFigureOut">
               <a:rPr lang="en-US" smtClean="0"/>
-              <a:t>9/25/2020</a:t>
+              <a:t>10/2/2020</a:t>
             </a:fld>
             <a:endParaRPr lang="en-US"/>
           </a:p>
@@ -2357,7 +2357,7 @@
           <a:p>
             <a:fld id="{E72317F2-AC8A-4A17-9490-8494A31721E1}" type="datetimeFigureOut">
               <a:rPr lang="en-US" smtClean="0"/>
-              <a:t>9/25/2020</a:t>
+              <a:t>10/2/2020</a:t>
             </a:fld>
             <a:endParaRPr lang="en-US"/>
           </a:p>
@@ -2570,7 +2570,7 @@
           <a:p>
             <a:fld id="{E72317F2-AC8A-4A17-9490-8494A31721E1}" type="datetimeFigureOut">
               <a:rPr lang="en-US" smtClean="0"/>
-              <a:t>9/25/2020</a:t>
+              <a:t>10/2/2020</a:t>
             </a:fld>
             <a:endParaRPr lang="en-US"/>
           </a:p>
@@ -12047,19 +12047,17 @@
           <p:cNvCxnSpPr>
             <a:cxnSpLocks/>
             <a:stCxn id="33" idx="3"/>
-            <a:endCxn id="15" idx="1"/>
+            <a:endCxn id="63" idx="0"/>
           </p:cNvCxnSpPr>
           <p:nvPr/>
         </p:nvCxnSpPr>
         <p:spPr>
           <a:xfrm>
             <a:off x="3344092" y="1482426"/>
-            <a:ext cx="1314635" cy="125226"/>
-          </a:xfrm>
-          <a:prstGeom prst="bentConnector3">
-            <a:avLst>
-              <a:gd name="adj1" fmla="val 50000"/>
-            </a:avLst>
+            <a:ext cx="304622" cy="948435"/>
+          </a:xfrm>
+          <a:prstGeom prst="bentConnector2">
+            <a:avLst/>
           </a:prstGeom>
           <a:ln w="19050">
             <a:solidFill>
@@ -12092,7 +12090,7 @@
         <p:spPr>
           <a:xfrm>
             <a:off x="6778019" y="2195072"/>
-            <a:ext cx="1909497" cy="246221"/>
+            <a:ext cx="1946367" cy="246221"/>
           </a:xfrm>
           <a:prstGeom prst="rect">
             <a:avLst/>
@@ -12108,34 +12106,34 @@
           <a:lstStyle/>
           <a:p>
             <a:r>
-              <a:rPr lang="en-US" sz="1000" dirty="0" err="1"/>
+              <a:rPr lang="en-US" sz="1000" b="1" dirty="0" err="1"/>
               <a:t>std</a:t>
             </a:r>
             <a:r>
-              <a:rPr lang="en-US" sz="1000" dirty="0"/>
+              <a:rPr lang="en-US" sz="1000" b="1" dirty="0"/>
               <a:t>::</a:t>
             </a:r>
             <a:r>
-              <a:rPr lang="en-US" sz="1000" dirty="0" smtClean="0"/>
+              <a:rPr lang="en-US" sz="1000" b="1" dirty="0" smtClean="0"/>
               <a:t>vector&lt;uint16_t</a:t>
             </a:r>
             <a:r>
-              <a:rPr lang="en-US" sz="1000" dirty="0"/>
+              <a:rPr lang="en-US" sz="1000" b="1" dirty="0"/>
               <a:t>&gt; </a:t>
             </a:r>
             <a:r>
-              <a:rPr lang="en-US" sz="1000" dirty="0" err="1" smtClean="0"/>
+              <a:rPr lang="en-US" sz="1000" b="1" dirty="0" err="1" smtClean="0"/>
               <a:t>dm</a:t>
             </a:r>
             <a:r>
-              <a:rPr lang="en-US" sz="1000" dirty="0" err="1"/>
+              <a:rPr lang="en-US" sz="1000" b="1" dirty="0" err="1"/>
               <a:t>_</a:t>
             </a:r>
             <a:r>
-              <a:rPr lang="en-US" sz="1000" dirty="0" err="1" smtClean="0"/>
+              <a:rPr lang="en-US" sz="1000" b="1" dirty="0" err="1" smtClean="0"/>
               <a:t>values</a:t>
             </a:r>
-            <a:endParaRPr lang="en-US" sz="1000" dirty="0"/>
+            <a:endParaRPr lang="en-US" sz="1000" b="1" dirty="0"/>
           </a:p>
         </p:txBody>
       </p:sp>
@@ -14053,15 +14051,7 @@
                   <a:schemeClr val="tx1"/>
                 </a:solidFill>
               </a:rPr>
-              <a:t>Save </a:t>
-            </a:r>
-            <a:r>
-              <a:rPr lang="en-US" sz="1000" b="1" dirty="0" smtClean="0">
-                <a:solidFill>
-                  <a:schemeClr val="tx1"/>
-                </a:solidFill>
-              </a:rPr>
-              <a:t>image</a:t>
+              <a:t>Save image</a:t>
             </a:r>
           </a:p>
           <a:p>
@@ -14090,11 +14080,6 @@
               </a:rPr>
               <a:t>)</a:t>
             </a:r>
-            <a:endParaRPr lang="en-US" sz="1000" b="1" dirty="0" smtClean="0">
-              <a:solidFill>
-                <a:schemeClr val="tx1"/>
-              </a:solidFill>
-            </a:endParaRPr>
           </a:p>
         </p:txBody>
       </p:sp>
@@ -14196,11 +14181,6 @@
               </a:rPr>
               <a:t>)</a:t>
             </a:r>
-            <a:endParaRPr lang="en-US" sz="1000" b="1" dirty="0" smtClean="0">
-              <a:solidFill>
-                <a:schemeClr val="tx1"/>
-              </a:solidFill>
-            </a:endParaRPr>
           </a:p>
         </p:txBody>
       </p:sp>
@@ -14896,11 +14876,6 @@
               </a:rPr>
               <a:t>lur image</a:t>
             </a:r>
-            <a:endParaRPr lang="en-US" sz="1000" b="1" dirty="0" smtClean="0">
-              <a:solidFill>
-                <a:schemeClr val="tx1"/>
-              </a:solidFill>
-            </a:endParaRPr>
           </a:p>
         </p:txBody>
       </p:sp>
@@ -14952,6 +14927,137 @@
           </a:fontRef>
         </p:style>
       </p:cxnSp>
+      <p:sp>
+        <p:nvSpPr>
+          <p:cNvPr id="66" name="Rectangle 65"/>
+          <p:cNvSpPr/>
+          <p:nvPr/>
+        </p:nvSpPr>
+        <p:spPr>
+          <a:xfrm>
+            <a:off x="86916" y="1802244"/>
+            <a:ext cx="2803973" cy="246221"/>
+          </a:xfrm>
+          <a:prstGeom prst="rect">
+            <a:avLst/>
+          </a:prstGeom>
+          <a:ln>
+            <a:noFill/>
+          </a:ln>
+        </p:spPr>
+        <p:txBody>
+          <a:bodyPr wrap="none">
+            <a:spAutoFit/>
+          </a:bodyPr>
+          <a:lstStyle/>
+          <a:p>
+            <a:r>
+              <a:rPr lang="en-US" sz="1000" b="1" dirty="0"/>
+              <a:t>sigma = </a:t>
+            </a:r>
+            <a:r>
+              <a:rPr lang="en-US" sz="1000" b="1" dirty="0" err="1"/>
+              <a:t>sigma_table</a:t>
+            </a:r>
+            <a:r>
+              <a:rPr lang="en-US" sz="1000" b="1" dirty="0"/>
+              <a:t>[br1_table[</a:t>
+            </a:r>
+            <a:r>
+              <a:rPr lang="en-US" sz="1000" b="1" dirty="0" err="1"/>
+              <a:t>dm_values</a:t>
+            </a:r>
+            <a:r>
+              <a:rPr lang="en-US" sz="1000" b="1" dirty="0"/>
+              <a:t>[</a:t>
+            </a:r>
+            <a:r>
+              <a:rPr lang="en-US" sz="1000" b="1" dirty="0" err="1"/>
+              <a:t>idx</a:t>
+            </a:r>
+            <a:r>
+              <a:rPr lang="en-US" sz="1000" b="1" dirty="0"/>
+              <a:t>]]];</a:t>
+            </a:r>
+          </a:p>
+        </p:txBody>
+      </p:sp>
+      <p:sp>
+        <p:nvSpPr>
+          <p:cNvPr id="67" name="Rectangle 66"/>
+          <p:cNvSpPr/>
+          <p:nvPr/>
+        </p:nvSpPr>
+        <p:spPr>
+          <a:xfrm>
+            <a:off x="4472660" y="2510899"/>
+            <a:ext cx="3264496" cy="400110"/>
+          </a:xfrm>
+          <a:prstGeom prst="rect">
+            <a:avLst/>
+          </a:prstGeom>
+          <a:ln>
+            <a:noFill/>
+          </a:ln>
+        </p:spPr>
+        <p:txBody>
+          <a:bodyPr wrap="square">
+            <a:spAutoFit/>
+          </a:bodyPr>
+          <a:lstStyle/>
+          <a:p>
+            <a:r>
+              <a:rPr lang="en-US" sz="1000" b="1" dirty="0" smtClean="0"/>
+              <a:t>cv</a:t>
+            </a:r>
+            <a:r>
+              <a:rPr lang="en-US" sz="1000" b="1" dirty="0"/>
+              <a:t>::</a:t>
+            </a:r>
+            <a:r>
+              <a:rPr lang="en-US" sz="1000" b="1" dirty="0" smtClean="0"/>
+              <a:t>filter2D(</a:t>
+            </a:r>
+            <a:r>
+              <a:rPr lang="en-US" sz="1000" b="1" dirty="0" err="1" smtClean="0"/>
+              <a:t>src</a:t>
+            </a:r>
+            <a:r>
+              <a:rPr lang="en-US" sz="1000" b="1" dirty="0" smtClean="0"/>
+              <a:t>, </a:t>
+            </a:r>
+            <a:r>
+              <a:rPr lang="en-US" sz="1000" b="1" dirty="0" err="1" smtClean="0"/>
+              <a:t>dst</a:t>
+            </a:r>
+            <a:r>
+              <a:rPr lang="en-US" sz="1000" b="1" dirty="0" smtClean="0"/>
+              <a:t>, CV_32FC1</a:t>
+            </a:r>
+            <a:r>
+              <a:rPr lang="en-US" sz="1000" b="1" dirty="0"/>
+              <a:t>, k</a:t>
+            </a:r>
+            <a:r>
+              <a:rPr lang="en-US" sz="1000" b="1" dirty="0" smtClean="0"/>
+              <a:t>ernel</a:t>
+            </a:r>
+            <a:r>
+              <a:rPr lang="en-US" sz="1000" b="1" dirty="0"/>
+              <a:t>, cv::Point(-1, -1), 0.0, cv::</a:t>
+            </a:r>
+            <a:r>
+              <a:rPr lang="en-US" sz="1000" b="1" dirty="0" err="1"/>
+              <a:t>BorderTypes</a:t>
+            </a:r>
+            <a:r>
+              <a:rPr lang="en-US" sz="1000" b="1" dirty="0"/>
+              <a:t>::BORDER_REPLICATE);</a:t>
+            </a:r>
+            <a:endParaRPr lang="en-US" sz="1000" b="1" dirty="0"/>
+          </a:p>
+        </p:txBody>
+      </p:sp>
     </p:spTree>
     <p:extLst>
       <p:ext uri="{BB962C8B-B14F-4D97-AF65-F5344CB8AC3E}">

--- a/blur_process.pptx
+++ b/blur_process.pptx
@@ -10,6 +10,7 @@
     <p:sldId id="257" r:id="rId4"/>
     <p:sldId id="259" r:id="rId5"/>
     <p:sldId id="260" r:id="rId6"/>
+    <p:sldId id="261" r:id="rId7"/>
   </p:sldIdLst>
   <p:sldSz cx="9144000" cy="6858000" type="screen4x3"/>
   <p:notesSz cx="6858000" cy="9144000"/>
@@ -247,7 +248,7 @@
           <a:p>
             <a:fld id="{E72317F2-AC8A-4A17-9490-8494A31721E1}" type="datetimeFigureOut">
               <a:rPr lang="en-US" smtClean="0"/>
-              <a:t>10/2/2020</a:t>
+              <a:t>10/10/2020</a:t>
             </a:fld>
             <a:endParaRPr lang="en-US"/>
           </a:p>
@@ -417,7 +418,7 @@
           <a:p>
             <a:fld id="{E72317F2-AC8A-4A17-9490-8494A31721E1}" type="datetimeFigureOut">
               <a:rPr lang="en-US" smtClean="0"/>
-              <a:t>10/2/2020</a:t>
+              <a:t>10/10/2020</a:t>
             </a:fld>
             <a:endParaRPr lang="en-US"/>
           </a:p>
@@ -597,7 +598,7 @@
           <a:p>
             <a:fld id="{E72317F2-AC8A-4A17-9490-8494A31721E1}" type="datetimeFigureOut">
               <a:rPr lang="en-US" smtClean="0"/>
-              <a:t>10/2/2020</a:t>
+              <a:t>10/10/2020</a:t>
             </a:fld>
             <a:endParaRPr lang="en-US"/>
           </a:p>
@@ -767,7 +768,7 @@
           <a:p>
             <a:fld id="{E72317F2-AC8A-4A17-9490-8494A31721E1}" type="datetimeFigureOut">
               <a:rPr lang="en-US" smtClean="0"/>
-              <a:t>10/2/2020</a:t>
+              <a:t>10/10/2020</a:t>
             </a:fld>
             <a:endParaRPr lang="en-US"/>
           </a:p>
@@ -1011,7 +1012,7 @@
           <a:p>
             <a:fld id="{E72317F2-AC8A-4A17-9490-8494A31721E1}" type="datetimeFigureOut">
               <a:rPr lang="en-US" smtClean="0"/>
-              <a:t>10/2/2020</a:t>
+              <a:t>10/10/2020</a:t>
             </a:fld>
             <a:endParaRPr lang="en-US"/>
           </a:p>
@@ -1243,7 +1244,7 @@
           <a:p>
             <a:fld id="{E72317F2-AC8A-4A17-9490-8494A31721E1}" type="datetimeFigureOut">
               <a:rPr lang="en-US" smtClean="0"/>
-              <a:t>10/2/2020</a:t>
+              <a:t>10/10/2020</a:t>
             </a:fld>
             <a:endParaRPr lang="en-US"/>
           </a:p>
@@ -1610,7 +1611,7 @@
           <a:p>
             <a:fld id="{E72317F2-AC8A-4A17-9490-8494A31721E1}" type="datetimeFigureOut">
               <a:rPr lang="en-US" smtClean="0"/>
-              <a:t>10/2/2020</a:t>
+              <a:t>10/10/2020</a:t>
             </a:fld>
             <a:endParaRPr lang="en-US"/>
           </a:p>
@@ -1728,7 +1729,7 @@
           <a:p>
             <a:fld id="{E72317F2-AC8A-4A17-9490-8494A31721E1}" type="datetimeFigureOut">
               <a:rPr lang="en-US" smtClean="0"/>
-              <a:t>10/2/2020</a:t>
+              <a:t>10/10/2020</a:t>
             </a:fld>
             <a:endParaRPr lang="en-US"/>
           </a:p>
@@ -1823,7 +1824,7 @@
           <a:p>
             <a:fld id="{E72317F2-AC8A-4A17-9490-8494A31721E1}" type="datetimeFigureOut">
               <a:rPr lang="en-US" smtClean="0"/>
-              <a:t>10/2/2020</a:t>
+              <a:t>10/10/2020</a:t>
             </a:fld>
             <a:endParaRPr lang="en-US"/>
           </a:p>
@@ -2100,7 +2101,7 @@
           <a:p>
             <a:fld id="{E72317F2-AC8A-4A17-9490-8494A31721E1}" type="datetimeFigureOut">
               <a:rPr lang="en-US" smtClean="0"/>
-              <a:t>10/2/2020</a:t>
+              <a:t>10/10/2020</a:t>
             </a:fld>
             <a:endParaRPr lang="en-US"/>
           </a:p>
@@ -2357,7 +2358,7 @@
           <a:p>
             <a:fld id="{E72317F2-AC8A-4A17-9490-8494A31721E1}" type="datetimeFigureOut">
               <a:rPr lang="en-US" smtClean="0"/>
-              <a:t>10/2/2020</a:t>
+              <a:t>10/10/2020</a:t>
             </a:fld>
             <a:endParaRPr lang="en-US"/>
           </a:p>
@@ -2570,7 +2571,7 @@
           <a:p>
             <a:fld id="{E72317F2-AC8A-4A17-9490-8494A31721E1}" type="datetimeFigureOut">
               <a:rPr lang="en-US" smtClean="0"/>
-              <a:t>10/2/2020</a:t>
+              <a:t>10/10/2020</a:t>
             </a:fld>
             <a:endParaRPr lang="en-US"/>
           </a:p>
@@ -15054,7 +15055,6 @@
               <a:rPr lang="en-US" sz="1000" b="1" dirty="0"/>
               <a:t>::BORDER_REPLICATE);</a:t>
             </a:r>
-            <a:endParaRPr lang="en-US" sz="1000" b="1" dirty="0"/>
           </a:p>
         </p:txBody>
       </p:sp>
@@ -15062,6 +15062,945 @@
     <p:extLst>
       <p:ext uri="{BB962C8B-B14F-4D97-AF65-F5344CB8AC3E}">
         <p14:creationId xmlns:p14="http://schemas.microsoft.com/office/powerpoint/2010/main" val="2756797952"/>
+      </p:ext>
+    </p:extLst>
+  </p:cSld>
+  <p:clrMapOvr>
+    <a:masterClrMapping/>
+  </p:clrMapOvr>
+</p:sld>
+</file>
+
+<file path=ppt/slides/slide6.xml><?xml version="1.0" encoding="utf-8"?>
+<p:sld xmlns:a="http://schemas.openxmlformats.org/drawingml/2006/main" xmlns:r="http://schemas.openxmlformats.org/officeDocument/2006/relationships" xmlns:p="http://schemas.openxmlformats.org/presentationml/2006/main">
+  <p:cSld>
+    <p:spTree>
+      <p:nvGrpSpPr>
+        <p:cNvPr id="1" name=""/>
+        <p:cNvGrpSpPr/>
+        <p:nvPr/>
+      </p:nvGrpSpPr>
+      <p:grpSpPr>
+        <a:xfrm>
+          <a:off x="0" y="0"/>
+          <a:ext cx="0" cy="0"/>
+          <a:chOff x="0" y="0"/>
+          <a:chExt cx="0" cy="0"/>
+        </a:xfrm>
+      </p:grpSpPr>
+      <p:sp>
+        <p:nvSpPr>
+          <p:cNvPr id="3" name="Rectangle 2"/>
+          <p:cNvSpPr/>
+          <p:nvPr/>
+        </p:nvSpPr>
+        <p:spPr>
+          <a:xfrm>
+            <a:off x="2184400" y="2720619"/>
+            <a:ext cx="4312356" cy="1343378"/>
+          </a:xfrm>
+          <a:prstGeom prst="rect">
+            <a:avLst/>
+          </a:prstGeom>
+          <a:noFill/>
+          <a:ln>
+            <a:solidFill>
+              <a:schemeClr val="tx1"/>
+            </a:solidFill>
+          </a:ln>
+        </p:spPr>
+        <p:style>
+          <a:lnRef idx="2">
+            <a:schemeClr val="accent1">
+              <a:shade val="50000"/>
+            </a:schemeClr>
+          </a:lnRef>
+          <a:fillRef idx="1">
+            <a:schemeClr val="accent1"/>
+          </a:fillRef>
+          <a:effectRef idx="0">
+            <a:schemeClr val="accent1"/>
+          </a:effectRef>
+          <a:fontRef idx="minor">
+            <a:schemeClr val="lt1"/>
+          </a:fontRef>
+        </p:style>
+        <p:txBody>
+          <a:bodyPr rtlCol="0" anchor="ctr"/>
+          <a:lstStyle/>
+          <a:p>
+            <a:pPr algn="ctr"/>
+            <a:endParaRPr lang="en-US"/>
+          </a:p>
+        </p:txBody>
+      </p:sp>
+      <p:cxnSp>
+        <p:nvCxnSpPr>
+          <p:cNvPr id="5" name="Straight Connector 4"/>
+          <p:cNvCxnSpPr>
+            <a:endCxn id="3" idx="3"/>
+          </p:cNvCxnSpPr>
+          <p:nvPr/>
+        </p:nvCxnSpPr>
+        <p:spPr>
+          <a:xfrm>
+            <a:off x="4340578" y="3392308"/>
+            <a:ext cx="2156178" cy="0"/>
+          </a:xfrm>
+          <a:prstGeom prst="line">
+            <a:avLst/>
+          </a:prstGeom>
+        </p:spPr>
+        <p:style>
+          <a:lnRef idx="1">
+            <a:schemeClr val="accent1"/>
+          </a:lnRef>
+          <a:fillRef idx="0">
+            <a:schemeClr val="accent1"/>
+          </a:fillRef>
+          <a:effectRef idx="0">
+            <a:schemeClr val="accent1"/>
+          </a:effectRef>
+          <a:fontRef idx="minor">
+            <a:schemeClr val="tx1"/>
+          </a:fontRef>
+        </p:style>
+      </p:cxnSp>
+      <p:cxnSp>
+        <p:nvCxnSpPr>
+          <p:cNvPr id="11" name="Straight Connector 10"/>
+          <p:cNvCxnSpPr/>
+          <p:nvPr/>
+        </p:nvCxnSpPr>
+        <p:spPr>
+          <a:xfrm flipV="1">
+            <a:off x="4340578" y="2720619"/>
+            <a:ext cx="161897" cy="671690"/>
+          </a:xfrm>
+          <a:prstGeom prst="line">
+            <a:avLst/>
+          </a:prstGeom>
+        </p:spPr>
+        <p:style>
+          <a:lnRef idx="1">
+            <a:schemeClr val="accent1"/>
+          </a:lnRef>
+          <a:fillRef idx="0">
+            <a:schemeClr val="accent1"/>
+          </a:fillRef>
+          <a:effectRef idx="0">
+            <a:schemeClr val="accent1"/>
+          </a:effectRef>
+          <a:fontRef idx="minor">
+            <a:schemeClr val="tx1"/>
+          </a:fontRef>
+        </p:style>
+      </p:cxnSp>
+      <p:cxnSp>
+        <p:nvCxnSpPr>
+          <p:cNvPr id="15" name="Straight Connector 14"/>
+          <p:cNvCxnSpPr/>
+          <p:nvPr/>
+        </p:nvCxnSpPr>
+        <p:spPr>
+          <a:xfrm flipH="1" flipV="1">
+            <a:off x="3243263" y="2720619"/>
+            <a:ext cx="1097316" cy="671689"/>
+          </a:xfrm>
+          <a:prstGeom prst="line">
+            <a:avLst/>
+          </a:prstGeom>
+        </p:spPr>
+        <p:style>
+          <a:lnRef idx="1">
+            <a:schemeClr val="accent1"/>
+          </a:lnRef>
+          <a:fillRef idx="0">
+            <a:schemeClr val="accent1"/>
+          </a:fillRef>
+          <a:effectRef idx="0">
+            <a:schemeClr val="accent1"/>
+          </a:effectRef>
+          <a:fontRef idx="minor">
+            <a:schemeClr val="tx1"/>
+          </a:fontRef>
+        </p:style>
+      </p:cxnSp>
+      <p:cxnSp>
+        <p:nvCxnSpPr>
+          <p:cNvPr id="18" name="Straight Connector 17"/>
+          <p:cNvCxnSpPr/>
+          <p:nvPr/>
+        </p:nvCxnSpPr>
+        <p:spPr>
+          <a:xfrm flipV="1">
+            <a:off x="3243263" y="3392308"/>
+            <a:ext cx="1097315" cy="671689"/>
+          </a:xfrm>
+          <a:prstGeom prst="line">
+            <a:avLst/>
+          </a:prstGeom>
+        </p:spPr>
+        <p:style>
+          <a:lnRef idx="1">
+            <a:schemeClr val="accent1"/>
+          </a:lnRef>
+          <a:fillRef idx="0">
+            <a:schemeClr val="accent1"/>
+          </a:fillRef>
+          <a:effectRef idx="0">
+            <a:schemeClr val="accent1"/>
+          </a:effectRef>
+          <a:fontRef idx="minor">
+            <a:schemeClr val="tx1"/>
+          </a:fontRef>
+        </p:style>
+      </p:cxnSp>
+      <p:cxnSp>
+        <p:nvCxnSpPr>
+          <p:cNvPr id="21" name="Straight Connector 20"/>
+          <p:cNvCxnSpPr/>
+          <p:nvPr/>
+        </p:nvCxnSpPr>
+        <p:spPr>
+          <a:xfrm>
+            <a:off x="4340578" y="3392308"/>
+            <a:ext cx="161897" cy="671689"/>
+          </a:xfrm>
+          <a:prstGeom prst="line">
+            <a:avLst/>
+          </a:prstGeom>
+        </p:spPr>
+        <p:style>
+          <a:lnRef idx="1">
+            <a:schemeClr val="accent1"/>
+          </a:lnRef>
+          <a:fillRef idx="0">
+            <a:schemeClr val="accent1"/>
+          </a:fillRef>
+          <a:effectRef idx="0">
+            <a:schemeClr val="accent1"/>
+          </a:effectRef>
+          <a:fontRef idx="minor">
+            <a:schemeClr val="tx1"/>
+          </a:fontRef>
+        </p:style>
+      </p:cxnSp>
+      <p:sp>
+        <p:nvSpPr>
+          <p:cNvPr id="29" name="TextBox 28"/>
+          <p:cNvSpPr txBox="1"/>
+          <p:nvPr/>
+        </p:nvSpPr>
+        <p:spPr>
+          <a:xfrm>
+            <a:off x="488541" y="788778"/>
+            <a:ext cx="5105052" cy="1077218"/>
+          </a:xfrm>
+          <a:prstGeom prst="rect">
+            <a:avLst/>
+          </a:prstGeom>
+          <a:noFill/>
+        </p:spPr>
+        <p:txBody>
+          <a:bodyPr wrap="none" rtlCol="0">
+            <a:spAutoFit/>
+          </a:bodyPr>
+          <a:lstStyle/>
+          <a:p>
+            <a:r>
+              <a:rPr lang="en-US" sz="1600" dirty="0" smtClean="0"/>
+              <a:t>h </a:t>
+            </a:r>
+            <a:r>
+              <a:rPr lang="en-US" sz="1600" dirty="0"/>
+              <a:t>= </a:t>
+            </a:r>
+            <a:r>
+              <a:rPr lang="en-US" sz="1600" dirty="0" err="1"/>
+              <a:t>std</a:t>
+            </a:r>
+            <a:r>
+              <a:rPr lang="en-US" sz="1600" dirty="0"/>
+              <a:t>::</a:t>
+            </a:r>
+            <a:r>
+              <a:rPr lang="en-US" sz="1600" dirty="0" smtClean="0"/>
+              <a:t>floor(0.5 * scale </a:t>
+            </a:r>
+            <a:r>
+              <a:rPr lang="en-US" sz="1600" dirty="0"/>
+              <a:t>* </a:t>
+            </a:r>
+            <a:r>
+              <a:rPr lang="en-US" sz="1600" dirty="0" err="1"/>
+              <a:t>rng.uniform</a:t>
+            </a:r>
+            <a:r>
+              <a:rPr lang="en-US" sz="1600" dirty="0"/>
+              <a:t>(0, </a:t>
+            </a:r>
+            <a:r>
+              <a:rPr lang="en-US" sz="1600" dirty="0" err="1"/>
+              <a:t>std</a:t>
+            </a:r>
+            <a:r>
+              <a:rPr lang="en-US" sz="1600" dirty="0"/>
+              <a:t>::min(</a:t>
+            </a:r>
+            <a:r>
+              <a:rPr lang="en-US" sz="1600" dirty="0" err="1"/>
+              <a:t>nr</a:t>
+            </a:r>
+            <a:r>
+              <a:rPr lang="en-US" sz="1600" dirty="0"/>
+              <a:t>, </a:t>
+            </a:r>
+            <a:r>
+              <a:rPr lang="en-US" sz="1600" dirty="0" err="1"/>
+              <a:t>nc</a:t>
+            </a:r>
+            <a:r>
+              <a:rPr lang="en-US" sz="1600" dirty="0" smtClean="0"/>
+              <a:t>)));</a:t>
+            </a:r>
+          </a:p>
+          <a:p>
+            <a:r>
+              <a:rPr lang="en-US" sz="1600" dirty="0" smtClean="0"/>
+              <a:t>w </a:t>
+            </a:r>
+            <a:r>
+              <a:rPr lang="en-US" sz="1600" dirty="0"/>
+              <a:t>= </a:t>
+            </a:r>
+            <a:r>
+              <a:rPr lang="en-US" sz="1600" dirty="0" err="1"/>
+              <a:t>std</a:t>
+            </a:r>
+            <a:r>
+              <a:rPr lang="en-US" sz="1600" dirty="0"/>
+              <a:t>::</a:t>
+            </a:r>
+            <a:r>
+              <a:rPr lang="en-US" sz="1600" dirty="0" smtClean="0"/>
+              <a:t>floor(0.5 * scale </a:t>
+            </a:r>
+            <a:r>
+              <a:rPr lang="en-US" sz="1600" dirty="0"/>
+              <a:t>* </a:t>
+            </a:r>
+            <a:r>
+              <a:rPr lang="en-US" sz="1600" dirty="0" err="1"/>
+              <a:t>rng.uniform</a:t>
+            </a:r>
+            <a:r>
+              <a:rPr lang="en-US" sz="1600" dirty="0"/>
+              <a:t>(0, </a:t>
+            </a:r>
+            <a:r>
+              <a:rPr lang="en-US" sz="1600" dirty="0" err="1"/>
+              <a:t>std</a:t>
+            </a:r>
+            <a:r>
+              <a:rPr lang="en-US" sz="1600" dirty="0"/>
+              <a:t>::min(</a:t>
+            </a:r>
+            <a:r>
+              <a:rPr lang="en-US" sz="1600" dirty="0" err="1"/>
+              <a:t>nr</a:t>
+            </a:r>
+            <a:r>
+              <a:rPr lang="en-US" sz="1600" dirty="0"/>
+              <a:t>, </a:t>
+            </a:r>
+            <a:r>
+              <a:rPr lang="en-US" sz="1600" dirty="0" err="1"/>
+              <a:t>nc</a:t>
+            </a:r>
+            <a:r>
+              <a:rPr lang="en-US" sz="1600" dirty="0" smtClean="0"/>
+              <a:t>)));</a:t>
+            </a:r>
+          </a:p>
+          <a:p>
+            <a:r>
+              <a:rPr lang="en-US" sz="1600" dirty="0" smtClean="0"/>
+              <a:t>s </a:t>
+            </a:r>
+            <a:r>
+              <a:rPr lang="en-US" sz="1600" dirty="0"/>
+              <a:t>= </a:t>
+            </a:r>
+            <a:r>
+              <a:rPr lang="en-US" sz="1600" dirty="0" err="1"/>
+              <a:t>rng.uniform</a:t>
+            </a:r>
+            <a:r>
+              <a:rPr lang="en-US" sz="1600" dirty="0"/>
+              <a:t>(3, 9</a:t>
+            </a:r>
+            <a:r>
+              <a:rPr lang="en-US" sz="1600" dirty="0" smtClean="0"/>
+              <a:t>);</a:t>
+            </a:r>
+          </a:p>
+          <a:p>
+            <a:r>
+              <a:rPr lang="en-US" sz="1600" dirty="0" smtClean="0"/>
+              <a:t>a = 360.0/(double)s;</a:t>
+            </a:r>
+            <a:endParaRPr lang="en-US" sz="1600" dirty="0"/>
+          </a:p>
+        </p:txBody>
+      </p:sp>
+      <p:sp>
+        <p:nvSpPr>
+          <p:cNvPr id="30" name="Arc 29"/>
+          <p:cNvSpPr/>
+          <p:nvPr/>
+        </p:nvSpPr>
+        <p:spPr>
+          <a:xfrm>
+            <a:off x="3964327" y="2935107"/>
+            <a:ext cx="914400" cy="914400"/>
+          </a:xfrm>
+          <a:prstGeom prst="arc">
+            <a:avLst>
+              <a:gd name="adj1" fmla="val 16428844"/>
+              <a:gd name="adj2" fmla="val 0"/>
+            </a:avLst>
+          </a:prstGeom>
+        </p:spPr>
+        <p:style>
+          <a:lnRef idx="1">
+            <a:schemeClr val="accent1"/>
+          </a:lnRef>
+          <a:fillRef idx="0">
+            <a:schemeClr val="accent1"/>
+          </a:fillRef>
+          <a:effectRef idx="0">
+            <a:schemeClr val="accent1"/>
+          </a:effectRef>
+          <a:fontRef idx="minor">
+            <a:schemeClr val="tx1"/>
+          </a:fontRef>
+        </p:style>
+        <p:txBody>
+          <a:bodyPr rtlCol="0" anchor="ctr"/>
+          <a:lstStyle/>
+          <a:p>
+            <a:pPr algn="ctr"/>
+            <a:endParaRPr lang="en-US"/>
+          </a:p>
+        </p:txBody>
+      </p:sp>
+      <p:sp>
+        <p:nvSpPr>
+          <p:cNvPr id="31" name="Rectangle 30"/>
+          <p:cNvSpPr/>
+          <p:nvPr/>
+        </p:nvSpPr>
+        <p:spPr>
+          <a:xfrm>
+            <a:off x="4716830" y="2848000"/>
+            <a:ext cx="295274" cy="369332"/>
+          </a:xfrm>
+          <a:prstGeom prst="rect">
+            <a:avLst/>
+          </a:prstGeom>
+        </p:spPr>
+        <p:txBody>
+          <a:bodyPr wrap="none">
+            <a:spAutoFit/>
+          </a:bodyPr>
+          <a:lstStyle/>
+          <a:p>
+            <a:r>
+              <a:rPr lang="en-US" dirty="0" smtClean="0"/>
+              <a:t>a</a:t>
+            </a:r>
+            <a:endParaRPr lang="en-US" dirty="0"/>
+          </a:p>
+        </p:txBody>
+      </p:sp>
+      <p:sp>
+        <p:nvSpPr>
+          <p:cNvPr id="32" name="Rectangle 31"/>
+          <p:cNvSpPr/>
+          <p:nvPr/>
+        </p:nvSpPr>
+        <p:spPr>
+          <a:xfrm>
+            <a:off x="4961788" y="4142997"/>
+            <a:ext cx="587020" cy="369332"/>
+          </a:xfrm>
+          <a:prstGeom prst="rect">
+            <a:avLst/>
+          </a:prstGeom>
+        </p:spPr>
+        <p:txBody>
+          <a:bodyPr wrap="none">
+            <a:spAutoFit/>
+          </a:bodyPr>
+          <a:lstStyle/>
+          <a:p>
+            <a:r>
+              <a:rPr lang="en-US" dirty="0" smtClean="0"/>
+              <a:t>(</a:t>
+            </a:r>
+            <a:r>
+              <a:rPr lang="en-US" dirty="0" err="1" smtClean="0"/>
+              <a:t>x,y</a:t>
+            </a:r>
+            <a:r>
+              <a:rPr lang="en-US" dirty="0" smtClean="0"/>
+              <a:t>)</a:t>
+            </a:r>
+            <a:endParaRPr lang="en-US" dirty="0"/>
+          </a:p>
+        </p:txBody>
+      </p:sp>
+      <p:cxnSp>
+        <p:nvCxnSpPr>
+          <p:cNvPr id="38" name="Straight Arrow Connector 37"/>
+          <p:cNvCxnSpPr>
+            <a:stCxn id="32" idx="1"/>
+          </p:cNvCxnSpPr>
+          <p:nvPr/>
+        </p:nvCxnSpPr>
+        <p:spPr>
+          <a:xfrm flipH="1" flipV="1">
+            <a:off x="4340578" y="3392307"/>
+            <a:ext cx="621210" cy="935356"/>
+          </a:xfrm>
+          <a:prstGeom prst="straightConnector1">
+            <a:avLst/>
+          </a:prstGeom>
+          <a:ln>
+            <a:solidFill>
+              <a:schemeClr val="tx1"/>
+            </a:solidFill>
+            <a:tailEnd type="triangle"/>
+          </a:ln>
+        </p:spPr>
+        <p:style>
+          <a:lnRef idx="1">
+            <a:schemeClr val="accent1"/>
+          </a:lnRef>
+          <a:fillRef idx="0">
+            <a:schemeClr val="accent1"/>
+          </a:fillRef>
+          <a:effectRef idx="0">
+            <a:schemeClr val="accent1"/>
+          </a:effectRef>
+          <a:fontRef idx="minor">
+            <a:schemeClr val="tx1"/>
+          </a:fontRef>
+        </p:style>
+      </p:cxnSp>
+      <p:cxnSp>
+        <p:nvCxnSpPr>
+          <p:cNvPr id="44" name="Straight Arrow Connector 43"/>
+          <p:cNvCxnSpPr/>
+          <p:nvPr/>
+        </p:nvCxnSpPr>
+        <p:spPr>
+          <a:xfrm flipV="1">
+            <a:off x="2184400" y="2447495"/>
+            <a:ext cx="4312356" cy="11723"/>
+          </a:xfrm>
+          <a:prstGeom prst="straightConnector1">
+            <a:avLst/>
+          </a:prstGeom>
+          <a:ln>
+            <a:solidFill>
+              <a:schemeClr val="tx1"/>
+            </a:solidFill>
+            <a:headEnd type="triangle"/>
+            <a:tailEnd type="triangle"/>
+          </a:ln>
+        </p:spPr>
+        <p:style>
+          <a:lnRef idx="1">
+            <a:schemeClr val="accent1"/>
+          </a:lnRef>
+          <a:fillRef idx="0">
+            <a:schemeClr val="accent1"/>
+          </a:fillRef>
+          <a:effectRef idx="0">
+            <a:schemeClr val="accent1"/>
+          </a:effectRef>
+          <a:fontRef idx="minor">
+            <a:schemeClr val="tx1"/>
+          </a:fontRef>
+        </p:style>
+      </p:cxnSp>
+      <p:cxnSp>
+        <p:nvCxnSpPr>
+          <p:cNvPr id="49" name="Straight Connector 48"/>
+          <p:cNvCxnSpPr/>
+          <p:nvPr/>
+        </p:nvCxnSpPr>
+        <p:spPr>
+          <a:xfrm flipV="1">
+            <a:off x="2184400" y="2244043"/>
+            <a:ext cx="0" cy="476576"/>
+          </a:xfrm>
+          <a:prstGeom prst="line">
+            <a:avLst/>
+          </a:prstGeom>
+          <a:ln>
+            <a:solidFill>
+              <a:schemeClr val="tx1"/>
+            </a:solidFill>
+          </a:ln>
+        </p:spPr>
+        <p:style>
+          <a:lnRef idx="1">
+            <a:schemeClr val="accent1"/>
+          </a:lnRef>
+          <a:fillRef idx="0">
+            <a:schemeClr val="accent1"/>
+          </a:fillRef>
+          <a:effectRef idx="0">
+            <a:schemeClr val="accent1"/>
+          </a:effectRef>
+          <a:fontRef idx="minor">
+            <a:schemeClr val="tx1"/>
+          </a:fontRef>
+        </p:style>
+      </p:cxnSp>
+      <p:sp>
+        <p:nvSpPr>
+          <p:cNvPr id="41" name="Rectangle 40"/>
+          <p:cNvSpPr/>
+          <p:nvPr/>
+        </p:nvSpPr>
+        <p:spPr>
+          <a:xfrm>
+            <a:off x="4192941" y="2244043"/>
+            <a:ext cx="466794" cy="369332"/>
+          </a:xfrm>
+          <a:prstGeom prst="rect">
+            <a:avLst/>
+          </a:prstGeom>
+          <a:solidFill>
+            <a:schemeClr val="bg1"/>
+          </a:solidFill>
+        </p:spPr>
+        <p:txBody>
+          <a:bodyPr wrap="none">
+            <a:spAutoFit/>
+          </a:bodyPr>
+          <a:lstStyle/>
+          <a:p>
+            <a:r>
+              <a:rPr lang="en-US" dirty="0" smtClean="0"/>
+              <a:t>2w</a:t>
+            </a:r>
+            <a:endParaRPr lang="en-US" dirty="0"/>
+          </a:p>
+        </p:txBody>
+      </p:sp>
+      <p:cxnSp>
+        <p:nvCxnSpPr>
+          <p:cNvPr id="52" name="Straight Connector 51"/>
+          <p:cNvCxnSpPr/>
+          <p:nvPr/>
+        </p:nvCxnSpPr>
+        <p:spPr>
+          <a:xfrm flipV="1">
+            <a:off x="6496756" y="2276527"/>
+            <a:ext cx="0" cy="476576"/>
+          </a:xfrm>
+          <a:prstGeom prst="line">
+            <a:avLst/>
+          </a:prstGeom>
+          <a:ln>
+            <a:solidFill>
+              <a:schemeClr val="tx1"/>
+            </a:solidFill>
+          </a:ln>
+        </p:spPr>
+        <p:style>
+          <a:lnRef idx="1">
+            <a:schemeClr val="accent1"/>
+          </a:lnRef>
+          <a:fillRef idx="0">
+            <a:schemeClr val="accent1"/>
+          </a:fillRef>
+          <a:effectRef idx="0">
+            <a:schemeClr val="accent1"/>
+          </a:effectRef>
+          <a:fontRef idx="minor">
+            <a:schemeClr val="tx1"/>
+          </a:fontRef>
+        </p:style>
+      </p:cxnSp>
+      <p:cxnSp>
+        <p:nvCxnSpPr>
+          <p:cNvPr id="53" name="Straight Connector 52"/>
+          <p:cNvCxnSpPr/>
+          <p:nvPr/>
+        </p:nvCxnSpPr>
+        <p:spPr>
+          <a:xfrm>
+            <a:off x="1808148" y="2720619"/>
+            <a:ext cx="376252" cy="0"/>
+          </a:xfrm>
+          <a:prstGeom prst="line">
+            <a:avLst/>
+          </a:prstGeom>
+          <a:ln>
+            <a:solidFill>
+              <a:schemeClr val="tx1"/>
+            </a:solidFill>
+          </a:ln>
+        </p:spPr>
+        <p:style>
+          <a:lnRef idx="1">
+            <a:schemeClr val="accent1"/>
+          </a:lnRef>
+          <a:fillRef idx="0">
+            <a:schemeClr val="accent1"/>
+          </a:fillRef>
+          <a:effectRef idx="0">
+            <a:schemeClr val="accent1"/>
+          </a:effectRef>
+          <a:fontRef idx="minor">
+            <a:schemeClr val="tx1"/>
+          </a:fontRef>
+        </p:style>
+      </p:cxnSp>
+      <p:cxnSp>
+        <p:nvCxnSpPr>
+          <p:cNvPr id="56" name="Straight Connector 55"/>
+          <p:cNvCxnSpPr/>
+          <p:nvPr/>
+        </p:nvCxnSpPr>
+        <p:spPr>
+          <a:xfrm>
+            <a:off x="1808148" y="4063997"/>
+            <a:ext cx="376252" cy="0"/>
+          </a:xfrm>
+          <a:prstGeom prst="line">
+            <a:avLst/>
+          </a:prstGeom>
+          <a:ln>
+            <a:solidFill>
+              <a:schemeClr val="tx1"/>
+            </a:solidFill>
+          </a:ln>
+        </p:spPr>
+        <p:style>
+          <a:lnRef idx="1">
+            <a:schemeClr val="accent1"/>
+          </a:lnRef>
+          <a:fillRef idx="0">
+            <a:schemeClr val="accent1"/>
+          </a:fillRef>
+          <a:effectRef idx="0">
+            <a:schemeClr val="accent1"/>
+          </a:effectRef>
+          <a:fontRef idx="minor">
+            <a:schemeClr val="tx1"/>
+          </a:fontRef>
+        </p:style>
+      </p:cxnSp>
+      <p:cxnSp>
+        <p:nvCxnSpPr>
+          <p:cNvPr id="57" name="Straight Arrow Connector 56"/>
+          <p:cNvCxnSpPr/>
+          <p:nvPr/>
+        </p:nvCxnSpPr>
+        <p:spPr>
+          <a:xfrm flipV="1">
+            <a:off x="1952729" y="2753103"/>
+            <a:ext cx="17863" cy="1310894"/>
+          </a:xfrm>
+          <a:prstGeom prst="straightConnector1">
+            <a:avLst/>
+          </a:prstGeom>
+          <a:ln>
+            <a:solidFill>
+              <a:schemeClr val="tx1"/>
+            </a:solidFill>
+            <a:headEnd type="triangle"/>
+            <a:tailEnd type="triangle"/>
+          </a:ln>
+        </p:spPr>
+        <p:style>
+          <a:lnRef idx="1">
+            <a:schemeClr val="accent1"/>
+          </a:lnRef>
+          <a:fillRef idx="0">
+            <a:schemeClr val="accent1"/>
+          </a:fillRef>
+          <a:effectRef idx="0">
+            <a:schemeClr val="accent1"/>
+          </a:effectRef>
+          <a:fontRef idx="minor">
+            <a:schemeClr val="tx1"/>
+          </a:fontRef>
+        </p:style>
+      </p:cxnSp>
+      <p:sp>
+        <p:nvSpPr>
+          <p:cNvPr id="42" name="Rectangle 41"/>
+          <p:cNvSpPr/>
+          <p:nvPr/>
+        </p:nvSpPr>
+        <p:spPr>
+          <a:xfrm>
+            <a:off x="1738400" y="3197196"/>
+            <a:ext cx="423514" cy="369332"/>
+          </a:xfrm>
+          <a:prstGeom prst="rect">
+            <a:avLst/>
+          </a:prstGeom>
+          <a:solidFill>
+            <a:schemeClr val="bg1"/>
+          </a:solidFill>
+        </p:spPr>
+        <p:txBody>
+          <a:bodyPr wrap="none">
+            <a:spAutoFit/>
+          </a:bodyPr>
+          <a:lstStyle/>
+          <a:p>
+            <a:r>
+              <a:rPr lang="en-US" dirty="0" smtClean="0"/>
+              <a:t>2h</a:t>
+            </a:r>
+            <a:endParaRPr lang="en-US" dirty="0"/>
+          </a:p>
+        </p:txBody>
+      </p:sp>
+      <p:sp>
+        <p:nvSpPr>
+          <p:cNvPr id="62" name="Rectangle 61"/>
+          <p:cNvSpPr/>
+          <p:nvPr/>
+        </p:nvSpPr>
+        <p:spPr>
+          <a:xfrm>
+            <a:off x="0" y="216878"/>
+            <a:ext cx="9144000" cy="369332"/>
+          </a:xfrm>
+          <a:prstGeom prst="rect">
+            <a:avLst/>
+          </a:prstGeom>
+        </p:spPr>
+        <p:txBody>
+          <a:bodyPr wrap="square">
+            <a:spAutoFit/>
+          </a:bodyPr>
+          <a:lstStyle/>
+          <a:p>
+            <a:pPr algn="ctr"/>
+            <a:r>
+              <a:rPr lang="en-US" dirty="0" smtClean="0"/>
+              <a:t>Polygon shape</a:t>
+            </a:r>
+            <a:endParaRPr lang="en-US" dirty="0"/>
+          </a:p>
+        </p:txBody>
+      </p:sp>
+      <p:sp>
+        <p:nvSpPr>
+          <p:cNvPr id="63" name="Rectangle 62"/>
+          <p:cNvSpPr/>
+          <p:nvPr/>
+        </p:nvSpPr>
+        <p:spPr>
+          <a:xfrm>
+            <a:off x="6631679" y="3197196"/>
+            <a:ext cx="665567" cy="369332"/>
+          </a:xfrm>
+          <a:prstGeom prst="rect">
+            <a:avLst/>
+          </a:prstGeom>
+        </p:spPr>
+        <p:txBody>
+          <a:bodyPr wrap="none">
+            <a:spAutoFit/>
+          </a:bodyPr>
+          <a:lstStyle/>
+          <a:p>
+            <a:r>
+              <a:rPr lang="en-US" dirty="0"/>
+              <a:t>s </a:t>
+            </a:r>
+            <a:r>
+              <a:rPr lang="en-US" dirty="0" smtClean="0"/>
+              <a:t>= 5 </a:t>
+            </a:r>
+            <a:endParaRPr lang="en-US" dirty="0"/>
+          </a:p>
+        </p:txBody>
+      </p:sp>
+      <p:sp>
+        <p:nvSpPr>
+          <p:cNvPr id="65" name="Rectangle 64"/>
+          <p:cNvSpPr/>
+          <p:nvPr/>
+        </p:nvSpPr>
+        <p:spPr>
+          <a:xfrm>
+            <a:off x="488541" y="4706706"/>
+            <a:ext cx="3720377" cy="1354217"/>
+          </a:xfrm>
+          <a:prstGeom prst="rect">
+            <a:avLst/>
+          </a:prstGeom>
+        </p:spPr>
+        <p:txBody>
+          <a:bodyPr wrap="none">
+            <a:spAutoFit/>
+          </a:bodyPr>
+          <a:lstStyle/>
+          <a:p>
+            <a:r>
+              <a:rPr lang="en-US" sz="1600" dirty="0" smtClean="0"/>
+              <a:t>// work in polar coordinates</a:t>
+            </a:r>
+          </a:p>
+          <a:p>
+            <a:r>
+              <a:rPr lang="en-US" sz="1600" dirty="0" smtClean="0"/>
+              <a:t>// 1. get random angle in sector of interest</a:t>
+            </a:r>
+          </a:p>
+          <a:p>
+            <a:r>
+              <a:rPr lang="en-US" sz="1600" dirty="0" smtClean="0"/>
+              <a:t>// 2. get random length of vector</a:t>
+            </a:r>
+          </a:p>
+          <a:p>
+            <a:r>
+              <a:rPr lang="en-US" sz="1600" dirty="0" smtClean="0"/>
+              <a:t>// 3. convert to Cartesian coordinates</a:t>
+            </a:r>
+          </a:p>
+          <a:p>
+            <a:r>
+              <a:rPr lang="en-US" sz="1600" dirty="0" smtClean="0"/>
+              <a:t>// 4. check the limits of </a:t>
+            </a:r>
+            <a:r>
+              <a:rPr lang="en-US" sz="1600" dirty="0" err="1" smtClean="0"/>
+              <a:t>x,y</a:t>
+            </a:r>
+            <a:endParaRPr lang="en-US" sz="1600" dirty="0"/>
+          </a:p>
+        </p:txBody>
+      </p:sp>
+    </p:spTree>
+    <p:extLst>
+      <p:ext uri="{BB962C8B-B14F-4D97-AF65-F5344CB8AC3E}">
+        <p14:creationId xmlns:p14="http://schemas.microsoft.com/office/powerpoint/2010/main" val="1123923066"/>
       </p:ext>
     </p:extLst>
   </p:cSld>

--- a/blur_process.pptx
+++ b/blur_process.pptx
@@ -248,7 +248,7 @@
           <a:p>
             <a:fld id="{E72317F2-AC8A-4A17-9490-8494A31721E1}" type="datetimeFigureOut">
               <a:rPr lang="en-US" smtClean="0"/>
-              <a:t>10/10/2020</a:t>
+              <a:t>10/15/2020</a:t>
             </a:fld>
             <a:endParaRPr lang="en-US"/>
           </a:p>
@@ -418,7 +418,7 @@
           <a:p>
             <a:fld id="{E72317F2-AC8A-4A17-9490-8494A31721E1}" type="datetimeFigureOut">
               <a:rPr lang="en-US" smtClean="0"/>
-              <a:t>10/10/2020</a:t>
+              <a:t>10/15/2020</a:t>
             </a:fld>
             <a:endParaRPr lang="en-US"/>
           </a:p>
@@ -598,7 +598,7 @@
           <a:p>
             <a:fld id="{E72317F2-AC8A-4A17-9490-8494A31721E1}" type="datetimeFigureOut">
               <a:rPr lang="en-US" smtClean="0"/>
-              <a:t>10/10/2020</a:t>
+              <a:t>10/15/2020</a:t>
             </a:fld>
             <a:endParaRPr lang="en-US"/>
           </a:p>
@@ -768,7 +768,7 @@
           <a:p>
             <a:fld id="{E72317F2-AC8A-4A17-9490-8494A31721E1}" type="datetimeFigureOut">
               <a:rPr lang="en-US" smtClean="0"/>
-              <a:t>10/10/2020</a:t>
+              <a:t>10/15/2020</a:t>
             </a:fld>
             <a:endParaRPr lang="en-US"/>
           </a:p>
@@ -1012,7 +1012,7 @@
           <a:p>
             <a:fld id="{E72317F2-AC8A-4A17-9490-8494A31721E1}" type="datetimeFigureOut">
               <a:rPr lang="en-US" smtClean="0"/>
-              <a:t>10/10/2020</a:t>
+              <a:t>10/15/2020</a:t>
             </a:fld>
             <a:endParaRPr lang="en-US"/>
           </a:p>
@@ -1244,7 +1244,7 @@
           <a:p>
             <a:fld id="{E72317F2-AC8A-4A17-9490-8494A31721E1}" type="datetimeFigureOut">
               <a:rPr lang="en-US" smtClean="0"/>
-              <a:t>10/10/2020</a:t>
+              <a:t>10/15/2020</a:t>
             </a:fld>
             <a:endParaRPr lang="en-US"/>
           </a:p>
@@ -1611,7 +1611,7 @@
           <a:p>
             <a:fld id="{E72317F2-AC8A-4A17-9490-8494A31721E1}" type="datetimeFigureOut">
               <a:rPr lang="en-US" smtClean="0"/>
-              <a:t>10/10/2020</a:t>
+              <a:t>10/15/2020</a:t>
             </a:fld>
             <a:endParaRPr lang="en-US"/>
           </a:p>
@@ -1729,7 +1729,7 @@
           <a:p>
             <a:fld id="{E72317F2-AC8A-4A17-9490-8494A31721E1}" type="datetimeFigureOut">
               <a:rPr lang="en-US" smtClean="0"/>
-              <a:t>10/10/2020</a:t>
+              <a:t>10/15/2020</a:t>
             </a:fld>
             <a:endParaRPr lang="en-US"/>
           </a:p>
@@ -1824,7 +1824,7 @@
           <a:p>
             <a:fld id="{E72317F2-AC8A-4A17-9490-8494A31721E1}" type="datetimeFigureOut">
               <a:rPr lang="en-US" smtClean="0"/>
-              <a:t>10/10/2020</a:t>
+              <a:t>10/15/2020</a:t>
             </a:fld>
             <a:endParaRPr lang="en-US"/>
           </a:p>
@@ -2101,7 +2101,7 @@
           <a:p>
             <a:fld id="{E72317F2-AC8A-4A17-9490-8494A31721E1}" type="datetimeFigureOut">
               <a:rPr lang="en-US" smtClean="0"/>
-              <a:t>10/10/2020</a:t>
+              <a:t>10/15/2020</a:t>
             </a:fld>
             <a:endParaRPr lang="en-US"/>
           </a:p>
@@ -2358,7 +2358,7 @@
           <a:p>
             <a:fld id="{E72317F2-AC8A-4A17-9490-8494A31721E1}" type="datetimeFigureOut">
               <a:rPr lang="en-US" smtClean="0"/>
-              <a:t>10/10/2020</a:t>
+              <a:t>10/15/2020</a:t>
             </a:fld>
             <a:endParaRPr lang="en-US"/>
           </a:p>
@@ -2571,7 +2571,7 @@
           <a:p>
             <a:fld id="{E72317F2-AC8A-4A17-9490-8494A31721E1}" type="datetimeFigureOut">
               <a:rPr lang="en-US" smtClean="0"/>
-              <a:t>10/10/2020</a:t>
+              <a:t>10/15/2020</a:t>
             </a:fld>
             <a:endParaRPr lang="en-US"/>
           </a:p>
@@ -15503,7 +15503,7 @@
         </p:nvSpPr>
         <p:spPr>
           <a:xfrm>
-            <a:off x="4716830" y="2848000"/>
+            <a:off x="4608547" y="2703264"/>
             <a:ext cx="295274" cy="369332"/>
           </a:xfrm>
           <a:prstGeom prst="rect">
@@ -15532,7 +15532,7 @@
         </p:nvSpPr>
         <p:spPr>
           <a:xfrm>
-            <a:off x="4961788" y="4142997"/>
+            <a:off x="5305622" y="4164591"/>
             <a:ext cx="587020" cy="369332"/>
           </a:xfrm>
           <a:prstGeom prst="rect">
@@ -15571,8 +15571,8 @@
         </p:nvCxnSpPr>
         <p:spPr>
           <a:xfrm flipH="1" flipV="1">
-            <a:off x="4340578" y="3392307"/>
-            <a:ext cx="621210" cy="935356"/>
+            <a:off x="4363064" y="3408014"/>
+            <a:ext cx="942558" cy="941243"/>
           </a:xfrm>
           <a:prstGeom prst="straightConnector1">
             <a:avLst/>
@@ -15915,7 +15915,7 @@
         </p:nvSpPr>
         <p:spPr>
           <a:xfrm>
-            <a:off x="6631679" y="3197196"/>
+            <a:off x="6576494" y="2687131"/>
             <a:ext cx="665567" cy="369332"/>
           </a:xfrm>
           <a:prstGeom prst="rect">
@@ -15994,6 +15994,667 @@
               <a:t>x,y</a:t>
             </a:r>
             <a:endParaRPr lang="en-US" sz="1600" dirty="0"/>
+          </a:p>
+        </p:txBody>
+      </p:sp>
+      <p:sp>
+        <p:nvSpPr>
+          <p:cNvPr id="24" name="Rectangle 23"/>
+          <p:cNvSpPr/>
+          <p:nvPr/>
+        </p:nvSpPr>
+        <p:spPr>
+          <a:xfrm>
+            <a:off x="6583146" y="3197196"/>
+            <a:ext cx="838691" cy="369332"/>
+          </a:xfrm>
+          <a:prstGeom prst="rect">
+            <a:avLst/>
+          </a:prstGeom>
+        </p:spPr>
+        <p:txBody>
+          <a:bodyPr wrap="none">
+            <a:spAutoFit/>
+          </a:bodyPr>
+          <a:lstStyle/>
+          <a:p>
+            <a:r>
+              <a:rPr lang="el-GR" dirty="0" smtClean="0"/>
+              <a:t>Θ</a:t>
+            </a:r>
+            <a:r>
+              <a:rPr lang="en-US" dirty="0" smtClean="0"/>
+              <a:t> </a:t>
+            </a:r>
+            <a:r>
+              <a:rPr lang="en-US" dirty="0" smtClean="0"/>
+              <a:t>= </a:t>
+            </a:r>
+            <a:r>
+              <a:rPr lang="en-US" dirty="0" smtClean="0"/>
+              <a:t>0a </a:t>
+            </a:r>
+            <a:endParaRPr lang="en-US" dirty="0"/>
+          </a:p>
+        </p:txBody>
+      </p:sp>
+      <p:sp>
+        <p:nvSpPr>
+          <p:cNvPr id="25" name="Rectangle 24"/>
+          <p:cNvSpPr/>
+          <p:nvPr/>
+        </p:nvSpPr>
+        <p:spPr>
+          <a:xfrm>
+            <a:off x="4438446" y="1937270"/>
+            <a:ext cx="838691" cy="369332"/>
+          </a:xfrm>
+          <a:prstGeom prst="rect">
+            <a:avLst/>
+          </a:prstGeom>
+        </p:spPr>
+        <p:txBody>
+          <a:bodyPr wrap="none">
+            <a:spAutoFit/>
+          </a:bodyPr>
+          <a:lstStyle/>
+          <a:p>
+            <a:r>
+              <a:rPr lang="el-GR" dirty="0" smtClean="0"/>
+              <a:t>Θ</a:t>
+            </a:r>
+            <a:r>
+              <a:rPr lang="en-US" dirty="0" smtClean="0"/>
+              <a:t> </a:t>
+            </a:r>
+            <a:r>
+              <a:rPr lang="en-US" dirty="0" smtClean="0"/>
+              <a:t>= </a:t>
+            </a:r>
+            <a:r>
+              <a:rPr lang="en-US" dirty="0" smtClean="0"/>
+              <a:t>1a </a:t>
+            </a:r>
+            <a:endParaRPr lang="en-US" dirty="0"/>
+          </a:p>
+        </p:txBody>
+      </p:sp>
+      <p:sp>
+        <p:nvSpPr>
+          <p:cNvPr id="26" name="Rectangle 25"/>
+          <p:cNvSpPr/>
+          <p:nvPr/>
+        </p:nvSpPr>
+        <p:spPr>
+          <a:xfrm>
+            <a:off x="2546347" y="2089887"/>
+            <a:ext cx="838691" cy="369332"/>
+          </a:xfrm>
+          <a:prstGeom prst="rect">
+            <a:avLst/>
+          </a:prstGeom>
+        </p:spPr>
+        <p:txBody>
+          <a:bodyPr wrap="none">
+            <a:spAutoFit/>
+          </a:bodyPr>
+          <a:lstStyle/>
+          <a:p>
+            <a:r>
+              <a:rPr lang="el-GR" dirty="0" smtClean="0"/>
+              <a:t>Θ</a:t>
+            </a:r>
+            <a:r>
+              <a:rPr lang="en-US" dirty="0" smtClean="0"/>
+              <a:t> </a:t>
+            </a:r>
+            <a:r>
+              <a:rPr lang="en-US" dirty="0" smtClean="0"/>
+              <a:t>= </a:t>
+            </a:r>
+            <a:r>
+              <a:rPr lang="en-US" dirty="0" smtClean="0"/>
+              <a:t>2a </a:t>
+            </a:r>
+            <a:endParaRPr lang="en-US" dirty="0"/>
+          </a:p>
+        </p:txBody>
+      </p:sp>
+      <p:sp>
+        <p:nvSpPr>
+          <p:cNvPr id="27" name="Rectangle 26"/>
+          <p:cNvSpPr/>
+          <p:nvPr/>
+        </p:nvSpPr>
+        <p:spPr>
+          <a:xfrm>
+            <a:off x="2641884" y="4135837"/>
+            <a:ext cx="838691" cy="369332"/>
+          </a:xfrm>
+          <a:prstGeom prst="rect">
+            <a:avLst/>
+          </a:prstGeom>
+        </p:spPr>
+        <p:txBody>
+          <a:bodyPr wrap="none">
+            <a:spAutoFit/>
+          </a:bodyPr>
+          <a:lstStyle/>
+          <a:p>
+            <a:r>
+              <a:rPr lang="el-GR" dirty="0" smtClean="0"/>
+              <a:t>Θ</a:t>
+            </a:r>
+            <a:r>
+              <a:rPr lang="en-US" dirty="0" smtClean="0"/>
+              <a:t> </a:t>
+            </a:r>
+            <a:r>
+              <a:rPr lang="en-US" dirty="0" smtClean="0"/>
+              <a:t>= </a:t>
+            </a:r>
+            <a:r>
+              <a:rPr lang="en-US" dirty="0" smtClean="0"/>
+              <a:t>3a </a:t>
+            </a:r>
+            <a:endParaRPr lang="en-US" dirty="0"/>
+          </a:p>
+        </p:txBody>
+      </p:sp>
+      <p:sp>
+        <p:nvSpPr>
+          <p:cNvPr id="28" name="Rectangle 27"/>
+          <p:cNvSpPr/>
+          <p:nvPr/>
+        </p:nvSpPr>
+        <p:spPr>
+          <a:xfrm>
+            <a:off x="4192941" y="4080868"/>
+            <a:ext cx="838691" cy="369332"/>
+          </a:xfrm>
+          <a:prstGeom prst="rect">
+            <a:avLst/>
+          </a:prstGeom>
+        </p:spPr>
+        <p:txBody>
+          <a:bodyPr wrap="none">
+            <a:spAutoFit/>
+          </a:bodyPr>
+          <a:lstStyle/>
+          <a:p>
+            <a:r>
+              <a:rPr lang="el-GR" dirty="0" smtClean="0"/>
+              <a:t>Θ</a:t>
+            </a:r>
+            <a:r>
+              <a:rPr lang="en-US" dirty="0" smtClean="0"/>
+              <a:t> </a:t>
+            </a:r>
+            <a:r>
+              <a:rPr lang="en-US" dirty="0" smtClean="0"/>
+              <a:t>= </a:t>
+            </a:r>
+            <a:r>
+              <a:rPr lang="en-US" dirty="0" smtClean="0"/>
+              <a:t>4a </a:t>
+            </a:r>
+            <a:endParaRPr lang="en-US" dirty="0"/>
+          </a:p>
+        </p:txBody>
+      </p:sp>
+      <p:sp>
+        <p:nvSpPr>
+          <p:cNvPr id="33" name="Rectangle 32"/>
+          <p:cNvSpPr/>
+          <p:nvPr/>
+        </p:nvSpPr>
+        <p:spPr>
+          <a:xfrm>
+            <a:off x="5363613" y="2913757"/>
+            <a:ext cx="324128" cy="369332"/>
+          </a:xfrm>
+          <a:prstGeom prst="rect">
+            <a:avLst/>
+          </a:prstGeom>
+        </p:spPr>
+        <p:txBody>
+          <a:bodyPr wrap="none">
+            <a:spAutoFit/>
+          </a:bodyPr>
+          <a:lstStyle/>
+          <a:p>
+            <a:r>
+              <a:rPr lang="el-GR" dirty="0" smtClean="0"/>
+              <a:t>●</a:t>
+            </a:r>
+            <a:endParaRPr lang="en-US" dirty="0"/>
+          </a:p>
+        </p:txBody>
+      </p:sp>
+      <p:sp>
+        <p:nvSpPr>
+          <p:cNvPr id="34" name="Rectangle 33"/>
+          <p:cNvSpPr/>
+          <p:nvPr/>
+        </p:nvSpPr>
+        <p:spPr>
+          <a:xfrm>
+            <a:off x="3746025" y="2637553"/>
+            <a:ext cx="324128" cy="369332"/>
+          </a:xfrm>
+          <a:prstGeom prst="rect">
+            <a:avLst/>
+          </a:prstGeom>
+        </p:spPr>
+        <p:txBody>
+          <a:bodyPr wrap="none">
+            <a:spAutoFit/>
+          </a:bodyPr>
+          <a:lstStyle/>
+          <a:p>
+            <a:r>
+              <a:rPr lang="el-GR" dirty="0" smtClean="0"/>
+              <a:t>●</a:t>
+            </a:r>
+            <a:endParaRPr lang="en-US" dirty="0"/>
+          </a:p>
+        </p:txBody>
+      </p:sp>
+      <p:sp>
+        <p:nvSpPr>
+          <p:cNvPr id="35" name="Rectangle 34"/>
+          <p:cNvSpPr/>
+          <p:nvPr/>
+        </p:nvSpPr>
+        <p:spPr>
+          <a:xfrm>
+            <a:off x="2449573" y="3750737"/>
+            <a:ext cx="324128" cy="369332"/>
+          </a:xfrm>
+          <a:prstGeom prst="rect">
+            <a:avLst/>
+          </a:prstGeom>
+        </p:spPr>
+        <p:txBody>
+          <a:bodyPr wrap="none">
+            <a:spAutoFit/>
+          </a:bodyPr>
+          <a:lstStyle/>
+          <a:p>
+            <a:r>
+              <a:rPr lang="el-GR" dirty="0" smtClean="0"/>
+              <a:t>●</a:t>
+            </a:r>
+            <a:endParaRPr lang="en-US" dirty="0"/>
+          </a:p>
+        </p:txBody>
+      </p:sp>
+      <p:sp>
+        <p:nvSpPr>
+          <p:cNvPr id="36" name="Rectangle 35"/>
+          <p:cNvSpPr/>
+          <p:nvPr/>
+        </p:nvSpPr>
+        <p:spPr>
+          <a:xfrm>
+            <a:off x="4085727" y="3429145"/>
+            <a:ext cx="324128" cy="369332"/>
+          </a:xfrm>
+          <a:prstGeom prst="rect">
+            <a:avLst/>
+          </a:prstGeom>
+        </p:spPr>
+        <p:txBody>
+          <a:bodyPr wrap="none">
+            <a:spAutoFit/>
+          </a:bodyPr>
+          <a:lstStyle/>
+          <a:p>
+            <a:r>
+              <a:rPr lang="el-GR" dirty="0" smtClean="0"/>
+              <a:t>●</a:t>
+            </a:r>
+            <a:endParaRPr lang="en-US" dirty="0"/>
+          </a:p>
+        </p:txBody>
+      </p:sp>
+      <p:sp>
+        <p:nvSpPr>
+          <p:cNvPr id="37" name="Rectangle 36"/>
+          <p:cNvSpPr/>
+          <p:nvPr/>
+        </p:nvSpPr>
+        <p:spPr>
+          <a:xfrm>
+            <a:off x="6201481" y="3766505"/>
+            <a:ext cx="324128" cy="369332"/>
+          </a:xfrm>
+          <a:prstGeom prst="rect">
+            <a:avLst/>
+          </a:prstGeom>
+        </p:spPr>
+        <p:txBody>
+          <a:bodyPr wrap="none">
+            <a:spAutoFit/>
+          </a:bodyPr>
+          <a:lstStyle/>
+          <a:p>
+            <a:r>
+              <a:rPr lang="el-GR" dirty="0" smtClean="0"/>
+              <a:t>●</a:t>
+            </a:r>
+            <a:endParaRPr lang="en-US" dirty="0"/>
+          </a:p>
+        </p:txBody>
+      </p:sp>
+      <p:cxnSp>
+        <p:nvCxnSpPr>
+          <p:cNvPr id="4" name="Straight Connector 3"/>
+          <p:cNvCxnSpPr/>
+          <p:nvPr/>
+        </p:nvCxnSpPr>
+        <p:spPr>
+          <a:xfrm>
+            <a:off x="5525677" y="3098423"/>
+            <a:ext cx="837868" cy="852748"/>
+          </a:xfrm>
+          <a:prstGeom prst="line">
+            <a:avLst/>
+          </a:prstGeom>
+          <a:ln>
+            <a:solidFill>
+              <a:srgbClr val="FF0000"/>
+            </a:solidFill>
+          </a:ln>
+        </p:spPr>
+        <p:style>
+          <a:lnRef idx="1">
+            <a:schemeClr val="accent1"/>
+          </a:lnRef>
+          <a:fillRef idx="0">
+            <a:schemeClr val="accent1"/>
+          </a:fillRef>
+          <a:effectRef idx="0">
+            <a:schemeClr val="accent1"/>
+          </a:effectRef>
+          <a:fontRef idx="minor">
+            <a:schemeClr val="tx1"/>
+          </a:fontRef>
+        </p:style>
+      </p:cxnSp>
+      <p:cxnSp>
+        <p:nvCxnSpPr>
+          <p:cNvPr id="39" name="Straight Connector 38"/>
+          <p:cNvCxnSpPr/>
+          <p:nvPr/>
+        </p:nvCxnSpPr>
+        <p:spPr>
+          <a:xfrm>
+            <a:off x="3895624" y="2829709"/>
+            <a:ext cx="1653184" cy="284420"/>
+          </a:xfrm>
+          <a:prstGeom prst="line">
+            <a:avLst/>
+          </a:prstGeom>
+          <a:ln>
+            <a:solidFill>
+              <a:srgbClr val="FF0000"/>
+            </a:solidFill>
+          </a:ln>
+        </p:spPr>
+        <p:style>
+          <a:lnRef idx="1">
+            <a:schemeClr val="accent1"/>
+          </a:lnRef>
+          <a:fillRef idx="0">
+            <a:schemeClr val="accent1"/>
+          </a:fillRef>
+          <a:effectRef idx="0">
+            <a:schemeClr val="accent1"/>
+          </a:effectRef>
+          <a:fontRef idx="minor">
+            <a:schemeClr val="tx1"/>
+          </a:fontRef>
+        </p:style>
+      </p:cxnSp>
+      <p:cxnSp>
+        <p:nvCxnSpPr>
+          <p:cNvPr id="40" name="Straight Connector 39"/>
+          <p:cNvCxnSpPr/>
+          <p:nvPr/>
+        </p:nvCxnSpPr>
+        <p:spPr>
+          <a:xfrm flipH="1">
+            <a:off x="2611637" y="2829708"/>
+            <a:ext cx="1296178" cy="1105695"/>
+          </a:xfrm>
+          <a:prstGeom prst="line">
+            <a:avLst/>
+          </a:prstGeom>
+          <a:ln>
+            <a:solidFill>
+              <a:srgbClr val="FF0000"/>
+            </a:solidFill>
+          </a:ln>
+        </p:spPr>
+        <p:style>
+          <a:lnRef idx="1">
+            <a:schemeClr val="accent1"/>
+          </a:lnRef>
+          <a:fillRef idx="0">
+            <a:schemeClr val="accent1"/>
+          </a:fillRef>
+          <a:effectRef idx="0">
+            <a:schemeClr val="accent1"/>
+          </a:effectRef>
+          <a:fontRef idx="minor">
+            <a:schemeClr val="tx1"/>
+          </a:fontRef>
+        </p:style>
+      </p:cxnSp>
+      <p:cxnSp>
+        <p:nvCxnSpPr>
+          <p:cNvPr id="43" name="Straight Connector 42"/>
+          <p:cNvCxnSpPr/>
+          <p:nvPr/>
+        </p:nvCxnSpPr>
+        <p:spPr>
+          <a:xfrm flipV="1">
+            <a:off x="2640895" y="3626050"/>
+            <a:ext cx="1613293" cy="309353"/>
+          </a:xfrm>
+          <a:prstGeom prst="line">
+            <a:avLst/>
+          </a:prstGeom>
+          <a:ln>
+            <a:solidFill>
+              <a:srgbClr val="FF0000"/>
+            </a:solidFill>
+          </a:ln>
+        </p:spPr>
+        <p:style>
+          <a:lnRef idx="1">
+            <a:schemeClr val="accent1"/>
+          </a:lnRef>
+          <a:fillRef idx="0">
+            <a:schemeClr val="accent1"/>
+          </a:fillRef>
+          <a:effectRef idx="0">
+            <a:schemeClr val="accent1"/>
+          </a:effectRef>
+          <a:fontRef idx="minor">
+            <a:schemeClr val="tx1"/>
+          </a:fontRef>
+        </p:style>
+      </p:cxnSp>
+      <p:cxnSp>
+        <p:nvCxnSpPr>
+          <p:cNvPr id="45" name="Straight Connector 44"/>
+          <p:cNvCxnSpPr/>
+          <p:nvPr/>
+        </p:nvCxnSpPr>
+        <p:spPr>
+          <a:xfrm>
+            <a:off x="4270277" y="3626050"/>
+            <a:ext cx="2093268" cy="332676"/>
+          </a:xfrm>
+          <a:prstGeom prst="line">
+            <a:avLst/>
+          </a:prstGeom>
+          <a:ln>
+            <a:solidFill>
+              <a:srgbClr val="FF0000"/>
+            </a:solidFill>
+          </a:ln>
+        </p:spPr>
+        <p:style>
+          <a:lnRef idx="1">
+            <a:schemeClr val="accent1"/>
+          </a:lnRef>
+          <a:fillRef idx="0">
+            <a:schemeClr val="accent1"/>
+          </a:fillRef>
+          <a:effectRef idx="0">
+            <a:schemeClr val="accent1"/>
+          </a:effectRef>
+          <a:fontRef idx="minor">
+            <a:schemeClr val="tx1"/>
+          </a:fontRef>
+        </p:style>
+      </p:cxnSp>
+      <p:sp>
+        <p:nvSpPr>
+          <p:cNvPr id="51" name="Rectangle 50"/>
+          <p:cNvSpPr/>
+          <p:nvPr/>
+        </p:nvSpPr>
+        <p:spPr>
+          <a:xfrm>
+            <a:off x="5042371" y="1452387"/>
+            <a:ext cx="3920240" cy="523220"/>
+          </a:xfrm>
+          <a:prstGeom prst="rect">
+            <a:avLst/>
+          </a:prstGeom>
+        </p:spPr>
+        <p:txBody>
+          <a:bodyPr wrap="none">
+            <a:spAutoFit/>
+          </a:bodyPr>
+          <a:lstStyle/>
+          <a:p>
+            <a:r>
+              <a:rPr lang="en-US" sz="1400" dirty="0" smtClean="0"/>
+              <a:t>Pick random angle between 0a and 1a</a:t>
+            </a:r>
+          </a:p>
+          <a:p>
+            <a:r>
+              <a:rPr lang="en-US" sz="1400" dirty="0" smtClean="0"/>
+              <a:t>Pick random radius between 0 and max for a sector</a:t>
+            </a:r>
+            <a:endParaRPr lang="en-US" sz="1400" dirty="0"/>
+          </a:p>
+        </p:txBody>
+      </p:sp>
+      <p:cxnSp>
+        <p:nvCxnSpPr>
+          <p:cNvPr id="54" name="Straight Arrow Connector 53"/>
+          <p:cNvCxnSpPr/>
+          <p:nvPr/>
+        </p:nvCxnSpPr>
+        <p:spPr>
+          <a:xfrm flipH="1">
+            <a:off x="5522642" y="2011072"/>
+            <a:ext cx="498188" cy="1087351"/>
+          </a:xfrm>
+          <a:prstGeom prst="straightConnector1">
+            <a:avLst/>
+          </a:prstGeom>
+          <a:ln>
+            <a:solidFill>
+              <a:schemeClr val="tx1"/>
+            </a:solidFill>
+            <a:tailEnd type="triangle"/>
+          </a:ln>
+        </p:spPr>
+        <p:style>
+          <a:lnRef idx="1">
+            <a:schemeClr val="accent1"/>
+          </a:lnRef>
+          <a:fillRef idx="0">
+            <a:schemeClr val="accent1"/>
+          </a:fillRef>
+          <a:effectRef idx="0">
+            <a:schemeClr val="accent1"/>
+          </a:effectRef>
+          <a:fontRef idx="minor">
+            <a:schemeClr val="tx1"/>
+          </a:fontRef>
+        </p:style>
+      </p:cxnSp>
+      <p:cxnSp>
+        <p:nvCxnSpPr>
+          <p:cNvPr id="59" name="Straight Arrow Connector 58"/>
+          <p:cNvCxnSpPr/>
+          <p:nvPr/>
+        </p:nvCxnSpPr>
+        <p:spPr>
+          <a:xfrm flipV="1">
+            <a:off x="4375588" y="3114129"/>
+            <a:ext cx="1131582" cy="278179"/>
+          </a:xfrm>
+          <a:prstGeom prst="straightConnector1">
+            <a:avLst/>
+          </a:prstGeom>
+          <a:ln>
+            <a:solidFill>
+              <a:schemeClr val="tx1"/>
+            </a:solidFill>
+            <a:tailEnd type="triangle"/>
+          </a:ln>
+        </p:spPr>
+        <p:style>
+          <a:lnRef idx="1">
+            <a:schemeClr val="accent1"/>
+          </a:lnRef>
+          <a:fillRef idx="0">
+            <a:schemeClr val="accent1"/>
+          </a:fillRef>
+          <a:effectRef idx="0">
+            <a:schemeClr val="accent1"/>
+          </a:effectRef>
+          <a:fontRef idx="minor">
+            <a:schemeClr val="tx1"/>
+          </a:fontRef>
+        </p:style>
+      </p:cxnSp>
+      <p:sp>
+        <p:nvSpPr>
+          <p:cNvPr id="64" name="Rectangle 63"/>
+          <p:cNvSpPr/>
+          <p:nvPr/>
+        </p:nvSpPr>
+        <p:spPr>
+          <a:xfrm>
+            <a:off x="5066822" y="3072052"/>
+            <a:ext cx="264816" cy="369332"/>
+          </a:xfrm>
+          <a:prstGeom prst="rect">
+            <a:avLst/>
+          </a:prstGeom>
+        </p:spPr>
+        <p:txBody>
+          <a:bodyPr wrap="none">
+            <a:spAutoFit/>
+          </a:bodyPr>
+          <a:lstStyle/>
+          <a:p>
+            <a:r>
+              <a:rPr lang="en-US" dirty="0" smtClean="0"/>
+              <a:t>r</a:t>
+            </a:r>
+            <a:endParaRPr lang="en-US" dirty="0"/>
           </a:p>
         </p:txBody>
       </p:sp>

--- a/blur_process.pptx
+++ b/blur_process.pptx
@@ -11,6 +11,7 @@
     <p:sldId id="259" r:id="rId5"/>
     <p:sldId id="260" r:id="rId6"/>
     <p:sldId id="261" r:id="rId7"/>
+    <p:sldId id="262" r:id="rId8"/>
   </p:sldIdLst>
   <p:sldSz cx="9144000" cy="6858000" type="screen4x3"/>
   <p:notesSz cx="6858000" cy="9144000"/>
@@ -248,7 +249,7 @@
           <a:p>
             <a:fld id="{E72317F2-AC8A-4A17-9490-8494A31721E1}" type="datetimeFigureOut">
               <a:rPr lang="en-US" smtClean="0"/>
-              <a:t>10/15/2020</a:t>
+              <a:t>12/1/2020</a:t>
             </a:fld>
             <a:endParaRPr lang="en-US"/>
           </a:p>
@@ -418,7 +419,7 @@
           <a:p>
             <a:fld id="{E72317F2-AC8A-4A17-9490-8494A31721E1}" type="datetimeFigureOut">
               <a:rPr lang="en-US" smtClean="0"/>
-              <a:t>10/15/2020</a:t>
+              <a:t>12/1/2020</a:t>
             </a:fld>
             <a:endParaRPr lang="en-US"/>
           </a:p>
@@ -598,7 +599,7 @@
           <a:p>
             <a:fld id="{E72317F2-AC8A-4A17-9490-8494A31721E1}" type="datetimeFigureOut">
               <a:rPr lang="en-US" smtClean="0"/>
-              <a:t>10/15/2020</a:t>
+              <a:t>12/1/2020</a:t>
             </a:fld>
             <a:endParaRPr lang="en-US"/>
           </a:p>
@@ -768,7 +769,7 @@
           <a:p>
             <a:fld id="{E72317F2-AC8A-4A17-9490-8494A31721E1}" type="datetimeFigureOut">
               <a:rPr lang="en-US" smtClean="0"/>
-              <a:t>10/15/2020</a:t>
+              <a:t>12/1/2020</a:t>
             </a:fld>
             <a:endParaRPr lang="en-US"/>
           </a:p>
@@ -1012,7 +1013,7 @@
           <a:p>
             <a:fld id="{E72317F2-AC8A-4A17-9490-8494A31721E1}" type="datetimeFigureOut">
               <a:rPr lang="en-US" smtClean="0"/>
-              <a:t>10/15/2020</a:t>
+              <a:t>12/1/2020</a:t>
             </a:fld>
             <a:endParaRPr lang="en-US"/>
           </a:p>
@@ -1244,7 +1245,7 @@
           <a:p>
             <a:fld id="{E72317F2-AC8A-4A17-9490-8494A31721E1}" type="datetimeFigureOut">
               <a:rPr lang="en-US" smtClean="0"/>
-              <a:t>10/15/2020</a:t>
+              <a:t>12/1/2020</a:t>
             </a:fld>
             <a:endParaRPr lang="en-US"/>
           </a:p>
@@ -1611,7 +1612,7 @@
           <a:p>
             <a:fld id="{E72317F2-AC8A-4A17-9490-8494A31721E1}" type="datetimeFigureOut">
               <a:rPr lang="en-US" smtClean="0"/>
-              <a:t>10/15/2020</a:t>
+              <a:t>12/1/2020</a:t>
             </a:fld>
             <a:endParaRPr lang="en-US"/>
           </a:p>
@@ -1729,7 +1730,7 @@
           <a:p>
             <a:fld id="{E72317F2-AC8A-4A17-9490-8494A31721E1}" type="datetimeFigureOut">
               <a:rPr lang="en-US" smtClean="0"/>
-              <a:t>10/15/2020</a:t>
+              <a:t>12/1/2020</a:t>
             </a:fld>
             <a:endParaRPr lang="en-US"/>
           </a:p>
@@ -1824,7 +1825,7 @@
           <a:p>
             <a:fld id="{E72317F2-AC8A-4A17-9490-8494A31721E1}" type="datetimeFigureOut">
               <a:rPr lang="en-US" smtClean="0"/>
-              <a:t>10/15/2020</a:t>
+              <a:t>12/1/2020</a:t>
             </a:fld>
             <a:endParaRPr lang="en-US"/>
           </a:p>
@@ -2101,7 +2102,7 @@
           <a:p>
             <a:fld id="{E72317F2-AC8A-4A17-9490-8494A31721E1}" type="datetimeFigureOut">
               <a:rPr lang="en-US" smtClean="0"/>
-              <a:t>10/15/2020</a:t>
+              <a:t>12/1/2020</a:t>
             </a:fld>
             <a:endParaRPr lang="en-US"/>
           </a:p>
@@ -2358,7 +2359,7 @@
           <a:p>
             <a:fld id="{E72317F2-AC8A-4A17-9490-8494A31721E1}" type="datetimeFigureOut">
               <a:rPr lang="en-US" smtClean="0"/>
-              <a:t>10/15/2020</a:t>
+              <a:t>12/1/2020</a:t>
             </a:fld>
             <a:endParaRPr lang="en-US"/>
           </a:p>
@@ -2571,7 +2572,7 @@
           <a:p>
             <a:fld id="{E72317F2-AC8A-4A17-9490-8494A31721E1}" type="datetimeFigureOut">
               <a:rPr lang="en-US" smtClean="0"/>
-              <a:t>10/15/2020</a:t>
+              <a:t>12/1/2020</a:t>
             </a:fld>
             <a:endParaRPr lang="en-US"/>
           </a:p>
@@ -16024,15 +16025,7 @@
             </a:r>
             <a:r>
               <a:rPr lang="en-US" dirty="0" smtClean="0"/>
-              <a:t> </a:t>
-            </a:r>
-            <a:r>
-              <a:rPr lang="en-US" dirty="0" smtClean="0"/>
-              <a:t>= </a:t>
-            </a:r>
-            <a:r>
-              <a:rPr lang="en-US" dirty="0" smtClean="0"/>
-              <a:t>0a </a:t>
+              <a:t> = 0a </a:t>
             </a:r>
             <a:endParaRPr lang="en-US" dirty="0"/>
           </a:p>
@@ -16065,15 +16058,7 @@
             </a:r>
             <a:r>
               <a:rPr lang="en-US" dirty="0" smtClean="0"/>
-              <a:t> </a:t>
-            </a:r>
-            <a:r>
-              <a:rPr lang="en-US" dirty="0" smtClean="0"/>
-              <a:t>= </a:t>
-            </a:r>
-            <a:r>
-              <a:rPr lang="en-US" dirty="0" smtClean="0"/>
-              <a:t>1a </a:t>
+              <a:t> = 1a </a:t>
             </a:r>
             <a:endParaRPr lang="en-US" dirty="0"/>
           </a:p>
@@ -16106,15 +16091,7 @@
             </a:r>
             <a:r>
               <a:rPr lang="en-US" dirty="0" smtClean="0"/>
-              <a:t> </a:t>
-            </a:r>
-            <a:r>
-              <a:rPr lang="en-US" dirty="0" smtClean="0"/>
-              <a:t>= </a:t>
-            </a:r>
-            <a:r>
-              <a:rPr lang="en-US" dirty="0" smtClean="0"/>
-              <a:t>2a </a:t>
+              <a:t> = 2a </a:t>
             </a:r>
             <a:endParaRPr lang="en-US" dirty="0"/>
           </a:p>
@@ -16147,15 +16124,7 @@
             </a:r>
             <a:r>
               <a:rPr lang="en-US" dirty="0" smtClean="0"/>
-              <a:t> </a:t>
-            </a:r>
-            <a:r>
-              <a:rPr lang="en-US" dirty="0" smtClean="0"/>
-              <a:t>= </a:t>
-            </a:r>
-            <a:r>
-              <a:rPr lang="en-US" dirty="0" smtClean="0"/>
-              <a:t>3a </a:t>
+              <a:t> = 3a </a:t>
             </a:r>
             <a:endParaRPr lang="en-US" dirty="0"/>
           </a:p>
@@ -16188,15 +16157,7 @@
             </a:r>
             <a:r>
               <a:rPr lang="en-US" dirty="0" smtClean="0"/>
-              <a:t> </a:t>
-            </a:r>
-            <a:r>
-              <a:rPr lang="en-US" dirty="0" smtClean="0"/>
-              <a:t>= </a:t>
-            </a:r>
-            <a:r>
-              <a:rPr lang="en-US" dirty="0" smtClean="0"/>
-              <a:t>4a </a:t>
+              <a:t> = 4a </a:t>
             </a:r>
             <a:endParaRPr lang="en-US" dirty="0"/>
           </a:p>
@@ -16662,6 +16623,1660 @@
     <p:extLst>
       <p:ext uri="{BB962C8B-B14F-4D97-AF65-F5344CB8AC3E}">
         <p14:creationId xmlns:p14="http://schemas.microsoft.com/office/powerpoint/2010/main" val="1123923066"/>
+      </p:ext>
+    </p:extLst>
+  </p:cSld>
+  <p:clrMapOvr>
+    <a:masterClrMapping/>
+  </p:clrMapOvr>
+</p:sld>
+</file>
+
+<file path=ppt/slides/slide7.xml><?xml version="1.0" encoding="utf-8"?>
+<p:sld xmlns:a="http://schemas.openxmlformats.org/drawingml/2006/main" xmlns:r="http://schemas.openxmlformats.org/officeDocument/2006/relationships" xmlns:p="http://schemas.openxmlformats.org/presentationml/2006/main">
+  <p:cSld>
+    <p:spTree>
+      <p:nvGrpSpPr>
+        <p:cNvPr id="1" name=""/>
+        <p:cNvGrpSpPr/>
+        <p:nvPr/>
+      </p:nvGrpSpPr>
+      <p:grpSpPr>
+        <a:xfrm>
+          <a:off x="0" y="0"/>
+          <a:ext cx="0" cy="0"/>
+          <a:chOff x="0" y="0"/>
+          <a:chExt cx="0" cy="0"/>
+        </a:xfrm>
+      </p:grpSpPr>
+      <p:grpSp>
+        <p:nvGrpSpPr>
+          <p:cNvPr id="11" name="Group 10"/>
+          <p:cNvGrpSpPr/>
+          <p:nvPr/>
+        </p:nvGrpSpPr>
+        <p:grpSpPr>
+          <a:xfrm>
+            <a:off x="3969590" y="337060"/>
+            <a:ext cx="3012018" cy="1196992"/>
+            <a:chOff x="2607732" y="372164"/>
+            <a:chExt cx="3012018" cy="1196992"/>
+          </a:xfrm>
+        </p:grpSpPr>
+        <p:grpSp>
+          <p:nvGrpSpPr>
+            <p:cNvPr id="4" name="Group 3"/>
+            <p:cNvGrpSpPr/>
+            <p:nvPr/>
+          </p:nvGrpSpPr>
+          <p:grpSpPr>
+            <a:xfrm>
+              <a:off x="2607732" y="654756"/>
+              <a:ext cx="2528711" cy="914400"/>
+              <a:chOff x="2607732" y="654756"/>
+              <a:chExt cx="2528711" cy="914400"/>
+            </a:xfrm>
+          </p:grpSpPr>
+          <p:sp>
+            <p:nvSpPr>
+              <p:cNvPr id="2" name="Rectangle 1"/>
+              <p:cNvSpPr/>
+              <p:nvPr/>
+            </p:nvSpPr>
+            <p:spPr>
+              <a:xfrm>
+                <a:off x="2607732" y="654756"/>
+                <a:ext cx="2528711" cy="914400"/>
+              </a:xfrm>
+              <a:prstGeom prst="rect">
+                <a:avLst/>
+              </a:prstGeom>
+              <a:solidFill>
+                <a:schemeClr val="bg1"/>
+              </a:solidFill>
+              <a:ln>
+                <a:solidFill>
+                  <a:schemeClr val="tx1"/>
+                </a:solidFill>
+              </a:ln>
+            </p:spPr>
+            <p:style>
+              <a:lnRef idx="2">
+                <a:schemeClr val="accent1">
+                  <a:shade val="50000"/>
+                </a:schemeClr>
+              </a:lnRef>
+              <a:fillRef idx="1">
+                <a:schemeClr val="accent1"/>
+              </a:fillRef>
+              <a:effectRef idx="0">
+                <a:schemeClr val="accent1"/>
+              </a:effectRef>
+              <a:fontRef idx="minor">
+                <a:schemeClr val="lt1"/>
+              </a:fontRef>
+            </p:style>
+            <p:txBody>
+              <a:bodyPr rtlCol="0" anchor="ctr"/>
+              <a:lstStyle/>
+              <a:p>
+                <a:pPr algn="ctr"/>
+                <a:endParaRPr lang="en-US"/>
+              </a:p>
+            </p:txBody>
+          </p:sp>
+          <p:sp>
+            <p:nvSpPr>
+              <p:cNvPr id="3" name="Freeform 2"/>
+              <p:cNvSpPr/>
+              <p:nvPr/>
+            </p:nvSpPr>
+            <p:spPr>
+              <a:xfrm>
+                <a:off x="2607732" y="698164"/>
+                <a:ext cx="2528711" cy="827583"/>
+              </a:xfrm>
+              <a:custGeom>
+                <a:avLst/>
+                <a:gdLst>
+                  <a:gd name="connsiteX0" fmla="*/ 0 w 2404533"/>
+                  <a:gd name="connsiteY0" fmla="*/ 67349 h 824430"/>
+                  <a:gd name="connsiteX1" fmla="*/ 914400 w 2404533"/>
+                  <a:gd name="connsiteY1" fmla="*/ 67349 h 824430"/>
+                  <a:gd name="connsiteX2" fmla="*/ 1828800 w 2404533"/>
+                  <a:gd name="connsiteY2" fmla="*/ 767260 h 824430"/>
+                  <a:gd name="connsiteX3" fmla="*/ 2404533 w 2404533"/>
+                  <a:gd name="connsiteY3" fmla="*/ 733394 h 824430"/>
+                  <a:gd name="connsiteX0" fmla="*/ 0 w 2423583"/>
+                  <a:gd name="connsiteY0" fmla="*/ 44021 h 851902"/>
+                  <a:gd name="connsiteX1" fmla="*/ 933450 w 2423583"/>
+                  <a:gd name="connsiteY1" fmla="*/ 94821 h 851902"/>
+                  <a:gd name="connsiteX2" fmla="*/ 1847850 w 2423583"/>
+                  <a:gd name="connsiteY2" fmla="*/ 794732 h 851902"/>
+                  <a:gd name="connsiteX3" fmla="*/ 2423583 w 2423583"/>
+                  <a:gd name="connsiteY3" fmla="*/ 760866 h 851902"/>
+                  <a:gd name="connsiteX0" fmla="*/ 0 w 2423583"/>
+                  <a:gd name="connsiteY0" fmla="*/ 24516 h 832397"/>
+                  <a:gd name="connsiteX1" fmla="*/ 933450 w 2423583"/>
+                  <a:gd name="connsiteY1" fmla="*/ 75316 h 832397"/>
+                  <a:gd name="connsiteX2" fmla="*/ 1847850 w 2423583"/>
+                  <a:gd name="connsiteY2" fmla="*/ 775227 h 832397"/>
+                  <a:gd name="connsiteX3" fmla="*/ 2423583 w 2423583"/>
+                  <a:gd name="connsiteY3" fmla="*/ 741361 h 832397"/>
+                  <a:gd name="connsiteX0" fmla="*/ 0 w 2423583"/>
+                  <a:gd name="connsiteY0" fmla="*/ 14896 h 822777"/>
+                  <a:gd name="connsiteX1" fmla="*/ 933450 w 2423583"/>
+                  <a:gd name="connsiteY1" fmla="*/ 65696 h 822777"/>
+                  <a:gd name="connsiteX2" fmla="*/ 1847850 w 2423583"/>
+                  <a:gd name="connsiteY2" fmla="*/ 765607 h 822777"/>
+                  <a:gd name="connsiteX3" fmla="*/ 2423583 w 2423583"/>
+                  <a:gd name="connsiteY3" fmla="*/ 731741 h 822777"/>
+                  <a:gd name="connsiteX0" fmla="*/ 0 w 2499783"/>
+                  <a:gd name="connsiteY0" fmla="*/ 14896 h 853233"/>
+                  <a:gd name="connsiteX1" fmla="*/ 933450 w 2499783"/>
+                  <a:gd name="connsiteY1" fmla="*/ 65696 h 853233"/>
+                  <a:gd name="connsiteX2" fmla="*/ 1847850 w 2499783"/>
+                  <a:gd name="connsiteY2" fmla="*/ 765607 h 853233"/>
+                  <a:gd name="connsiteX3" fmla="*/ 2499783 w 2499783"/>
+                  <a:gd name="connsiteY3" fmla="*/ 795241 h 853233"/>
+                  <a:gd name="connsiteX0" fmla="*/ 0 w 2499783"/>
+                  <a:gd name="connsiteY0" fmla="*/ 14896 h 835144"/>
+                  <a:gd name="connsiteX1" fmla="*/ 933450 w 2499783"/>
+                  <a:gd name="connsiteY1" fmla="*/ 65696 h 835144"/>
+                  <a:gd name="connsiteX2" fmla="*/ 1847850 w 2499783"/>
+                  <a:gd name="connsiteY2" fmla="*/ 765607 h 835144"/>
+                  <a:gd name="connsiteX3" fmla="*/ 2499783 w 2499783"/>
+                  <a:gd name="connsiteY3" fmla="*/ 795241 h 835144"/>
+                  <a:gd name="connsiteX0" fmla="*/ 0 w 2499783"/>
+                  <a:gd name="connsiteY0" fmla="*/ 14896 h 817478"/>
+                  <a:gd name="connsiteX1" fmla="*/ 933450 w 2499783"/>
+                  <a:gd name="connsiteY1" fmla="*/ 65696 h 817478"/>
+                  <a:gd name="connsiteX2" fmla="*/ 1847850 w 2499783"/>
+                  <a:gd name="connsiteY2" fmla="*/ 765607 h 817478"/>
+                  <a:gd name="connsiteX3" fmla="*/ 2499783 w 2499783"/>
+                  <a:gd name="connsiteY3" fmla="*/ 795241 h 817478"/>
+                  <a:gd name="connsiteX0" fmla="*/ 0 w 2556933"/>
+                  <a:gd name="connsiteY0" fmla="*/ 14896 h 860234"/>
+                  <a:gd name="connsiteX1" fmla="*/ 933450 w 2556933"/>
+                  <a:gd name="connsiteY1" fmla="*/ 65696 h 860234"/>
+                  <a:gd name="connsiteX2" fmla="*/ 1847850 w 2556933"/>
+                  <a:gd name="connsiteY2" fmla="*/ 765607 h 860234"/>
+                  <a:gd name="connsiteX3" fmla="*/ 2556933 w 2556933"/>
+                  <a:gd name="connsiteY3" fmla="*/ 839691 h 860234"/>
+                  <a:gd name="connsiteX0" fmla="*/ 0 w 2556933"/>
+                  <a:gd name="connsiteY0" fmla="*/ 14896 h 852348"/>
+                  <a:gd name="connsiteX1" fmla="*/ 933450 w 2556933"/>
+                  <a:gd name="connsiteY1" fmla="*/ 65696 h 852348"/>
+                  <a:gd name="connsiteX2" fmla="*/ 1847850 w 2556933"/>
+                  <a:gd name="connsiteY2" fmla="*/ 765607 h 852348"/>
+                  <a:gd name="connsiteX3" fmla="*/ 2556933 w 2556933"/>
+                  <a:gd name="connsiteY3" fmla="*/ 839691 h 852348"/>
+                  <a:gd name="connsiteX0" fmla="*/ 0 w 2556933"/>
+                  <a:gd name="connsiteY0" fmla="*/ 14896 h 842479"/>
+                  <a:gd name="connsiteX1" fmla="*/ 933450 w 2556933"/>
+                  <a:gd name="connsiteY1" fmla="*/ 65696 h 842479"/>
+                  <a:gd name="connsiteX2" fmla="*/ 1847850 w 2556933"/>
+                  <a:gd name="connsiteY2" fmla="*/ 765607 h 842479"/>
+                  <a:gd name="connsiteX3" fmla="*/ 2556933 w 2556933"/>
+                  <a:gd name="connsiteY3" fmla="*/ 839691 h 842479"/>
+                  <a:gd name="connsiteX0" fmla="*/ 0 w 2556933"/>
+                  <a:gd name="connsiteY0" fmla="*/ 0 h 827583"/>
+                  <a:gd name="connsiteX1" fmla="*/ 933450 w 2556933"/>
+                  <a:gd name="connsiteY1" fmla="*/ 50800 h 827583"/>
+                  <a:gd name="connsiteX2" fmla="*/ 1847850 w 2556933"/>
+                  <a:gd name="connsiteY2" fmla="*/ 750711 h 827583"/>
+                  <a:gd name="connsiteX3" fmla="*/ 2556933 w 2556933"/>
+                  <a:gd name="connsiteY3" fmla="*/ 824795 h 827583"/>
+                </a:gdLst>
+                <a:ahLst/>
+                <a:cxnLst>
+                  <a:cxn ang="0">
+                    <a:pos x="connsiteX0" y="connsiteY0"/>
+                  </a:cxn>
+                  <a:cxn ang="0">
+                    <a:pos x="connsiteX1" y="connsiteY1"/>
+                  </a:cxn>
+                  <a:cxn ang="0">
+                    <a:pos x="connsiteX2" y="connsiteY2"/>
+                  </a:cxn>
+                  <a:cxn ang="0">
+                    <a:pos x="connsiteX3" y="connsiteY3"/>
+                  </a:cxn>
+                </a:cxnLst>
+                <a:rect l="l" t="t" r="r" b="b"/>
+                <a:pathLst>
+                  <a:path w="2556933" h="827583">
+                    <a:moveTo>
+                      <a:pt x="0" y="0"/>
+                    </a:moveTo>
+                    <a:cubicBezTo>
+                      <a:pt x="298450" y="43274"/>
+                      <a:pt x="561975" y="-48918"/>
+                      <a:pt x="933450" y="50800"/>
+                    </a:cubicBezTo>
+                    <a:cubicBezTo>
+                      <a:pt x="1304925" y="150518"/>
+                      <a:pt x="1577270" y="621712"/>
+                      <a:pt x="1847850" y="750711"/>
+                    </a:cubicBezTo>
+                    <a:cubicBezTo>
+                      <a:pt x="2118430" y="879710"/>
+                      <a:pt x="2323394" y="801981"/>
+                      <a:pt x="2556933" y="824795"/>
+                    </a:cubicBezTo>
+                  </a:path>
+                </a:pathLst>
+              </a:custGeom>
+              <a:noFill/>
+            </p:spPr>
+            <p:style>
+              <a:lnRef idx="2">
+                <a:schemeClr val="accent1">
+                  <a:shade val="50000"/>
+                </a:schemeClr>
+              </a:lnRef>
+              <a:fillRef idx="1">
+                <a:schemeClr val="accent1"/>
+              </a:fillRef>
+              <a:effectRef idx="0">
+                <a:schemeClr val="accent1"/>
+              </a:effectRef>
+              <a:fontRef idx="minor">
+                <a:schemeClr val="lt1"/>
+              </a:fontRef>
+            </p:style>
+            <p:txBody>
+              <a:bodyPr rtlCol="0" anchor="ctr"/>
+              <a:lstStyle/>
+              <a:p>
+                <a:pPr algn="ctr"/>
+                <a:endParaRPr lang="en-US"/>
+              </a:p>
+            </p:txBody>
+          </p:sp>
+        </p:grpSp>
+        <p:cxnSp>
+          <p:nvCxnSpPr>
+            <p:cNvPr id="6" name="Straight Connector 5"/>
+            <p:cNvCxnSpPr/>
+            <p:nvPr/>
+          </p:nvCxnSpPr>
+          <p:spPr>
+            <a:xfrm>
+              <a:off x="3422650" y="654756"/>
+              <a:ext cx="0" cy="914400"/>
+            </a:xfrm>
+            <a:prstGeom prst="line">
+              <a:avLst/>
+            </a:prstGeom>
+            <a:ln/>
+          </p:spPr>
+          <p:style>
+            <a:lnRef idx="3">
+              <a:schemeClr val="accent6"/>
+            </a:lnRef>
+            <a:fillRef idx="0">
+              <a:schemeClr val="accent6"/>
+            </a:fillRef>
+            <a:effectRef idx="2">
+              <a:schemeClr val="accent6"/>
+            </a:effectRef>
+            <a:fontRef idx="minor">
+              <a:schemeClr val="tx1"/>
+            </a:fontRef>
+          </p:style>
+        </p:cxnSp>
+        <p:cxnSp>
+          <p:nvCxnSpPr>
+            <p:cNvPr id="7" name="Straight Connector 6"/>
+            <p:cNvCxnSpPr/>
+            <p:nvPr/>
+          </p:nvCxnSpPr>
+          <p:spPr>
+            <a:xfrm>
+              <a:off x="4597400" y="654756"/>
+              <a:ext cx="0" cy="914400"/>
+            </a:xfrm>
+            <a:prstGeom prst="line">
+              <a:avLst/>
+            </a:prstGeom>
+            <a:ln/>
+          </p:spPr>
+          <p:style>
+            <a:lnRef idx="3">
+              <a:schemeClr val="accent6"/>
+            </a:lnRef>
+            <a:fillRef idx="0">
+              <a:schemeClr val="accent6"/>
+            </a:fillRef>
+            <a:effectRef idx="2">
+              <a:schemeClr val="accent6"/>
+            </a:effectRef>
+            <a:fontRef idx="minor">
+              <a:schemeClr val="tx1"/>
+            </a:fontRef>
+          </p:style>
+        </p:cxnSp>
+        <p:sp>
+          <p:nvSpPr>
+            <p:cNvPr id="8" name="Line Callout 2 7"/>
+            <p:cNvSpPr/>
+            <p:nvPr/>
+          </p:nvSpPr>
+          <p:spPr>
+            <a:xfrm>
+              <a:off x="3872087" y="372164"/>
+              <a:ext cx="566563" cy="202864"/>
+            </a:xfrm>
+            <a:prstGeom prst="borderCallout2">
+              <a:avLst>
+                <a:gd name="adj1" fmla="val 53182"/>
+                <a:gd name="adj2" fmla="val -488"/>
+                <a:gd name="adj3" fmla="val 53182"/>
+                <a:gd name="adj4" fmla="val -20029"/>
+                <a:gd name="adj5" fmla="val 253357"/>
+                <a:gd name="adj6" fmla="val -80291"/>
+              </a:avLst>
+            </a:prstGeom>
+            <a:solidFill>
+              <a:schemeClr val="bg1"/>
+            </a:solidFill>
+            <a:ln>
+              <a:solidFill>
+                <a:schemeClr val="tx1"/>
+              </a:solidFill>
+              <a:tailEnd type="triangle"/>
+            </a:ln>
+          </p:spPr>
+          <p:style>
+            <a:lnRef idx="2">
+              <a:schemeClr val="accent1">
+                <a:shade val="50000"/>
+              </a:schemeClr>
+            </a:lnRef>
+            <a:fillRef idx="1">
+              <a:schemeClr val="accent1"/>
+            </a:fillRef>
+            <a:effectRef idx="0">
+              <a:schemeClr val="accent1"/>
+            </a:effectRef>
+            <a:fontRef idx="minor">
+              <a:schemeClr val="lt1"/>
+            </a:fontRef>
+          </p:style>
+          <p:txBody>
+            <a:bodyPr rtlCol="0" anchor="ctr"/>
+            <a:lstStyle/>
+            <a:p>
+              <a:r>
+                <a:rPr lang="en-US" sz="1200" b="1" dirty="0" smtClean="0">
+                  <a:solidFill>
+                    <a:schemeClr val="tx1"/>
+                  </a:solidFill>
+                </a:rPr>
+                <a:t>start</a:t>
+              </a:r>
+              <a:endParaRPr lang="en-US" sz="1200" b="1" dirty="0">
+                <a:solidFill>
+                  <a:schemeClr val="tx1"/>
+                </a:solidFill>
+              </a:endParaRPr>
+            </a:p>
+          </p:txBody>
+        </p:sp>
+        <p:sp>
+          <p:nvSpPr>
+            <p:cNvPr id="10" name="Line Callout 2 9"/>
+            <p:cNvSpPr/>
+            <p:nvPr/>
+          </p:nvSpPr>
+          <p:spPr>
+            <a:xfrm>
+              <a:off x="5053187" y="372164"/>
+              <a:ext cx="566563" cy="202864"/>
+            </a:xfrm>
+            <a:prstGeom prst="borderCallout2">
+              <a:avLst>
+                <a:gd name="adj1" fmla="val 53182"/>
+                <a:gd name="adj2" fmla="val -488"/>
+                <a:gd name="adj3" fmla="val 53182"/>
+                <a:gd name="adj4" fmla="val -20029"/>
+                <a:gd name="adj5" fmla="val 253357"/>
+                <a:gd name="adj6" fmla="val -80291"/>
+              </a:avLst>
+            </a:prstGeom>
+            <a:solidFill>
+              <a:schemeClr val="bg1"/>
+            </a:solidFill>
+            <a:ln>
+              <a:solidFill>
+                <a:schemeClr val="tx1"/>
+              </a:solidFill>
+              <a:tailEnd type="triangle"/>
+            </a:ln>
+          </p:spPr>
+          <p:style>
+            <a:lnRef idx="2">
+              <a:schemeClr val="accent1">
+                <a:shade val="50000"/>
+              </a:schemeClr>
+            </a:lnRef>
+            <a:fillRef idx="1">
+              <a:schemeClr val="accent1"/>
+            </a:fillRef>
+            <a:effectRef idx="0">
+              <a:schemeClr val="accent1"/>
+            </a:effectRef>
+            <a:fontRef idx="minor">
+              <a:schemeClr val="lt1"/>
+            </a:fontRef>
+          </p:style>
+          <p:txBody>
+            <a:bodyPr rtlCol="0" anchor="ctr"/>
+            <a:lstStyle/>
+            <a:p>
+              <a:r>
+                <a:rPr lang="en-US" sz="1200" b="1" dirty="0" smtClean="0">
+                  <a:solidFill>
+                    <a:schemeClr val="tx1"/>
+                  </a:solidFill>
+                </a:rPr>
+                <a:t>stop</a:t>
+              </a:r>
+              <a:endParaRPr lang="en-US" sz="1200" b="1" dirty="0">
+                <a:solidFill>
+                  <a:schemeClr val="tx1"/>
+                </a:solidFill>
+              </a:endParaRPr>
+            </a:p>
+          </p:txBody>
+        </p:sp>
+      </p:grpSp>
+      <p:sp>
+        <p:nvSpPr>
+          <p:cNvPr id="12" name="Flowchart: Terminator 11">
+            <a:extLst>
+              <a:ext uri="{FF2B5EF4-FFF2-40B4-BE49-F238E27FC236}">
+                <a16:creationId xmlns:a16="http://schemas.microsoft.com/office/drawing/2014/main" id="{31E92B87-AF49-4229-8B08-2F4B0AD76EFB}"/>
+              </a:ext>
+            </a:extLst>
+          </p:cNvPr>
+          <p:cNvSpPr/>
+          <p:nvPr/>
+        </p:nvSpPr>
+        <p:spPr>
+          <a:xfrm>
+            <a:off x="395236" y="2203303"/>
+            <a:ext cx="644434" cy="301752"/>
+          </a:xfrm>
+          <a:prstGeom prst="flowChartTerminator">
+            <a:avLst/>
+          </a:prstGeom>
+          <a:ln w="19050">
+            <a:solidFill>
+              <a:schemeClr val="tx1"/>
+            </a:solidFill>
+          </a:ln>
+        </p:spPr>
+        <p:style>
+          <a:lnRef idx="2">
+            <a:schemeClr val="accent1">
+              <a:shade val="50000"/>
+            </a:schemeClr>
+          </a:lnRef>
+          <a:fillRef idx="1">
+            <a:schemeClr val="accent1"/>
+          </a:fillRef>
+          <a:effectRef idx="0">
+            <a:schemeClr val="accent1"/>
+          </a:effectRef>
+          <a:fontRef idx="minor">
+            <a:schemeClr val="lt1"/>
+          </a:fontRef>
+        </p:style>
+        <p:txBody>
+          <a:bodyPr lIns="0" tIns="0" rIns="0" bIns="0" rtlCol="0" anchor="ctr"/>
+          <a:lstStyle/>
+          <a:p>
+            <a:pPr algn="ctr"/>
+            <a:r>
+              <a:rPr lang="en-US" sz="1200" b="1" dirty="0"/>
+              <a:t>START</a:t>
+            </a:r>
+          </a:p>
+        </p:txBody>
+      </p:sp>
+      <p:sp>
+        <p:nvSpPr>
+          <p:cNvPr id="13" name="Rounded Rectangle 12"/>
+          <p:cNvSpPr/>
+          <p:nvPr/>
+        </p:nvSpPr>
+        <p:spPr>
+          <a:xfrm>
+            <a:off x="1932188" y="2309224"/>
+            <a:ext cx="1071194" cy="439250"/>
+          </a:xfrm>
+          <a:prstGeom prst="roundRect">
+            <a:avLst/>
+          </a:prstGeom>
+          <a:solidFill>
+            <a:schemeClr val="accent6">
+              <a:lumMod val="20000"/>
+              <a:lumOff val="80000"/>
+            </a:schemeClr>
+          </a:solidFill>
+          <a:ln w="19050">
+            <a:solidFill>
+              <a:schemeClr val="tx1"/>
+            </a:solidFill>
+          </a:ln>
+        </p:spPr>
+        <p:style>
+          <a:lnRef idx="2">
+            <a:schemeClr val="accent1">
+              <a:shade val="50000"/>
+            </a:schemeClr>
+          </a:lnRef>
+          <a:fillRef idx="1">
+            <a:schemeClr val="accent1"/>
+          </a:fillRef>
+          <a:effectRef idx="0">
+            <a:schemeClr val="accent1"/>
+          </a:effectRef>
+          <a:fontRef idx="minor">
+            <a:schemeClr val="lt1"/>
+          </a:fontRef>
+        </p:style>
+        <p:txBody>
+          <a:bodyPr rtlCol="0" anchor="ctr"/>
+          <a:lstStyle/>
+          <a:p>
+            <a:pPr algn="ctr"/>
+            <a:r>
+              <a:rPr lang="en-US" sz="1000" b="1" dirty="0" smtClean="0">
+                <a:solidFill>
+                  <a:schemeClr val="tx1"/>
+                </a:solidFill>
+              </a:rPr>
+              <a:t>Read in Image[</a:t>
+            </a:r>
+            <a:r>
+              <a:rPr lang="en-US" sz="1000" b="1" dirty="0" err="1" smtClean="0">
+                <a:solidFill>
+                  <a:schemeClr val="tx1"/>
+                </a:solidFill>
+              </a:rPr>
+              <a:t>idx</a:t>
+            </a:r>
+            <a:r>
+              <a:rPr lang="en-US" sz="1000" b="1" dirty="0" smtClean="0">
+                <a:solidFill>
+                  <a:schemeClr val="tx1"/>
+                </a:solidFill>
+              </a:rPr>
+              <a:t>]</a:t>
+            </a:r>
+            <a:endParaRPr lang="en-US" sz="1000" b="1" dirty="0" smtClean="0">
+              <a:solidFill>
+                <a:schemeClr val="tx1"/>
+              </a:solidFill>
+            </a:endParaRPr>
+          </a:p>
+        </p:txBody>
+      </p:sp>
+      <p:cxnSp>
+        <p:nvCxnSpPr>
+          <p:cNvPr id="14" name="Connector: Elbow 51">
+            <a:extLst>
+              <a:ext uri="{FF2B5EF4-FFF2-40B4-BE49-F238E27FC236}">
+                <a16:creationId xmlns:a16="http://schemas.microsoft.com/office/drawing/2014/main" id="{11038180-DCFA-46DA-92B2-5F5EC9127D00}"/>
+              </a:ext>
+            </a:extLst>
+          </p:cNvPr>
+          <p:cNvCxnSpPr>
+            <a:cxnSpLocks/>
+            <a:stCxn id="12" idx="3"/>
+            <a:endCxn id="13" idx="1"/>
+          </p:cNvCxnSpPr>
+          <p:nvPr/>
+        </p:nvCxnSpPr>
+        <p:spPr>
+          <a:xfrm>
+            <a:off x="1039670" y="2354179"/>
+            <a:ext cx="892518" cy="174670"/>
+          </a:xfrm>
+          <a:prstGeom prst="bentConnector3">
+            <a:avLst>
+              <a:gd name="adj1" fmla="val 50000"/>
+            </a:avLst>
+          </a:prstGeom>
+          <a:ln w="19050">
+            <a:solidFill>
+              <a:schemeClr val="tx1"/>
+            </a:solidFill>
+            <a:tailEnd type="triangle"/>
+          </a:ln>
+        </p:spPr>
+        <p:style>
+          <a:lnRef idx="1">
+            <a:schemeClr val="accent1"/>
+          </a:lnRef>
+          <a:fillRef idx="0">
+            <a:schemeClr val="accent1"/>
+          </a:fillRef>
+          <a:effectRef idx="0">
+            <a:schemeClr val="accent1"/>
+          </a:effectRef>
+          <a:fontRef idx="minor">
+            <a:schemeClr val="tx1"/>
+          </a:fontRef>
+        </p:style>
+      </p:cxnSp>
+      <p:sp>
+        <p:nvSpPr>
+          <p:cNvPr id="15" name="Rounded Rectangle 14"/>
+          <p:cNvSpPr/>
+          <p:nvPr/>
+        </p:nvSpPr>
+        <p:spPr>
+          <a:xfrm>
+            <a:off x="4950948" y="2309224"/>
+            <a:ext cx="1071194" cy="439250"/>
+          </a:xfrm>
+          <a:prstGeom prst="roundRect">
+            <a:avLst/>
+          </a:prstGeom>
+          <a:solidFill>
+            <a:schemeClr val="accent6">
+              <a:lumMod val="20000"/>
+              <a:lumOff val="80000"/>
+            </a:schemeClr>
+          </a:solidFill>
+          <a:ln w="19050">
+            <a:solidFill>
+              <a:schemeClr val="tx1"/>
+            </a:solidFill>
+          </a:ln>
+        </p:spPr>
+        <p:style>
+          <a:lnRef idx="2">
+            <a:schemeClr val="accent1">
+              <a:shade val="50000"/>
+            </a:schemeClr>
+          </a:lnRef>
+          <a:fillRef idx="1">
+            <a:schemeClr val="accent1"/>
+          </a:fillRef>
+          <a:effectRef idx="0">
+            <a:schemeClr val="accent1"/>
+          </a:effectRef>
+          <a:fontRef idx="minor">
+            <a:schemeClr val="lt1"/>
+          </a:fontRef>
+        </p:style>
+        <p:txBody>
+          <a:bodyPr rtlCol="0" anchor="ctr"/>
+          <a:lstStyle/>
+          <a:p>
+            <a:pPr algn="ctr"/>
+            <a:r>
+              <a:rPr lang="en-US" sz="1000" b="1" dirty="0" smtClean="0">
+                <a:solidFill>
+                  <a:schemeClr val="tx1"/>
+                </a:solidFill>
+              </a:rPr>
+              <a:t>Slice Image</a:t>
+            </a:r>
+            <a:endParaRPr lang="en-US" sz="1000" b="1" dirty="0" smtClean="0">
+              <a:solidFill>
+                <a:schemeClr val="tx1"/>
+              </a:solidFill>
+            </a:endParaRPr>
+          </a:p>
+        </p:txBody>
+      </p:sp>
+      <p:sp>
+        <p:nvSpPr>
+          <p:cNvPr id="16" name="Rounded Rectangle 15"/>
+          <p:cNvSpPr/>
+          <p:nvPr/>
+        </p:nvSpPr>
+        <p:spPr>
+          <a:xfrm>
+            <a:off x="6438103" y="2355713"/>
+            <a:ext cx="1071194" cy="439250"/>
+          </a:xfrm>
+          <a:prstGeom prst="roundRect">
+            <a:avLst/>
+          </a:prstGeom>
+          <a:solidFill>
+            <a:schemeClr val="accent6">
+              <a:lumMod val="20000"/>
+              <a:lumOff val="80000"/>
+            </a:schemeClr>
+          </a:solidFill>
+          <a:ln w="19050">
+            <a:solidFill>
+              <a:schemeClr val="tx1"/>
+            </a:solidFill>
+          </a:ln>
+        </p:spPr>
+        <p:style>
+          <a:lnRef idx="2">
+            <a:schemeClr val="accent1">
+              <a:shade val="50000"/>
+            </a:schemeClr>
+          </a:lnRef>
+          <a:fillRef idx="1">
+            <a:schemeClr val="accent1"/>
+          </a:fillRef>
+          <a:effectRef idx="0">
+            <a:schemeClr val="accent1"/>
+          </a:effectRef>
+          <a:fontRef idx="minor">
+            <a:schemeClr val="lt1"/>
+          </a:fontRef>
+        </p:style>
+        <p:txBody>
+          <a:bodyPr rtlCol="0" anchor="ctr"/>
+          <a:lstStyle/>
+          <a:p>
+            <a:pPr algn="ctr"/>
+            <a:r>
+              <a:rPr lang="en-US" sz="1000" b="1" dirty="0" smtClean="0">
+                <a:solidFill>
+                  <a:schemeClr val="tx1"/>
+                </a:solidFill>
+              </a:rPr>
+              <a:t>Find Start Point</a:t>
+            </a:r>
+            <a:endParaRPr lang="en-US" sz="1000" b="1" dirty="0" smtClean="0">
+              <a:solidFill>
+                <a:schemeClr val="tx1"/>
+              </a:solidFill>
+            </a:endParaRPr>
+          </a:p>
+        </p:txBody>
+      </p:sp>
+      <p:sp>
+        <p:nvSpPr>
+          <p:cNvPr id="17" name="Rounded Rectangle 16"/>
+          <p:cNvSpPr/>
+          <p:nvPr/>
+        </p:nvSpPr>
+        <p:spPr>
+          <a:xfrm>
+            <a:off x="2694620" y="3292933"/>
+            <a:ext cx="1071194" cy="439250"/>
+          </a:xfrm>
+          <a:prstGeom prst="roundRect">
+            <a:avLst/>
+          </a:prstGeom>
+          <a:solidFill>
+            <a:schemeClr val="accent6">
+              <a:lumMod val="20000"/>
+              <a:lumOff val="80000"/>
+            </a:schemeClr>
+          </a:solidFill>
+          <a:ln w="19050">
+            <a:solidFill>
+              <a:schemeClr val="tx1"/>
+            </a:solidFill>
+          </a:ln>
+        </p:spPr>
+        <p:style>
+          <a:lnRef idx="2">
+            <a:schemeClr val="accent1">
+              <a:shade val="50000"/>
+            </a:schemeClr>
+          </a:lnRef>
+          <a:fillRef idx="1">
+            <a:schemeClr val="accent1"/>
+          </a:fillRef>
+          <a:effectRef idx="0">
+            <a:schemeClr val="accent1"/>
+          </a:effectRef>
+          <a:fontRef idx="minor">
+            <a:schemeClr val="lt1"/>
+          </a:fontRef>
+        </p:style>
+        <p:txBody>
+          <a:bodyPr rtlCol="0" anchor="ctr"/>
+          <a:lstStyle/>
+          <a:p>
+            <a:pPr algn="ctr"/>
+            <a:r>
+              <a:rPr lang="en-US" sz="1000" b="1" dirty="0" smtClean="0">
+                <a:solidFill>
+                  <a:schemeClr val="tx1"/>
+                </a:solidFill>
+              </a:rPr>
+              <a:t>Find Stop Point</a:t>
+            </a:r>
+            <a:endParaRPr lang="en-US" sz="1000" b="1" dirty="0" smtClean="0">
+              <a:solidFill>
+                <a:schemeClr val="tx1"/>
+              </a:solidFill>
+            </a:endParaRPr>
+          </a:p>
+        </p:txBody>
+      </p:sp>
+      <p:sp>
+        <p:nvSpPr>
+          <p:cNvPr id="18" name="Rounded Rectangle 17"/>
+          <p:cNvSpPr/>
+          <p:nvPr/>
+        </p:nvSpPr>
+        <p:spPr>
+          <a:xfrm>
+            <a:off x="4179377" y="3299334"/>
+            <a:ext cx="1071194" cy="553020"/>
+          </a:xfrm>
+          <a:prstGeom prst="roundRect">
+            <a:avLst/>
+          </a:prstGeom>
+          <a:solidFill>
+            <a:schemeClr val="accent6">
+              <a:lumMod val="20000"/>
+              <a:lumOff val="80000"/>
+            </a:schemeClr>
+          </a:solidFill>
+          <a:ln w="19050">
+            <a:solidFill>
+              <a:schemeClr val="tx1"/>
+            </a:solidFill>
+          </a:ln>
+        </p:spPr>
+        <p:style>
+          <a:lnRef idx="2">
+            <a:schemeClr val="accent1">
+              <a:shade val="50000"/>
+            </a:schemeClr>
+          </a:lnRef>
+          <a:fillRef idx="1">
+            <a:schemeClr val="accent1"/>
+          </a:fillRef>
+          <a:effectRef idx="0">
+            <a:schemeClr val="accent1"/>
+          </a:effectRef>
+          <a:fontRef idx="minor">
+            <a:schemeClr val="lt1"/>
+          </a:fontRef>
+        </p:style>
+        <p:txBody>
+          <a:bodyPr rtlCol="0" anchor="ctr"/>
+          <a:lstStyle/>
+          <a:p>
+            <a:pPr algn="ctr"/>
+            <a:r>
+              <a:rPr lang="en-US" sz="1000" b="1" dirty="0" smtClean="0">
+                <a:solidFill>
+                  <a:schemeClr val="tx1"/>
+                </a:solidFill>
+              </a:rPr>
+              <a:t>Count Pixels between start and stop</a:t>
+            </a:r>
+            <a:endParaRPr lang="en-US" sz="1000" b="1" dirty="0" smtClean="0">
+              <a:solidFill>
+                <a:schemeClr val="tx1"/>
+              </a:solidFill>
+            </a:endParaRPr>
+          </a:p>
+        </p:txBody>
+      </p:sp>
+      <p:cxnSp>
+        <p:nvCxnSpPr>
+          <p:cNvPr id="21" name="Connector: Elbow 51">
+            <a:extLst>
+              <a:ext uri="{FF2B5EF4-FFF2-40B4-BE49-F238E27FC236}">
+                <a16:creationId xmlns:a16="http://schemas.microsoft.com/office/drawing/2014/main" id="{11038180-DCFA-46DA-92B2-5F5EC9127D00}"/>
+              </a:ext>
+            </a:extLst>
+          </p:cNvPr>
+          <p:cNvCxnSpPr>
+            <a:cxnSpLocks/>
+            <a:stCxn id="13" idx="3"/>
+            <a:endCxn id="73" idx="1"/>
+          </p:cNvCxnSpPr>
+          <p:nvPr/>
+        </p:nvCxnSpPr>
+        <p:spPr>
+          <a:xfrm>
+            <a:off x="3003382" y="2528849"/>
+            <a:ext cx="404425" cy="34685"/>
+          </a:xfrm>
+          <a:prstGeom prst="bentConnector3">
+            <a:avLst>
+              <a:gd name="adj1" fmla="val 50000"/>
+            </a:avLst>
+          </a:prstGeom>
+          <a:ln w="19050">
+            <a:solidFill>
+              <a:schemeClr val="tx1"/>
+            </a:solidFill>
+            <a:tailEnd type="triangle"/>
+          </a:ln>
+        </p:spPr>
+        <p:style>
+          <a:lnRef idx="1">
+            <a:schemeClr val="accent1"/>
+          </a:lnRef>
+          <a:fillRef idx="0">
+            <a:schemeClr val="accent1"/>
+          </a:fillRef>
+          <a:effectRef idx="0">
+            <a:schemeClr val="accent1"/>
+          </a:effectRef>
+          <a:fontRef idx="minor">
+            <a:schemeClr val="tx1"/>
+          </a:fontRef>
+        </p:style>
+      </p:cxnSp>
+      <p:cxnSp>
+        <p:nvCxnSpPr>
+          <p:cNvPr id="26" name="Connector: Elbow 51">
+            <a:extLst>
+              <a:ext uri="{FF2B5EF4-FFF2-40B4-BE49-F238E27FC236}">
+                <a16:creationId xmlns:a16="http://schemas.microsoft.com/office/drawing/2014/main" id="{11038180-DCFA-46DA-92B2-5F5EC9127D00}"/>
+              </a:ext>
+            </a:extLst>
+          </p:cNvPr>
+          <p:cNvCxnSpPr>
+            <a:cxnSpLocks/>
+            <a:stCxn id="15" idx="3"/>
+            <a:endCxn id="16" idx="1"/>
+          </p:cNvCxnSpPr>
+          <p:nvPr/>
+        </p:nvCxnSpPr>
+        <p:spPr>
+          <a:xfrm>
+            <a:off x="6022142" y="2528849"/>
+            <a:ext cx="415961" cy="46489"/>
+          </a:xfrm>
+          <a:prstGeom prst="bentConnector3">
+            <a:avLst>
+              <a:gd name="adj1" fmla="val 50000"/>
+            </a:avLst>
+          </a:prstGeom>
+          <a:ln w="19050">
+            <a:solidFill>
+              <a:schemeClr val="tx1"/>
+            </a:solidFill>
+            <a:tailEnd type="triangle"/>
+          </a:ln>
+        </p:spPr>
+        <p:style>
+          <a:lnRef idx="1">
+            <a:schemeClr val="accent1"/>
+          </a:lnRef>
+          <a:fillRef idx="0">
+            <a:schemeClr val="accent1"/>
+          </a:fillRef>
+          <a:effectRef idx="0">
+            <a:schemeClr val="accent1"/>
+          </a:effectRef>
+          <a:fontRef idx="minor">
+            <a:schemeClr val="tx1"/>
+          </a:fontRef>
+        </p:style>
+      </p:cxnSp>
+      <p:cxnSp>
+        <p:nvCxnSpPr>
+          <p:cNvPr id="30" name="Connector: Elbow 51">
+            <a:extLst>
+              <a:ext uri="{FF2B5EF4-FFF2-40B4-BE49-F238E27FC236}">
+                <a16:creationId xmlns:a16="http://schemas.microsoft.com/office/drawing/2014/main" id="{11038180-DCFA-46DA-92B2-5F5EC9127D00}"/>
+              </a:ext>
+            </a:extLst>
+          </p:cNvPr>
+          <p:cNvCxnSpPr>
+            <a:cxnSpLocks/>
+            <a:stCxn id="16" idx="3"/>
+            <a:endCxn id="17" idx="1"/>
+          </p:cNvCxnSpPr>
+          <p:nvPr/>
+        </p:nvCxnSpPr>
+        <p:spPr>
+          <a:xfrm flipH="1">
+            <a:off x="2694620" y="2575338"/>
+            <a:ext cx="4814677" cy="937220"/>
+          </a:xfrm>
+          <a:prstGeom prst="bentConnector5">
+            <a:avLst>
+              <a:gd name="adj1" fmla="val -4748"/>
+              <a:gd name="adj2" fmla="val 50000"/>
+              <a:gd name="adj3" fmla="val 104748"/>
+            </a:avLst>
+          </a:prstGeom>
+          <a:ln w="19050">
+            <a:solidFill>
+              <a:schemeClr val="tx1"/>
+            </a:solidFill>
+            <a:tailEnd type="triangle"/>
+          </a:ln>
+        </p:spPr>
+        <p:style>
+          <a:lnRef idx="1">
+            <a:schemeClr val="accent1"/>
+          </a:lnRef>
+          <a:fillRef idx="0">
+            <a:schemeClr val="accent1"/>
+          </a:fillRef>
+          <a:effectRef idx="0">
+            <a:schemeClr val="accent1"/>
+          </a:effectRef>
+          <a:fontRef idx="minor">
+            <a:schemeClr val="tx1"/>
+          </a:fontRef>
+        </p:style>
+      </p:cxnSp>
+      <p:cxnSp>
+        <p:nvCxnSpPr>
+          <p:cNvPr id="33" name="Connector: Elbow 51">
+            <a:extLst>
+              <a:ext uri="{FF2B5EF4-FFF2-40B4-BE49-F238E27FC236}">
+                <a16:creationId xmlns:a16="http://schemas.microsoft.com/office/drawing/2014/main" id="{11038180-DCFA-46DA-92B2-5F5EC9127D00}"/>
+              </a:ext>
+            </a:extLst>
+          </p:cNvPr>
+          <p:cNvCxnSpPr>
+            <a:cxnSpLocks/>
+            <a:stCxn id="17" idx="3"/>
+            <a:endCxn id="18" idx="1"/>
+          </p:cNvCxnSpPr>
+          <p:nvPr/>
+        </p:nvCxnSpPr>
+        <p:spPr>
+          <a:xfrm>
+            <a:off x="3765814" y="3512558"/>
+            <a:ext cx="413563" cy="63286"/>
+          </a:xfrm>
+          <a:prstGeom prst="bentConnector3">
+            <a:avLst>
+              <a:gd name="adj1" fmla="val 50000"/>
+            </a:avLst>
+          </a:prstGeom>
+          <a:ln w="19050">
+            <a:solidFill>
+              <a:schemeClr val="tx1"/>
+            </a:solidFill>
+            <a:tailEnd type="triangle"/>
+          </a:ln>
+        </p:spPr>
+        <p:style>
+          <a:lnRef idx="1">
+            <a:schemeClr val="accent1"/>
+          </a:lnRef>
+          <a:fillRef idx="0">
+            <a:schemeClr val="accent1"/>
+          </a:fillRef>
+          <a:effectRef idx="0">
+            <a:schemeClr val="accent1"/>
+          </a:effectRef>
+          <a:fontRef idx="minor">
+            <a:schemeClr val="tx1"/>
+          </a:fontRef>
+        </p:style>
+      </p:cxnSp>
+      <p:sp>
+        <p:nvSpPr>
+          <p:cNvPr id="36" name="Rounded Rectangle 35"/>
+          <p:cNvSpPr/>
+          <p:nvPr/>
+        </p:nvSpPr>
+        <p:spPr>
+          <a:xfrm>
+            <a:off x="5769826" y="3292778"/>
+            <a:ext cx="1071194" cy="439250"/>
+          </a:xfrm>
+          <a:prstGeom prst="roundRect">
+            <a:avLst/>
+          </a:prstGeom>
+          <a:solidFill>
+            <a:schemeClr val="accent6">
+              <a:lumMod val="20000"/>
+              <a:lumOff val="80000"/>
+            </a:schemeClr>
+          </a:solidFill>
+          <a:ln w="19050">
+            <a:solidFill>
+              <a:schemeClr val="tx1"/>
+            </a:solidFill>
+          </a:ln>
+        </p:spPr>
+        <p:style>
+          <a:lnRef idx="2">
+            <a:schemeClr val="accent1">
+              <a:shade val="50000"/>
+            </a:schemeClr>
+          </a:lnRef>
+          <a:fillRef idx="1">
+            <a:schemeClr val="accent1"/>
+          </a:fillRef>
+          <a:effectRef idx="0">
+            <a:schemeClr val="accent1"/>
+          </a:effectRef>
+          <a:fontRef idx="minor">
+            <a:schemeClr val="lt1"/>
+          </a:fontRef>
+        </p:style>
+        <p:txBody>
+          <a:bodyPr rtlCol="0" anchor="ctr"/>
+          <a:lstStyle/>
+          <a:p>
+            <a:pPr algn="ctr"/>
+            <a:r>
+              <a:rPr lang="en-US" sz="1000" b="1" dirty="0" smtClean="0">
+                <a:solidFill>
+                  <a:schemeClr val="tx1"/>
+                </a:solidFill>
+              </a:rPr>
+              <a:t>save results</a:t>
+            </a:r>
+            <a:endParaRPr lang="en-US" sz="1000" b="1" dirty="0" smtClean="0">
+              <a:solidFill>
+                <a:schemeClr val="tx1"/>
+              </a:solidFill>
+            </a:endParaRPr>
+          </a:p>
+        </p:txBody>
+      </p:sp>
+      <p:cxnSp>
+        <p:nvCxnSpPr>
+          <p:cNvPr id="38" name="Connector: Elbow 51">
+            <a:extLst>
+              <a:ext uri="{FF2B5EF4-FFF2-40B4-BE49-F238E27FC236}">
+                <a16:creationId xmlns:a16="http://schemas.microsoft.com/office/drawing/2014/main" id="{11038180-DCFA-46DA-92B2-5F5EC9127D00}"/>
+              </a:ext>
+            </a:extLst>
+          </p:cNvPr>
+          <p:cNvCxnSpPr>
+            <a:cxnSpLocks/>
+            <a:stCxn id="18" idx="3"/>
+            <a:endCxn id="36" idx="1"/>
+          </p:cNvCxnSpPr>
+          <p:nvPr/>
+        </p:nvCxnSpPr>
+        <p:spPr>
+          <a:xfrm flipV="1">
+            <a:off x="5250571" y="3512403"/>
+            <a:ext cx="519255" cy="63441"/>
+          </a:xfrm>
+          <a:prstGeom prst="bentConnector3">
+            <a:avLst>
+              <a:gd name="adj1" fmla="val 50000"/>
+            </a:avLst>
+          </a:prstGeom>
+          <a:ln w="19050">
+            <a:solidFill>
+              <a:schemeClr val="tx1"/>
+            </a:solidFill>
+            <a:tailEnd type="triangle"/>
+          </a:ln>
+        </p:spPr>
+        <p:style>
+          <a:lnRef idx="1">
+            <a:schemeClr val="accent1"/>
+          </a:lnRef>
+          <a:fillRef idx="0">
+            <a:schemeClr val="accent1"/>
+          </a:fillRef>
+          <a:effectRef idx="0">
+            <a:schemeClr val="accent1"/>
+          </a:effectRef>
+          <a:fontRef idx="minor">
+            <a:schemeClr val="tx1"/>
+          </a:fontRef>
+        </p:style>
+      </p:cxnSp>
+      <p:grpSp>
+        <p:nvGrpSpPr>
+          <p:cNvPr id="41" name="Group 40"/>
+          <p:cNvGrpSpPr/>
+          <p:nvPr/>
+        </p:nvGrpSpPr>
+        <p:grpSpPr>
+          <a:xfrm>
+            <a:off x="1684104" y="2115741"/>
+            <a:ext cx="6380396" cy="2037159"/>
+            <a:chOff x="3321533" y="3449912"/>
+            <a:chExt cx="4516182" cy="2461434"/>
+          </a:xfrm>
+        </p:grpSpPr>
+        <p:sp>
+          <p:nvSpPr>
+            <p:cNvPr id="42" name="Rectangle: Rounded Corners 19">
+              <a:extLst>
+                <a:ext uri="{FF2B5EF4-FFF2-40B4-BE49-F238E27FC236}">
+                  <a16:creationId xmlns:a16="http://schemas.microsoft.com/office/drawing/2014/main" id="{5C9B8401-948D-495C-B8F1-808A7E976A8F}"/>
+                </a:ext>
+              </a:extLst>
+            </p:cNvPr>
+            <p:cNvSpPr/>
+            <p:nvPr/>
+          </p:nvSpPr>
+          <p:spPr>
+            <a:xfrm>
+              <a:off x="3321533" y="3449912"/>
+              <a:ext cx="4516182" cy="2461434"/>
+            </a:xfrm>
+            <a:prstGeom prst="roundRect">
+              <a:avLst>
+                <a:gd name="adj" fmla="val 7760"/>
+              </a:avLst>
+            </a:prstGeom>
+            <a:noFill/>
+            <a:ln w="31750">
+              <a:solidFill>
+                <a:schemeClr val="tx1"/>
+              </a:solidFill>
+            </a:ln>
+          </p:spPr>
+          <p:style>
+            <a:lnRef idx="2">
+              <a:schemeClr val="accent1">
+                <a:shade val="50000"/>
+              </a:schemeClr>
+            </a:lnRef>
+            <a:fillRef idx="1">
+              <a:schemeClr val="accent1"/>
+            </a:fillRef>
+            <a:effectRef idx="0">
+              <a:schemeClr val="accent1"/>
+            </a:effectRef>
+            <a:fontRef idx="minor">
+              <a:schemeClr val="lt1"/>
+            </a:fontRef>
+          </p:style>
+          <p:txBody>
+            <a:bodyPr rtlCol="0" anchor="ctr"/>
+            <a:lstStyle/>
+            <a:p>
+              <a:pPr algn="ctr"/>
+              <a:endParaRPr lang="en-US"/>
+            </a:p>
+          </p:txBody>
+        </p:sp>
+        <p:cxnSp>
+          <p:nvCxnSpPr>
+            <p:cNvPr id="43" name="Straight Arrow Connector 42">
+              <a:extLst>
+                <a:ext uri="{FF2B5EF4-FFF2-40B4-BE49-F238E27FC236}">
+                  <a16:creationId xmlns:a16="http://schemas.microsoft.com/office/drawing/2014/main" id="{EB95E9C5-AEDD-4733-B4EF-1F428364C482}"/>
+                </a:ext>
+              </a:extLst>
+            </p:cNvPr>
+            <p:cNvCxnSpPr>
+              <a:cxnSpLocks/>
+            </p:cNvCxnSpPr>
+            <p:nvPr/>
+          </p:nvCxnSpPr>
+          <p:spPr>
+            <a:xfrm flipH="1">
+              <a:off x="3540323" y="5911346"/>
+              <a:ext cx="493124" cy="0"/>
+            </a:xfrm>
+            <a:prstGeom prst="straightConnector1">
+              <a:avLst/>
+            </a:prstGeom>
+            <a:ln w="25400">
+              <a:solidFill>
+                <a:schemeClr val="tx1"/>
+              </a:solidFill>
+              <a:tailEnd type="triangle" w="lg" len="lg"/>
+            </a:ln>
+          </p:spPr>
+          <p:style>
+            <a:lnRef idx="1">
+              <a:schemeClr val="accent1"/>
+            </a:lnRef>
+            <a:fillRef idx="0">
+              <a:schemeClr val="accent1"/>
+            </a:fillRef>
+            <a:effectRef idx="0">
+              <a:schemeClr val="accent1"/>
+            </a:effectRef>
+            <a:fontRef idx="minor">
+              <a:schemeClr val="tx1"/>
+            </a:fontRef>
+          </p:style>
+        </p:cxnSp>
+      </p:grpSp>
+      <p:cxnSp>
+        <p:nvCxnSpPr>
+          <p:cNvPr id="48" name="Straight Connector 47"/>
+          <p:cNvCxnSpPr>
+            <a:stCxn id="15" idx="0"/>
+          </p:cNvCxnSpPr>
+          <p:nvPr/>
+        </p:nvCxnSpPr>
+        <p:spPr>
+          <a:xfrm flipH="1" flipV="1">
+            <a:off x="3969590" y="1534051"/>
+            <a:ext cx="1516955" cy="775173"/>
+          </a:xfrm>
+          <a:prstGeom prst="line">
+            <a:avLst/>
+          </a:prstGeom>
+        </p:spPr>
+        <p:style>
+          <a:lnRef idx="1">
+            <a:schemeClr val="accent1"/>
+          </a:lnRef>
+          <a:fillRef idx="0">
+            <a:schemeClr val="accent1"/>
+          </a:fillRef>
+          <a:effectRef idx="0">
+            <a:schemeClr val="accent1"/>
+          </a:effectRef>
+          <a:fontRef idx="minor">
+            <a:schemeClr val="tx1"/>
+          </a:fontRef>
+        </p:style>
+      </p:cxnSp>
+      <p:cxnSp>
+        <p:nvCxnSpPr>
+          <p:cNvPr id="50" name="Straight Connector 49"/>
+          <p:cNvCxnSpPr>
+            <a:stCxn id="15" idx="0"/>
+          </p:cNvCxnSpPr>
+          <p:nvPr/>
+        </p:nvCxnSpPr>
+        <p:spPr>
+          <a:xfrm flipV="1">
+            <a:off x="5486545" y="1534051"/>
+            <a:ext cx="1007544" cy="775173"/>
+          </a:xfrm>
+          <a:prstGeom prst="line">
+            <a:avLst/>
+          </a:prstGeom>
+        </p:spPr>
+        <p:style>
+          <a:lnRef idx="1">
+            <a:schemeClr val="accent1"/>
+          </a:lnRef>
+          <a:fillRef idx="0">
+            <a:schemeClr val="accent1"/>
+          </a:fillRef>
+          <a:effectRef idx="0">
+            <a:schemeClr val="accent1"/>
+          </a:effectRef>
+          <a:fontRef idx="minor">
+            <a:schemeClr val="tx1"/>
+          </a:fontRef>
+        </p:style>
+      </p:cxnSp>
+      <p:sp>
+        <p:nvSpPr>
+          <p:cNvPr id="55" name="Flowchart: Terminator 54">
+            <a:extLst>
+              <a:ext uri="{FF2B5EF4-FFF2-40B4-BE49-F238E27FC236}">
+                <a16:creationId xmlns:a16="http://schemas.microsoft.com/office/drawing/2014/main" id="{31E92B87-AF49-4229-8B08-2F4B0AD76EFB}"/>
+              </a:ext>
+            </a:extLst>
+          </p:cNvPr>
+          <p:cNvSpPr/>
+          <p:nvPr/>
+        </p:nvSpPr>
+        <p:spPr>
+          <a:xfrm>
+            <a:off x="8064500" y="4436894"/>
+            <a:ext cx="644434" cy="301752"/>
+          </a:xfrm>
+          <a:prstGeom prst="flowChartTerminator">
+            <a:avLst/>
+          </a:prstGeom>
+          <a:ln w="19050">
+            <a:solidFill>
+              <a:schemeClr val="tx1"/>
+            </a:solidFill>
+          </a:ln>
+        </p:spPr>
+        <p:style>
+          <a:lnRef idx="2">
+            <a:schemeClr val="accent1">
+              <a:shade val="50000"/>
+            </a:schemeClr>
+          </a:lnRef>
+          <a:fillRef idx="1">
+            <a:schemeClr val="accent1"/>
+          </a:fillRef>
+          <a:effectRef idx="0">
+            <a:schemeClr val="accent1"/>
+          </a:effectRef>
+          <a:fontRef idx="minor">
+            <a:schemeClr val="lt1"/>
+          </a:fontRef>
+        </p:style>
+        <p:txBody>
+          <a:bodyPr lIns="0" tIns="0" rIns="0" bIns="0" rtlCol="0" anchor="ctr"/>
+          <a:lstStyle/>
+          <a:p>
+            <a:pPr algn="ctr"/>
+            <a:r>
+              <a:rPr lang="en-US" sz="1200" b="1" dirty="0" smtClean="0"/>
+              <a:t>END</a:t>
+            </a:r>
+            <a:endParaRPr lang="en-US" sz="1200" b="1" dirty="0"/>
+          </a:p>
+        </p:txBody>
+      </p:sp>
+      <p:cxnSp>
+        <p:nvCxnSpPr>
+          <p:cNvPr id="56" name="Connector: Elbow 51">
+            <a:extLst>
+              <a:ext uri="{FF2B5EF4-FFF2-40B4-BE49-F238E27FC236}">
+                <a16:creationId xmlns:a16="http://schemas.microsoft.com/office/drawing/2014/main" id="{11038180-DCFA-46DA-92B2-5F5EC9127D00}"/>
+              </a:ext>
+            </a:extLst>
+          </p:cNvPr>
+          <p:cNvCxnSpPr>
+            <a:cxnSpLocks/>
+            <a:stCxn id="36" idx="3"/>
+            <a:endCxn id="55" idx="0"/>
+          </p:cNvCxnSpPr>
+          <p:nvPr/>
+        </p:nvCxnSpPr>
+        <p:spPr>
+          <a:xfrm>
+            <a:off x="6841020" y="3512403"/>
+            <a:ext cx="1545697" cy="924491"/>
+          </a:xfrm>
+          <a:prstGeom prst="bentConnector2">
+            <a:avLst/>
+          </a:prstGeom>
+          <a:ln w="19050">
+            <a:solidFill>
+              <a:schemeClr val="tx1"/>
+            </a:solidFill>
+            <a:tailEnd type="triangle"/>
+          </a:ln>
+        </p:spPr>
+        <p:style>
+          <a:lnRef idx="1">
+            <a:schemeClr val="accent1"/>
+          </a:lnRef>
+          <a:fillRef idx="0">
+            <a:schemeClr val="accent1"/>
+          </a:fillRef>
+          <a:effectRef idx="0">
+            <a:schemeClr val="accent1"/>
+          </a:effectRef>
+          <a:fontRef idx="minor">
+            <a:schemeClr val="tx1"/>
+          </a:fontRef>
+        </p:style>
+      </p:cxnSp>
+      <p:sp>
+        <p:nvSpPr>
+          <p:cNvPr id="60" name="TextBox 59"/>
+          <p:cNvSpPr txBox="1"/>
+          <p:nvPr/>
+        </p:nvSpPr>
+        <p:spPr>
+          <a:xfrm>
+            <a:off x="540265" y="4575622"/>
+            <a:ext cx="6806278" cy="793768"/>
+          </a:xfrm>
+          <a:prstGeom prst="rect">
+            <a:avLst/>
+          </a:prstGeom>
+          <a:noFill/>
+        </p:spPr>
+        <p:txBody>
+          <a:bodyPr wrap="square" rtlCol="0">
+            <a:noAutofit/>
+          </a:bodyPr>
+          <a:lstStyle/>
+          <a:p>
+            <a:pPr marL="342900" indent="-342900">
+              <a:buFont typeface="+mj-lt"/>
+              <a:buAutoNum type="arabicPeriod"/>
+            </a:pPr>
+            <a:r>
+              <a:rPr lang="en-US" sz="1400" b="1" dirty="0" smtClean="0"/>
+              <a:t>A slice is just grabbing a single row of pixels</a:t>
+            </a:r>
+          </a:p>
+          <a:p>
+            <a:pPr marL="342900" indent="-342900">
+              <a:buFont typeface="+mj-lt"/>
+              <a:buAutoNum type="arabicPeriod"/>
+            </a:pPr>
+            <a:r>
+              <a:rPr lang="en-US" sz="1400" b="1" dirty="0" smtClean="0"/>
+              <a:t>Need to account for the fact that the slice could be reversed, i.e. low to high</a:t>
+            </a:r>
+          </a:p>
+          <a:p>
+            <a:pPr marL="342900" indent="-342900">
+              <a:buFont typeface="+mj-lt"/>
+              <a:buAutoNum type="arabicPeriod"/>
+            </a:pPr>
+            <a:r>
+              <a:rPr lang="en-US" sz="1400" b="1" dirty="0" smtClean="0"/>
+              <a:t>Multiple slices might be better than a single slice</a:t>
+            </a:r>
+            <a:endParaRPr lang="en-US" sz="1400" b="1" dirty="0"/>
+          </a:p>
+        </p:txBody>
+      </p:sp>
+      <p:sp>
+        <p:nvSpPr>
+          <p:cNvPr id="73" name="Rounded Rectangle 72"/>
+          <p:cNvSpPr/>
+          <p:nvPr/>
+        </p:nvSpPr>
+        <p:spPr>
+          <a:xfrm>
+            <a:off x="3407807" y="2343909"/>
+            <a:ext cx="1071194" cy="439250"/>
+          </a:xfrm>
+          <a:prstGeom prst="roundRect">
+            <a:avLst/>
+          </a:prstGeom>
+          <a:solidFill>
+            <a:schemeClr val="accent6">
+              <a:lumMod val="20000"/>
+              <a:lumOff val="80000"/>
+            </a:schemeClr>
+          </a:solidFill>
+          <a:ln w="19050">
+            <a:solidFill>
+              <a:schemeClr val="tx1"/>
+            </a:solidFill>
+          </a:ln>
+        </p:spPr>
+        <p:style>
+          <a:lnRef idx="2">
+            <a:schemeClr val="accent1">
+              <a:shade val="50000"/>
+            </a:schemeClr>
+          </a:lnRef>
+          <a:fillRef idx="1">
+            <a:schemeClr val="accent1"/>
+          </a:fillRef>
+          <a:effectRef idx="0">
+            <a:schemeClr val="accent1"/>
+          </a:effectRef>
+          <a:fontRef idx="minor">
+            <a:schemeClr val="lt1"/>
+          </a:fontRef>
+        </p:style>
+        <p:txBody>
+          <a:bodyPr rtlCol="0" anchor="ctr"/>
+          <a:lstStyle/>
+          <a:p>
+            <a:pPr algn="ctr"/>
+            <a:r>
+              <a:rPr lang="en-US" sz="1000" b="1" dirty="0" smtClean="0">
+                <a:solidFill>
+                  <a:schemeClr val="tx1"/>
+                </a:solidFill>
+              </a:rPr>
+              <a:t>preprocess Image</a:t>
+            </a:r>
+            <a:endParaRPr lang="en-US" sz="1000" b="1" dirty="0" smtClean="0">
+              <a:solidFill>
+                <a:schemeClr val="tx1"/>
+              </a:solidFill>
+            </a:endParaRPr>
+          </a:p>
+        </p:txBody>
+      </p:sp>
+      <p:cxnSp>
+        <p:nvCxnSpPr>
+          <p:cNvPr id="76" name="Connector: Elbow 51">
+            <a:extLst>
+              <a:ext uri="{FF2B5EF4-FFF2-40B4-BE49-F238E27FC236}">
+                <a16:creationId xmlns:a16="http://schemas.microsoft.com/office/drawing/2014/main" id="{11038180-DCFA-46DA-92B2-5F5EC9127D00}"/>
+              </a:ext>
+            </a:extLst>
+          </p:cNvPr>
+          <p:cNvCxnSpPr>
+            <a:cxnSpLocks/>
+            <a:stCxn id="73" idx="3"/>
+            <a:endCxn id="15" idx="1"/>
+          </p:cNvCxnSpPr>
+          <p:nvPr/>
+        </p:nvCxnSpPr>
+        <p:spPr>
+          <a:xfrm flipV="1">
+            <a:off x="4479001" y="2528849"/>
+            <a:ext cx="471947" cy="34685"/>
+          </a:xfrm>
+          <a:prstGeom prst="bentConnector3">
+            <a:avLst>
+              <a:gd name="adj1" fmla="val 50000"/>
+            </a:avLst>
+          </a:prstGeom>
+          <a:ln w="19050">
+            <a:solidFill>
+              <a:schemeClr val="tx1"/>
+            </a:solidFill>
+            <a:tailEnd type="triangle"/>
+          </a:ln>
+        </p:spPr>
+        <p:style>
+          <a:lnRef idx="1">
+            <a:schemeClr val="accent1"/>
+          </a:lnRef>
+          <a:fillRef idx="0">
+            <a:schemeClr val="accent1"/>
+          </a:fillRef>
+          <a:effectRef idx="0">
+            <a:schemeClr val="accent1"/>
+          </a:effectRef>
+          <a:fontRef idx="minor">
+            <a:schemeClr val="tx1"/>
+          </a:fontRef>
+        </p:style>
+      </p:cxnSp>
+    </p:spTree>
+    <p:extLst>
+      <p:ext uri="{BB962C8B-B14F-4D97-AF65-F5344CB8AC3E}">
+        <p14:creationId xmlns:p14="http://schemas.microsoft.com/office/powerpoint/2010/main" val="902064395"/>
       </p:ext>
     </p:extLst>
   </p:cSld>
